--- a/poster.pptx
+++ b/poster.pptx
@@ -3035,6 +3035,573 @@
           </a:p>
         </p:txBody>
       </p:sp>
+      <p:grpSp>
+        <p:nvGrpSpPr>
+          <p:cNvPr id="29" name="Group 28"/>
+          <p:cNvGrpSpPr/>
+          <p:nvPr/>
+        </p:nvGrpSpPr>
+        <p:grpSpPr>
+          <a:xfrm>
+            <a:off x="12095628" y="4269427"/>
+            <a:ext cx="12270443" cy="23822497"/>
+            <a:chOff x="12095628" y="4269427"/>
+            <a:chExt cx="12270443" cy="23822497"/>
+          </a:xfrm>
+        </p:grpSpPr>
+        <p:sp>
+          <p:nvSpPr>
+            <p:cNvPr id="20" name="TextBox 19"/>
+            <p:cNvSpPr txBox="1"/>
+            <p:nvPr/>
+          </p:nvSpPr>
+          <p:spPr>
+            <a:xfrm>
+              <a:off x="12095629" y="4269427"/>
+              <a:ext cx="12270441" cy="1049646"/>
+            </a:xfrm>
+            <a:prstGeom prst="rect">
+              <a:avLst/>
+            </a:prstGeom>
+            <a:noFill/>
+          </p:spPr>
+          <p:txBody>
+            <a:bodyPr wrap="square" rtlCol="0">
+              <a:spAutoFit/>
+            </a:bodyPr>
+            <a:lstStyle/>
+            <a:p>
+              <a:pPr algn="ctr"/>
+              <a:r>
+                <a:rPr lang="en-US" b="1" dirty="0" smtClean="0">
+                  <a:latin typeface="Agency FB" panose="020B0503020202020204" pitchFamily="34" charset="0"/>
+                </a:rPr>
+                <a:t>Bivariate Analysis by Position</a:t>
+              </a:r>
+              <a:endParaRPr lang="en-US" b="1" dirty="0">
+                <a:latin typeface="Agency FB" panose="020B0503020202020204" pitchFamily="34" charset="0"/>
+              </a:endParaRPr>
+            </a:p>
+          </p:txBody>
+        </p:sp>
+        <p:grpSp>
+          <p:nvGrpSpPr>
+            <p:cNvPr id="27" name="Group 26"/>
+            <p:cNvGrpSpPr/>
+            <p:nvPr/>
+          </p:nvGrpSpPr>
+          <p:grpSpPr>
+            <a:xfrm>
+              <a:off x="12095629" y="5835377"/>
+              <a:ext cx="12270442" cy="5930057"/>
+              <a:chOff x="12095629" y="5835377"/>
+              <a:chExt cx="12270442" cy="5930057"/>
+            </a:xfrm>
+          </p:grpSpPr>
+          <p:grpSp>
+            <p:nvGrpSpPr>
+              <p:cNvPr id="9" name="Group 8"/>
+              <p:cNvGrpSpPr/>
+              <p:nvPr/>
+            </p:nvGrpSpPr>
+            <p:grpSpPr>
+              <a:xfrm>
+                <a:off x="12095630" y="6993596"/>
+                <a:ext cx="12270441" cy="4771838"/>
+                <a:chOff x="7416053" y="11296650"/>
+                <a:chExt cx="17145000" cy="6667500"/>
+              </a:xfrm>
+            </p:grpSpPr>
+            <p:pic>
+              <p:nvPicPr>
+                <p:cNvPr id="6" name="Picture 5"/>
+                <p:cNvPicPr>
+                  <a:picLocks noChangeAspect="1"/>
+                </p:cNvPicPr>
+                <p:nvPr/>
+              </p:nvPicPr>
+              <p:blipFill>
+                <a:blip r:embed="rId2">
+                  <a:extLst>
+                    <a:ext uri="{28A0092B-C50C-407E-A947-70E740481C1C}">
+                      <a14:useLocalDpi xmlns:a14="http://schemas.microsoft.com/office/drawing/2010/main" val="0"/>
+                    </a:ext>
+                  </a:extLst>
+                </a:blip>
+                <a:stretch>
+                  <a:fillRect/>
+                </a:stretch>
+              </p:blipFill>
+              <p:spPr>
+                <a:xfrm>
+                  <a:off x="7416053" y="11296650"/>
+                  <a:ext cx="5715000" cy="6667500"/>
+                </a:xfrm>
+                <a:prstGeom prst="rect">
+                  <a:avLst/>
+                </a:prstGeom>
+              </p:spPr>
+            </p:pic>
+            <p:pic>
+              <p:nvPicPr>
+                <p:cNvPr id="7" name="Picture 6"/>
+                <p:cNvPicPr>
+                  <a:picLocks noChangeAspect="1"/>
+                </p:cNvPicPr>
+                <p:nvPr/>
+              </p:nvPicPr>
+              <p:blipFill>
+                <a:blip r:embed="rId3">
+                  <a:extLst>
+                    <a:ext uri="{28A0092B-C50C-407E-A947-70E740481C1C}">
+                      <a14:useLocalDpi xmlns:a14="http://schemas.microsoft.com/office/drawing/2010/main" val="0"/>
+                    </a:ext>
+                  </a:extLst>
+                </a:blip>
+                <a:stretch>
+                  <a:fillRect/>
+                </a:stretch>
+              </p:blipFill>
+              <p:spPr>
+                <a:xfrm>
+                  <a:off x="13131053" y="11296650"/>
+                  <a:ext cx="5715000" cy="6667500"/>
+                </a:xfrm>
+                <a:prstGeom prst="rect">
+                  <a:avLst/>
+                </a:prstGeom>
+              </p:spPr>
+            </p:pic>
+            <p:pic>
+              <p:nvPicPr>
+                <p:cNvPr id="8" name="Picture 7"/>
+                <p:cNvPicPr>
+                  <a:picLocks noChangeAspect="1"/>
+                </p:cNvPicPr>
+                <p:nvPr/>
+              </p:nvPicPr>
+              <p:blipFill>
+                <a:blip r:embed="rId4">
+                  <a:extLst>
+                    <a:ext uri="{28A0092B-C50C-407E-A947-70E740481C1C}">
+                      <a14:useLocalDpi xmlns:a14="http://schemas.microsoft.com/office/drawing/2010/main" val="0"/>
+                    </a:ext>
+                  </a:extLst>
+                </a:blip>
+                <a:stretch>
+                  <a:fillRect/>
+                </a:stretch>
+              </p:blipFill>
+              <p:spPr>
+                <a:xfrm>
+                  <a:off x="18846053" y="11296650"/>
+                  <a:ext cx="5715000" cy="6667500"/>
+                </a:xfrm>
+                <a:prstGeom prst="rect">
+                  <a:avLst/>
+                </a:prstGeom>
+              </p:spPr>
+            </p:pic>
+          </p:grpSp>
+          <p:sp>
+            <p:nvSpPr>
+              <p:cNvPr id="21" name="TextBox 20"/>
+              <p:cNvSpPr txBox="1"/>
+              <p:nvPr/>
+            </p:nvSpPr>
+            <p:spPr>
+              <a:xfrm>
+                <a:off x="12095629" y="5835377"/>
+                <a:ext cx="12270441" cy="1049646"/>
+              </a:xfrm>
+              <a:prstGeom prst="rect">
+                <a:avLst/>
+              </a:prstGeom>
+              <a:noFill/>
+            </p:spPr>
+            <p:txBody>
+              <a:bodyPr wrap="square" rtlCol="0">
+                <a:spAutoFit/>
+              </a:bodyPr>
+              <a:lstStyle/>
+              <a:p>
+                <a:pPr algn="ctr"/>
+                <a:r>
+                  <a:rPr lang="en-US" dirty="0" smtClean="0">
+                    <a:latin typeface="Agency FB" panose="020B0503020202020204" pitchFamily="34" charset="0"/>
+                  </a:rPr>
+                  <a:t>40 Yard Dash vs. Career Yardage </a:t>
+                </a:r>
+                <a:endParaRPr lang="en-US" dirty="0">
+                  <a:latin typeface="Agency FB" panose="020B0503020202020204" pitchFamily="34" charset="0"/>
+                </a:endParaRPr>
+              </a:p>
+            </p:txBody>
+          </p:sp>
+        </p:grpSp>
+        <p:grpSp>
+          <p:nvGrpSpPr>
+            <p:cNvPr id="28" name="Group 27"/>
+            <p:cNvGrpSpPr/>
+            <p:nvPr/>
+          </p:nvGrpSpPr>
+          <p:grpSpPr>
+            <a:xfrm>
+              <a:off x="12095629" y="22215164"/>
+              <a:ext cx="12270441" cy="5876760"/>
+              <a:chOff x="12095629" y="22215164"/>
+              <a:chExt cx="12270441" cy="5876760"/>
+            </a:xfrm>
+          </p:grpSpPr>
+          <p:grpSp>
+            <p:nvGrpSpPr>
+              <p:cNvPr id="17" name="Group 16"/>
+              <p:cNvGrpSpPr/>
+              <p:nvPr/>
+            </p:nvGrpSpPr>
+            <p:grpSpPr>
+              <a:xfrm>
+                <a:off x="12095629" y="23320086"/>
+                <a:ext cx="12270441" cy="4771838"/>
+                <a:chOff x="5963771" y="22782207"/>
+                <a:chExt cx="17145000" cy="6667500"/>
+              </a:xfrm>
+            </p:grpSpPr>
+            <p:pic>
+              <p:nvPicPr>
+                <p:cNvPr id="14" name="Picture 13"/>
+                <p:cNvPicPr>
+                  <a:picLocks noChangeAspect="1"/>
+                </p:cNvPicPr>
+                <p:nvPr/>
+              </p:nvPicPr>
+              <p:blipFill>
+                <a:blip r:embed="rId5">
+                  <a:extLst>
+                    <a:ext uri="{28A0092B-C50C-407E-A947-70E740481C1C}">
+                      <a14:useLocalDpi xmlns:a14="http://schemas.microsoft.com/office/drawing/2010/main" val="0"/>
+                    </a:ext>
+                  </a:extLst>
+                </a:blip>
+                <a:stretch>
+                  <a:fillRect/>
+                </a:stretch>
+              </p:blipFill>
+              <p:spPr>
+                <a:xfrm>
+                  <a:off x="5963771" y="22782207"/>
+                  <a:ext cx="5715000" cy="6667500"/>
+                </a:xfrm>
+                <a:prstGeom prst="rect">
+                  <a:avLst/>
+                </a:prstGeom>
+              </p:spPr>
+            </p:pic>
+            <p:pic>
+              <p:nvPicPr>
+                <p:cNvPr id="15" name="Picture 14"/>
+                <p:cNvPicPr>
+                  <a:picLocks noChangeAspect="1"/>
+                </p:cNvPicPr>
+                <p:nvPr/>
+              </p:nvPicPr>
+              <p:blipFill>
+                <a:blip r:embed="rId6">
+                  <a:extLst>
+                    <a:ext uri="{28A0092B-C50C-407E-A947-70E740481C1C}">
+                      <a14:useLocalDpi xmlns:a14="http://schemas.microsoft.com/office/drawing/2010/main" val="0"/>
+                    </a:ext>
+                  </a:extLst>
+                </a:blip>
+                <a:stretch>
+                  <a:fillRect/>
+                </a:stretch>
+              </p:blipFill>
+              <p:spPr>
+                <a:xfrm>
+                  <a:off x="11678771" y="22782207"/>
+                  <a:ext cx="5715000" cy="6667500"/>
+                </a:xfrm>
+                <a:prstGeom prst="rect">
+                  <a:avLst/>
+                </a:prstGeom>
+              </p:spPr>
+            </p:pic>
+            <p:pic>
+              <p:nvPicPr>
+                <p:cNvPr id="16" name="Picture 15"/>
+                <p:cNvPicPr>
+                  <a:picLocks noChangeAspect="1"/>
+                </p:cNvPicPr>
+                <p:nvPr/>
+              </p:nvPicPr>
+              <p:blipFill>
+                <a:blip r:embed="rId7">
+                  <a:extLst>
+                    <a:ext uri="{28A0092B-C50C-407E-A947-70E740481C1C}">
+                      <a14:useLocalDpi xmlns:a14="http://schemas.microsoft.com/office/drawing/2010/main" val="0"/>
+                    </a:ext>
+                  </a:extLst>
+                </a:blip>
+                <a:stretch>
+                  <a:fillRect/>
+                </a:stretch>
+              </p:blipFill>
+              <p:spPr>
+                <a:xfrm>
+                  <a:off x="17393771" y="22782207"/>
+                  <a:ext cx="5715000" cy="6667500"/>
+                </a:xfrm>
+                <a:prstGeom prst="rect">
+                  <a:avLst/>
+                </a:prstGeom>
+              </p:spPr>
+            </p:pic>
+          </p:grpSp>
+          <p:sp>
+            <p:nvSpPr>
+              <p:cNvPr id="23" name="TextBox 22"/>
+              <p:cNvSpPr txBox="1"/>
+              <p:nvPr/>
+            </p:nvSpPr>
+            <p:spPr>
+              <a:xfrm>
+                <a:off x="12095629" y="22215164"/>
+                <a:ext cx="12270441" cy="1049646"/>
+              </a:xfrm>
+              <a:prstGeom prst="rect">
+                <a:avLst/>
+              </a:prstGeom>
+              <a:noFill/>
+            </p:spPr>
+            <p:txBody>
+              <a:bodyPr wrap="square" rtlCol="0">
+                <a:spAutoFit/>
+              </a:bodyPr>
+              <a:lstStyle/>
+              <a:p>
+                <a:pPr algn="ctr"/>
+                <a:r>
+                  <a:rPr lang="en-US" dirty="0">
+                    <a:latin typeface="Agency FB" panose="020B0503020202020204" pitchFamily="34" charset="0"/>
+                  </a:rPr>
+                  <a:t>Height vs. Career Yardage </a:t>
+                </a:r>
+              </a:p>
+            </p:txBody>
+          </p:sp>
+        </p:grpSp>
+        <p:grpSp>
+          <p:nvGrpSpPr>
+            <p:cNvPr id="26" name="Group 25"/>
+            <p:cNvGrpSpPr/>
+            <p:nvPr/>
+          </p:nvGrpSpPr>
+          <p:grpSpPr>
+            <a:xfrm>
+              <a:off x="12095628" y="12788885"/>
+              <a:ext cx="12270443" cy="8682795"/>
+              <a:chOff x="12095628" y="12788885"/>
+              <a:chExt cx="12270443" cy="8682795"/>
+            </a:xfrm>
+          </p:grpSpPr>
+          <p:grpSp>
+            <p:nvGrpSpPr>
+              <p:cNvPr id="13" name="Group 12"/>
+              <p:cNvGrpSpPr/>
+              <p:nvPr/>
+            </p:nvGrpSpPr>
+            <p:grpSpPr>
+              <a:xfrm>
+                <a:off x="12095630" y="13946608"/>
+                <a:ext cx="12270441" cy="4771838"/>
+                <a:chOff x="5963771" y="14215546"/>
+                <a:chExt cx="17145000" cy="6667500"/>
+              </a:xfrm>
+            </p:grpSpPr>
+            <p:pic>
+              <p:nvPicPr>
+                <p:cNvPr id="10" name="Picture 9"/>
+                <p:cNvPicPr>
+                  <a:picLocks noChangeAspect="1"/>
+                </p:cNvPicPr>
+                <p:nvPr/>
+              </p:nvPicPr>
+              <p:blipFill>
+                <a:blip r:embed="rId8">
+                  <a:extLst>
+                    <a:ext uri="{28A0092B-C50C-407E-A947-70E740481C1C}">
+                      <a14:useLocalDpi xmlns:a14="http://schemas.microsoft.com/office/drawing/2010/main" val="0"/>
+                    </a:ext>
+                  </a:extLst>
+                </a:blip>
+                <a:stretch>
+                  <a:fillRect/>
+                </a:stretch>
+              </p:blipFill>
+              <p:spPr>
+                <a:xfrm>
+                  <a:off x="5963771" y="14215546"/>
+                  <a:ext cx="5715000" cy="6667500"/>
+                </a:xfrm>
+                <a:prstGeom prst="rect">
+                  <a:avLst/>
+                </a:prstGeom>
+              </p:spPr>
+            </p:pic>
+            <p:pic>
+              <p:nvPicPr>
+                <p:cNvPr id="11" name="Picture 10"/>
+                <p:cNvPicPr>
+                  <a:picLocks noChangeAspect="1"/>
+                </p:cNvPicPr>
+                <p:nvPr/>
+              </p:nvPicPr>
+              <p:blipFill>
+                <a:blip r:embed="rId9">
+                  <a:extLst>
+                    <a:ext uri="{28A0092B-C50C-407E-A947-70E740481C1C}">
+                      <a14:useLocalDpi xmlns:a14="http://schemas.microsoft.com/office/drawing/2010/main" val="0"/>
+                    </a:ext>
+                  </a:extLst>
+                </a:blip>
+                <a:stretch>
+                  <a:fillRect/>
+                </a:stretch>
+              </p:blipFill>
+              <p:spPr>
+                <a:xfrm>
+                  <a:off x="11678771" y="14215546"/>
+                  <a:ext cx="5715000" cy="6667500"/>
+                </a:xfrm>
+                <a:prstGeom prst="rect">
+                  <a:avLst/>
+                </a:prstGeom>
+              </p:spPr>
+            </p:pic>
+            <p:pic>
+              <p:nvPicPr>
+                <p:cNvPr id="12" name="Picture 11"/>
+                <p:cNvPicPr>
+                  <a:picLocks noChangeAspect="1"/>
+                </p:cNvPicPr>
+                <p:nvPr/>
+              </p:nvPicPr>
+              <p:blipFill>
+                <a:blip r:embed="rId10">
+                  <a:extLst>
+                    <a:ext uri="{28A0092B-C50C-407E-A947-70E740481C1C}">
+                      <a14:useLocalDpi xmlns:a14="http://schemas.microsoft.com/office/drawing/2010/main" val="0"/>
+                    </a:ext>
+                  </a:extLst>
+                </a:blip>
+                <a:stretch>
+                  <a:fillRect/>
+                </a:stretch>
+              </p:blipFill>
+              <p:spPr>
+                <a:xfrm>
+                  <a:off x="17393771" y="14215546"/>
+                  <a:ext cx="5715000" cy="6667500"/>
+                </a:xfrm>
+                <a:prstGeom prst="rect">
+                  <a:avLst/>
+                </a:prstGeom>
+              </p:spPr>
+            </p:pic>
+          </p:grpSp>
+          <p:sp>
+            <p:nvSpPr>
+              <p:cNvPr id="22" name="TextBox 21"/>
+              <p:cNvSpPr txBox="1"/>
+              <p:nvPr/>
+            </p:nvSpPr>
+            <p:spPr>
+              <a:xfrm>
+                <a:off x="12095629" y="12788885"/>
+                <a:ext cx="12270442" cy="1049646"/>
+              </a:xfrm>
+              <a:prstGeom prst="rect">
+                <a:avLst/>
+              </a:prstGeom>
+              <a:noFill/>
+            </p:spPr>
+            <p:txBody>
+              <a:bodyPr wrap="square" rtlCol="0">
+                <a:spAutoFit/>
+              </a:bodyPr>
+              <a:lstStyle/>
+              <a:p>
+                <a:pPr algn="ctr"/>
+                <a:r>
+                  <a:rPr lang="en-US" dirty="0">
+                    <a:latin typeface="Agency FB" panose="020B0503020202020204" pitchFamily="34" charset="0"/>
+                  </a:rPr>
+                  <a:t>Speed Score vs. Career Yardage </a:t>
+                </a:r>
+              </a:p>
+            </p:txBody>
+          </p:sp>
+          <p:pic>
+            <p:nvPicPr>
+              <p:cNvPr id="24" name="Picture 23"/>
+              <p:cNvPicPr>
+                <a:picLocks noChangeAspect="1"/>
+              </p:cNvPicPr>
+              <p:nvPr/>
+            </p:nvPicPr>
+            <p:blipFill>
+              <a:blip r:embed="rId11"/>
+              <a:stretch>
+                <a:fillRect/>
+              </a:stretch>
+            </p:blipFill>
+            <p:spPr>
+              <a:xfrm>
+                <a:off x="16952539" y="20223905"/>
+                <a:ext cx="2886075" cy="1247775"/>
+              </a:xfrm>
+              <a:prstGeom prst="rect">
+                <a:avLst/>
+              </a:prstGeom>
+            </p:spPr>
+          </p:pic>
+          <p:sp>
+            <p:nvSpPr>
+              <p:cNvPr id="25" name="TextBox 24"/>
+              <p:cNvSpPr txBox="1"/>
+              <p:nvPr/>
+            </p:nvSpPr>
+            <p:spPr>
+              <a:xfrm>
+                <a:off x="12095628" y="18933243"/>
+                <a:ext cx="12270442" cy="1200329"/>
+              </a:xfrm>
+              <a:prstGeom prst="rect">
+                <a:avLst/>
+              </a:prstGeom>
+              <a:noFill/>
+            </p:spPr>
+            <p:txBody>
+              <a:bodyPr wrap="square" rtlCol="0">
+                <a:spAutoFit/>
+              </a:bodyPr>
+              <a:lstStyle/>
+              <a:p>
+                <a:r>
+                  <a:rPr lang="en-US" sz="3600" dirty="0"/>
+                  <a:t>S</a:t>
+                </a:r>
+                <a:r>
+                  <a:rPr lang="en-US" sz="3600" dirty="0" smtClean="0"/>
+                  <a:t>peed score is a metric used to measure speed that adjusts for players' weight and is calculated using the following formula:</a:t>
+                </a:r>
+                <a:endParaRPr lang="en-US" sz="3600" dirty="0"/>
+              </a:p>
+            </p:txBody>
+          </p:sp>
+        </p:grpSp>
+      </p:grpSp>
     </p:spTree>
     <p:extLst>
       <p:ext uri="{BB962C8B-B14F-4D97-AF65-F5344CB8AC3E}">

--- a/poster.pptx
+++ b/poster.pptx
@@ -1,19 +1,114 @@
 
 <file path=ppt/presentation.xml><?xml version="1.0" encoding="utf-8"?>
-<p:presentation xmlns:a="http://schemas.openxmlformats.org/drawingml/2006/main" xmlns:p="http://schemas.openxmlformats.org/presentationml/2006/main" xmlns:r="http://schemas.openxmlformats.org/officeDocument/2006/relationships">
+<p:presentation xmlns:a="http://schemas.openxmlformats.org/drawingml/2006/main" xmlns:r="http://schemas.openxmlformats.org/officeDocument/2006/relationships" xmlns:p="http://schemas.openxmlformats.org/presentationml/2006/main">
   <p:sldMasterIdLst>
-    <p:sldMasterId id="2147483648" r:id="rId2"/>
+    <p:sldMasterId id="2147483648" r:id="rId1"/>
   </p:sldMasterIdLst>
   <p:sldIdLst>
-    <p:sldId id="256" r:id="rId3"/>
+    <p:sldId id="256" r:id="rId2"/>
   </p:sldIdLst>
   <p:sldSz cx="36576000" cy="29260800"/>
   <p:notesSz cx="7772400" cy="10058400"/>
+  <p:defaultTextStyle>
+    <a:defPPr>
+      <a:defRPr lang="en-US"/>
+    </a:defPPr>
+    <a:lvl1pPr marL="0" algn="l" defTabSz="914400" rtl="0" eaLnBrk="1" latinLnBrk="0" hangingPunct="1">
+      <a:defRPr sz="1800" kern="1200">
+        <a:solidFill>
+          <a:schemeClr val="tx1"/>
+        </a:solidFill>
+        <a:latin typeface="+mn-lt"/>
+        <a:ea typeface="+mn-ea"/>
+        <a:cs typeface="+mn-cs"/>
+      </a:defRPr>
+    </a:lvl1pPr>
+    <a:lvl2pPr marL="457200" algn="l" defTabSz="914400" rtl="0" eaLnBrk="1" latinLnBrk="0" hangingPunct="1">
+      <a:defRPr sz="1800" kern="1200">
+        <a:solidFill>
+          <a:schemeClr val="tx1"/>
+        </a:solidFill>
+        <a:latin typeface="+mn-lt"/>
+        <a:ea typeface="+mn-ea"/>
+        <a:cs typeface="+mn-cs"/>
+      </a:defRPr>
+    </a:lvl2pPr>
+    <a:lvl3pPr marL="914400" algn="l" defTabSz="914400" rtl="0" eaLnBrk="1" latinLnBrk="0" hangingPunct="1">
+      <a:defRPr sz="1800" kern="1200">
+        <a:solidFill>
+          <a:schemeClr val="tx1"/>
+        </a:solidFill>
+        <a:latin typeface="+mn-lt"/>
+        <a:ea typeface="+mn-ea"/>
+        <a:cs typeface="+mn-cs"/>
+      </a:defRPr>
+    </a:lvl3pPr>
+    <a:lvl4pPr marL="1371600" algn="l" defTabSz="914400" rtl="0" eaLnBrk="1" latinLnBrk="0" hangingPunct="1">
+      <a:defRPr sz="1800" kern="1200">
+        <a:solidFill>
+          <a:schemeClr val="tx1"/>
+        </a:solidFill>
+        <a:latin typeface="+mn-lt"/>
+        <a:ea typeface="+mn-ea"/>
+        <a:cs typeface="+mn-cs"/>
+      </a:defRPr>
+    </a:lvl4pPr>
+    <a:lvl5pPr marL="1828800" algn="l" defTabSz="914400" rtl="0" eaLnBrk="1" latinLnBrk="0" hangingPunct="1">
+      <a:defRPr sz="1800" kern="1200">
+        <a:solidFill>
+          <a:schemeClr val="tx1"/>
+        </a:solidFill>
+        <a:latin typeface="+mn-lt"/>
+        <a:ea typeface="+mn-ea"/>
+        <a:cs typeface="+mn-cs"/>
+      </a:defRPr>
+    </a:lvl5pPr>
+    <a:lvl6pPr marL="2286000" algn="l" defTabSz="914400" rtl="0" eaLnBrk="1" latinLnBrk="0" hangingPunct="1">
+      <a:defRPr sz="1800" kern="1200">
+        <a:solidFill>
+          <a:schemeClr val="tx1"/>
+        </a:solidFill>
+        <a:latin typeface="+mn-lt"/>
+        <a:ea typeface="+mn-ea"/>
+        <a:cs typeface="+mn-cs"/>
+      </a:defRPr>
+    </a:lvl6pPr>
+    <a:lvl7pPr marL="2743200" algn="l" defTabSz="914400" rtl="0" eaLnBrk="1" latinLnBrk="0" hangingPunct="1">
+      <a:defRPr sz="1800" kern="1200">
+        <a:solidFill>
+          <a:schemeClr val="tx1"/>
+        </a:solidFill>
+        <a:latin typeface="+mn-lt"/>
+        <a:ea typeface="+mn-ea"/>
+        <a:cs typeface="+mn-cs"/>
+      </a:defRPr>
+    </a:lvl7pPr>
+    <a:lvl8pPr marL="3200400" algn="l" defTabSz="914400" rtl="0" eaLnBrk="1" latinLnBrk="0" hangingPunct="1">
+      <a:defRPr sz="1800" kern="1200">
+        <a:solidFill>
+          <a:schemeClr val="tx1"/>
+        </a:solidFill>
+        <a:latin typeface="+mn-lt"/>
+        <a:ea typeface="+mn-ea"/>
+        <a:cs typeface="+mn-cs"/>
+      </a:defRPr>
+    </a:lvl8pPr>
+    <a:lvl9pPr marL="3657600" algn="l" defTabSz="914400" rtl="0" eaLnBrk="1" latinLnBrk="0" hangingPunct="1">
+      <a:defRPr sz="1800" kern="1200">
+        <a:solidFill>
+          <a:schemeClr val="tx1"/>
+        </a:solidFill>
+        <a:latin typeface="+mn-lt"/>
+        <a:ea typeface="+mn-ea"/>
+        <a:cs typeface="+mn-cs"/>
+      </a:defRPr>
+    </a:lvl9pPr>
+  </p:defaultTextStyle>
 </p:presentation>
 </file>
 
 <file path=ppt/slideLayouts/slideLayout1.xml><?xml version="1.0" encoding="utf-8"?>
-<p:sldLayout xmlns:a="http://schemas.openxmlformats.org/drawingml/2006/main" xmlns:p="http://schemas.openxmlformats.org/presentationml/2006/main" xmlns:r="http://schemas.openxmlformats.org/officeDocument/2006/relationships" type="blank" preserve="1">
+<p:sldLayout xmlns:a="http://schemas.openxmlformats.org/drawingml/2006/main" xmlns:r="http://schemas.openxmlformats.org/officeDocument/2006/relationships" xmlns:p="http://schemas.openxmlformats.org/presentationml/2006/main" type="blank" preserve="1">
   <p:cSld name="Blank Slide">
     <p:spTree>
       <p:nvGrpSpPr>
@@ -31,11 +126,14 @@
       </p:grpSpPr>
     </p:spTree>
   </p:cSld>
+  <p:clrMapOvr>
+    <a:masterClrMapping/>
+  </p:clrMapOvr>
 </p:sldLayout>
 </file>
 
 <file path=ppt/slideLayouts/slideLayout10.xml><?xml version="1.0" encoding="utf-8"?>
-<p:sldLayout xmlns:a="http://schemas.openxmlformats.org/drawingml/2006/main" xmlns:p="http://schemas.openxmlformats.org/presentationml/2006/main" xmlns:r="http://schemas.openxmlformats.org/officeDocument/2006/relationships" type="objOverTx" preserve="1">
+<p:sldLayout xmlns:a="http://schemas.openxmlformats.org/drawingml/2006/main" xmlns:r="http://schemas.openxmlformats.org/officeDocument/2006/relationships" xmlns:p="http://schemas.openxmlformats.org/presentationml/2006/main" type="objOverTx" preserve="1">
   <p:cSld name="Title, Content over Content">
     <p:spTree>
       <p:nvGrpSpPr>
@@ -71,7 +169,8 @@
           </a:prstGeom>
         </p:spPr>
         <p:txBody>
-          <a:bodyPr lIns="0" rIns="0" tIns="0" bIns="0" anchor="ctr"/>
+          <a:bodyPr lIns="0" tIns="0" rIns="0" bIns="0" anchor="ctr"/>
+          <a:lstStyle/>
           <a:p>
             <a:endParaRPr/>
           </a:p>
@@ -97,7 +196,8 @@
           </a:prstGeom>
         </p:spPr>
         <p:txBody>
-          <a:bodyPr lIns="0" rIns="0" tIns="0" bIns="0"/>
+          <a:bodyPr lIns="0" tIns="0" rIns="0" bIns="0"/>
+          <a:lstStyle/>
           <a:p>
             <a:endParaRPr/>
           </a:p>
@@ -123,7 +223,8 @@
           </a:prstGeom>
         </p:spPr>
         <p:txBody>
-          <a:bodyPr lIns="0" rIns="0" tIns="0" bIns="0"/>
+          <a:bodyPr lIns="0" tIns="0" rIns="0" bIns="0"/>
+          <a:lstStyle/>
           <a:p>
             <a:endParaRPr/>
           </a:p>
@@ -131,11 +232,14 @@
       </p:sp>
     </p:spTree>
   </p:cSld>
+  <p:clrMapOvr>
+    <a:masterClrMapping/>
+  </p:clrMapOvr>
 </p:sldLayout>
 </file>
 
 <file path=ppt/slideLayouts/slideLayout11.xml><?xml version="1.0" encoding="utf-8"?>
-<p:sldLayout xmlns:a="http://schemas.openxmlformats.org/drawingml/2006/main" xmlns:p="http://schemas.openxmlformats.org/presentationml/2006/main" xmlns:r="http://schemas.openxmlformats.org/officeDocument/2006/relationships" type="fourObj" preserve="1">
+<p:sldLayout xmlns:a="http://schemas.openxmlformats.org/drawingml/2006/main" xmlns:r="http://schemas.openxmlformats.org/officeDocument/2006/relationships" xmlns:p="http://schemas.openxmlformats.org/presentationml/2006/main" type="fourObj" preserve="1">
   <p:cSld name="Title, 4 Content">
     <p:spTree>
       <p:nvGrpSpPr>
@@ -171,7 +275,8 @@
           </a:prstGeom>
         </p:spPr>
         <p:txBody>
-          <a:bodyPr lIns="0" rIns="0" tIns="0" bIns="0" anchor="ctr"/>
+          <a:bodyPr lIns="0" tIns="0" rIns="0" bIns="0" anchor="ctr"/>
+          <a:lstStyle/>
           <a:p>
             <a:endParaRPr/>
           </a:p>
@@ -197,7 +302,8 @@
           </a:prstGeom>
         </p:spPr>
         <p:txBody>
-          <a:bodyPr lIns="0" rIns="0" tIns="0" bIns="0"/>
+          <a:bodyPr lIns="0" tIns="0" rIns="0" bIns="0"/>
+          <a:lstStyle/>
           <a:p>
             <a:endParaRPr/>
           </a:p>
@@ -223,7 +329,8 @@
           </a:prstGeom>
         </p:spPr>
         <p:txBody>
-          <a:bodyPr lIns="0" rIns="0" tIns="0" bIns="0"/>
+          <a:bodyPr lIns="0" tIns="0" rIns="0" bIns="0"/>
+          <a:lstStyle/>
           <a:p>
             <a:endParaRPr/>
           </a:p>
@@ -249,7 +356,8 @@
           </a:prstGeom>
         </p:spPr>
         <p:txBody>
-          <a:bodyPr lIns="0" rIns="0" tIns="0" bIns="0"/>
+          <a:bodyPr lIns="0" tIns="0" rIns="0" bIns="0"/>
+          <a:lstStyle/>
           <a:p>
             <a:endParaRPr/>
           </a:p>
@@ -275,7 +383,8 @@
           </a:prstGeom>
         </p:spPr>
         <p:txBody>
-          <a:bodyPr lIns="0" rIns="0" tIns="0" bIns="0"/>
+          <a:bodyPr lIns="0" tIns="0" rIns="0" bIns="0"/>
+          <a:lstStyle/>
           <a:p>
             <a:endParaRPr/>
           </a:p>
@@ -283,11 +392,14 @@
       </p:sp>
     </p:spTree>
   </p:cSld>
+  <p:clrMapOvr>
+    <a:masterClrMapping/>
+  </p:clrMapOvr>
 </p:sldLayout>
 </file>
 
 <file path=ppt/slideLayouts/slideLayout12.xml><?xml version="1.0" encoding="utf-8"?>
-<p:sldLayout xmlns:a="http://schemas.openxmlformats.org/drawingml/2006/main" xmlns:p="http://schemas.openxmlformats.org/presentationml/2006/main" xmlns:r="http://schemas.openxmlformats.org/officeDocument/2006/relationships" type="blank" preserve="1">
+<p:sldLayout xmlns:a="http://schemas.openxmlformats.org/drawingml/2006/main" xmlns:r="http://schemas.openxmlformats.org/officeDocument/2006/relationships" xmlns:p="http://schemas.openxmlformats.org/presentationml/2006/main" type="blank" preserve="1">
   <p:cSld name="Title, 6 Content">
     <p:spTree>
       <p:nvGrpSpPr>
@@ -323,7 +435,8 @@
           </a:prstGeom>
         </p:spPr>
         <p:txBody>
-          <a:bodyPr lIns="0" rIns="0" tIns="0" bIns="0" anchor="ctr"/>
+          <a:bodyPr lIns="0" tIns="0" rIns="0" bIns="0" anchor="ctr"/>
+          <a:lstStyle/>
           <a:p>
             <a:endParaRPr/>
           </a:p>
@@ -349,7 +462,8 @@
           </a:prstGeom>
         </p:spPr>
         <p:txBody>
-          <a:bodyPr lIns="0" rIns="0" tIns="0" bIns="0"/>
+          <a:bodyPr lIns="0" tIns="0" rIns="0" bIns="0"/>
+          <a:lstStyle/>
           <a:p>
             <a:endParaRPr/>
           </a:p>
@@ -375,7 +489,8 @@
           </a:prstGeom>
         </p:spPr>
         <p:txBody>
-          <a:bodyPr lIns="0" rIns="0" tIns="0" bIns="0"/>
+          <a:bodyPr lIns="0" tIns="0" rIns="0" bIns="0"/>
+          <a:lstStyle/>
           <a:p>
             <a:endParaRPr/>
           </a:p>
@@ -383,7 +498,7 @@
       </p:sp>
       <p:pic>
         <p:nvPicPr>
-          <p:cNvPr id="37" name="" descr=""/>
+          <p:cNvPr id="37" name="Picture 36"/>
           <p:cNvPicPr/>
           <p:nvPr/>
         </p:nvPicPr>
@@ -408,12 +523,12 @@
       </p:pic>
       <p:pic>
         <p:nvPicPr>
-          <p:cNvPr id="38" name="" descr=""/>
+          <p:cNvPr id="38" name="Picture 37"/>
           <p:cNvPicPr/>
           <p:nvPr/>
         </p:nvPicPr>
         <p:blipFill>
-          <a:blip r:embed="rId3"/>
+          <a:blip r:embed="rId2"/>
           <a:stretch>
             <a:fillRect/>
           </a:stretch>
@@ -433,11 +548,14 @@
       </p:pic>
     </p:spTree>
   </p:cSld>
+  <p:clrMapOvr>
+    <a:masterClrMapping/>
+  </p:clrMapOvr>
 </p:sldLayout>
 </file>
 
 <file path=ppt/slideLayouts/slideLayout2.xml><?xml version="1.0" encoding="utf-8"?>
-<p:sldLayout xmlns:a="http://schemas.openxmlformats.org/drawingml/2006/main" xmlns:p="http://schemas.openxmlformats.org/presentationml/2006/main" xmlns:r="http://schemas.openxmlformats.org/officeDocument/2006/relationships" type="tx" preserve="1">
+<p:sldLayout xmlns:a="http://schemas.openxmlformats.org/drawingml/2006/main" xmlns:r="http://schemas.openxmlformats.org/officeDocument/2006/relationships" xmlns:p="http://schemas.openxmlformats.org/presentationml/2006/main" type="tx" preserve="1">
   <p:cSld name="Title Slide">
     <p:spTree>
       <p:nvGrpSpPr>
@@ -473,7 +591,8 @@
           </a:prstGeom>
         </p:spPr>
         <p:txBody>
-          <a:bodyPr lIns="0" rIns="0" tIns="0" bIns="0" anchor="ctr"/>
+          <a:bodyPr lIns="0" tIns="0" rIns="0" bIns="0" anchor="ctr"/>
+          <a:lstStyle/>
           <a:p>
             <a:endParaRPr/>
           </a:p>
@@ -499,7 +618,8 @@
           </a:prstGeom>
         </p:spPr>
         <p:txBody>
-          <a:bodyPr lIns="0" rIns="0" tIns="0" bIns="0" anchor="ctr"/>
+          <a:bodyPr lIns="0" tIns="0" rIns="0" bIns="0" anchor="ctr"/>
+          <a:lstStyle/>
           <a:p>
             <a:pPr algn="ctr"/>
             <a:endParaRPr/>
@@ -508,11 +628,14 @@
       </p:sp>
     </p:spTree>
   </p:cSld>
+  <p:clrMapOvr>
+    <a:masterClrMapping/>
+  </p:clrMapOvr>
 </p:sldLayout>
 </file>
 
 <file path=ppt/slideLayouts/slideLayout3.xml><?xml version="1.0" encoding="utf-8"?>
-<p:sldLayout xmlns:a="http://schemas.openxmlformats.org/drawingml/2006/main" xmlns:p="http://schemas.openxmlformats.org/presentationml/2006/main" xmlns:r="http://schemas.openxmlformats.org/officeDocument/2006/relationships" type="obj" preserve="1">
+<p:sldLayout xmlns:a="http://schemas.openxmlformats.org/drawingml/2006/main" xmlns:r="http://schemas.openxmlformats.org/officeDocument/2006/relationships" xmlns:p="http://schemas.openxmlformats.org/presentationml/2006/main" type="obj" preserve="1">
   <p:cSld name="Title, Content">
     <p:spTree>
       <p:nvGrpSpPr>
@@ -548,7 +671,8 @@
           </a:prstGeom>
         </p:spPr>
         <p:txBody>
-          <a:bodyPr lIns="0" rIns="0" tIns="0" bIns="0" anchor="ctr"/>
+          <a:bodyPr lIns="0" tIns="0" rIns="0" bIns="0" anchor="ctr"/>
+          <a:lstStyle/>
           <a:p>
             <a:endParaRPr/>
           </a:p>
@@ -574,7 +698,8 @@
           </a:prstGeom>
         </p:spPr>
         <p:txBody>
-          <a:bodyPr lIns="0" rIns="0" tIns="0" bIns="0"/>
+          <a:bodyPr lIns="0" tIns="0" rIns="0" bIns="0"/>
+          <a:lstStyle/>
           <a:p>
             <a:endParaRPr/>
           </a:p>
@@ -582,11 +707,14 @@
       </p:sp>
     </p:spTree>
   </p:cSld>
+  <p:clrMapOvr>
+    <a:masterClrMapping/>
+  </p:clrMapOvr>
 </p:sldLayout>
 </file>
 
 <file path=ppt/slideLayouts/slideLayout4.xml><?xml version="1.0" encoding="utf-8"?>
-<p:sldLayout xmlns:a="http://schemas.openxmlformats.org/drawingml/2006/main" xmlns:p="http://schemas.openxmlformats.org/presentationml/2006/main" xmlns:r="http://schemas.openxmlformats.org/officeDocument/2006/relationships" type="twoObj" preserve="1">
+<p:sldLayout xmlns:a="http://schemas.openxmlformats.org/drawingml/2006/main" xmlns:r="http://schemas.openxmlformats.org/officeDocument/2006/relationships" xmlns:p="http://schemas.openxmlformats.org/presentationml/2006/main" type="twoObj" preserve="1">
   <p:cSld name="Title, 2 Content">
     <p:spTree>
       <p:nvGrpSpPr>
@@ -622,7 +750,8 @@
           </a:prstGeom>
         </p:spPr>
         <p:txBody>
-          <a:bodyPr lIns="0" rIns="0" tIns="0" bIns="0" anchor="ctr"/>
+          <a:bodyPr lIns="0" tIns="0" rIns="0" bIns="0" anchor="ctr"/>
+          <a:lstStyle/>
           <a:p>
             <a:endParaRPr/>
           </a:p>
@@ -648,7 +777,8 @@
           </a:prstGeom>
         </p:spPr>
         <p:txBody>
-          <a:bodyPr lIns="0" rIns="0" tIns="0" bIns="0"/>
+          <a:bodyPr lIns="0" tIns="0" rIns="0" bIns="0"/>
+          <a:lstStyle/>
           <a:p>
             <a:endParaRPr/>
           </a:p>
@@ -674,7 +804,8 @@
           </a:prstGeom>
         </p:spPr>
         <p:txBody>
-          <a:bodyPr lIns="0" rIns="0" tIns="0" bIns="0"/>
+          <a:bodyPr lIns="0" tIns="0" rIns="0" bIns="0"/>
+          <a:lstStyle/>
           <a:p>
             <a:endParaRPr/>
           </a:p>
@@ -682,11 +813,14 @@
       </p:sp>
     </p:spTree>
   </p:cSld>
+  <p:clrMapOvr>
+    <a:masterClrMapping/>
+  </p:clrMapOvr>
 </p:sldLayout>
 </file>
 
 <file path=ppt/slideLayouts/slideLayout5.xml><?xml version="1.0" encoding="utf-8"?>
-<p:sldLayout xmlns:a="http://schemas.openxmlformats.org/drawingml/2006/main" xmlns:p="http://schemas.openxmlformats.org/presentationml/2006/main" xmlns:r="http://schemas.openxmlformats.org/officeDocument/2006/relationships" type="titleOnly" preserve="1">
+<p:sldLayout xmlns:a="http://schemas.openxmlformats.org/drawingml/2006/main" xmlns:r="http://schemas.openxmlformats.org/officeDocument/2006/relationships" xmlns:p="http://schemas.openxmlformats.org/presentationml/2006/main" type="titleOnly" preserve="1">
   <p:cSld name="Title Only">
     <p:spTree>
       <p:nvGrpSpPr>
@@ -722,7 +856,8 @@
           </a:prstGeom>
         </p:spPr>
         <p:txBody>
-          <a:bodyPr lIns="0" rIns="0" tIns="0" bIns="0" anchor="ctr"/>
+          <a:bodyPr lIns="0" tIns="0" rIns="0" bIns="0" anchor="ctr"/>
+          <a:lstStyle/>
           <a:p>
             <a:endParaRPr/>
           </a:p>
@@ -730,11 +865,14 @@
       </p:sp>
     </p:spTree>
   </p:cSld>
+  <p:clrMapOvr>
+    <a:masterClrMapping/>
+  </p:clrMapOvr>
 </p:sldLayout>
 </file>
 
 <file path=ppt/slideLayouts/slideLayout6.xml><?xml version="1.0" encoding="utf-8"?>
-<p:sldLayout xmlns:a="http://schemas.openxmlformats.org/drawingml/2006/main" xmlns:p="http://schemas.openxmlformats.org/presentationml/2006/main" xmlns:r="http://schemas.openxmlformats.org/officeDocument/2006/relationships" type="objOnly" preserve="1">
+<p:sldLayout xmlns:a="http://schemas.openxmlformats.org/drawingml/2006/main" xmlns:r="http://schemas.openxmlformats.org/officeDocument/2006/relationships" xmlns:p="http://schemas.openxmlformats.org/presentationml/2006/main" type="objOnly" preserve="1">
   <p:cSld name="Centered Text">
     <p:spTree>
       <p:nvGrpSpPr>
@@ -770,7 +908,8 @@
           </a:prstGeom>
         </p:spPr>
         <p:txBody>
-          <a:bodyPr lIns="0" rIns="0" tIns="0" bIns="0" anchor="ctr"/>
+          <a:bodyPr lIns="0" tIns="0" rIns="0" bIns="0" anchor="ctr"/>
+          <a:lstStyle/>
           <a:p>
             <a:pPr algn="ctr"/>
             <a:endParaRPr/>
@@ -779,11 +918,14 @@
       </p:sp>
     </p:spTree>
   </p:cSld>
+  <p:clrMapOvr>
+    <a:masterClrMapping/>
+  </p:clrMapOvr>
 </p:sldLayout>
 </file>
 
 <file path=ppt/slideLayouts/slideLayout7.xml><?xml version="1.0" encoding="utf-8"?>
-<p:sldLayout xmlns:a="http://schemas.openxmlformats.org/drawingml/2006/main" xmlns:p="http://schemas.openxmlformats.org/presentationml/2006/main" xmlns:r="http://schemas.openxmlformats.org/officeDocument/2006/relationships" type="twoObjAndObj" preserve="1">
+<p:sldLayout xmlns:a="http://schemas.openxmlformats.org/drawingml/2006/main" xmlns:r="http://schemas.openxmlformats.org/officeDocument/2006/relationships" xmlns:p="http://schemas.openxmlformats.org/presentationml/2006/main" type="twoObjAndObj" preserve="1">
   <p:cSld name="Title, 2 Content and Content">
     <p:spTree>
       <p:nvGrpSpPr>
@@ -819,7 +961,8 @@
           </a:prstGeom>
         </p:spPr>
         <p:txBody>
-          <a:bodyPr lIns="0" rIns="0" tIns="0" bIns="0" anchor="ctr"/>
+          <a:bodyPr lIns="0" tIns="0" rIns="0" bIns="0" anchor="ctr"/>
+          <a:lstStyle/>
           <a:p>
             <a:endParaRPr/>
           </a:p>
@@ -845,7 +988,8 @@
           </a:prstGeom>
         </p:spPr>
         <p:txBody>
-          <a:bodyPr lIns="0" rIns="0" tIns="0" bIns="0"/>
+          <a:bodyPr lIns="0" tIns="0" rIns="0" bIns="0"/>
+          <a:lstStyle/>
           <a:p>
             <a:endParaRPr/>
           </a:p>
@@ -871,7 +1015,8 @@
           </a:prstGeom>
         </p:spPr>
         <p:txBody>
-          <a:bodyPr lIns="0" rIns="0" tIns="0" bIns="0"/>
+          <a:bodyPr lIns="0" tIns="0" rIns="0" bIns="0"/>
+          <a:lstStyle/>
           <a:p>
             <a:endParaRPr/>
           </a:p>
@@ -897,7 +1042,8 @@
           </a:prstGeom>
         </p:spPr>
         <p:txBody>
-          <a:bodyPr lIns="0" rIns="0" tIns="0" bIns="0"/>
+          <a:bodyPr lIns="0" tIns="0" rIns="0" bIns="0"/>
+          <a:lstStyle/>
           <a:p>
             <a:endParaRPr/>
           </a:p>
@@ -905,11 +1051,14 @@
       </p:sp>
     </p:spTree>
   </p:cSld>
+  <p:clrMapOvr>
+    <a:masterClrMapping/>
+  </p:clrMapOvr>
 </p:sldLayout>
 </file>
 
 <file path=ppt/slideLayouts/slideLayout8.xml><?xml version="1.0" encoding="utf-8"?>
-<p:sldLayout xmlns:a="http://schemas.openxmlformats.org/drawingml/2006/main" xmlns:p="http://schemas.openxmlformats.org/presentationml/2006/main" xmlns:r="http://schemas.openxmlformats.org/officeDocument/2006/relationships" type="objAndTwoObj" preserve="1">
+<p:sldLayout xmlns:a="http://schemas.openxmlformats.org/drawingml/2006/main" xmlns:r="http://schemas.openxmlformats.org/officeDocument/2006/relationships" xmlns:p="http://schemas.openxmlformats.org/presentationml/2006/main" type="objAndTwoObj" preserve="1">
   <p:cSld name="Title Content and 2 Content">
     <p:spTree>
       <p:nvGrpSpPr>
@@ -945,7 +1094,8 @@
           </a:prstGeom>
         </p:spPr>
         <p:txBody>
-          <a:bodyPr lIns="0" rIns="0" tIns="0" bIns="0" anchor="ctr"/>
+          <a:bodyPr lIns="0" tIns="0" rIns="0" bIns="0" anchor="ctr"/>
+          <a:lstStyle/>
           <a:p>
             <a:endParaRPr/>
           </a:p>
@@ -971,7 +1121,8 @@
           </a:prstGeom>
         </p:spPr>
         <p:txBody>
-          <a:bodyPr lIns="0" rIns="0" tIns="0" bIns="0"/>
+          <a:bodyPr lIns="0" tIns="0" rIns="0" bIns="0"/>
+          <a:lstStyle/>
           <a:p>
             <a:endParaRPr/>
           </a:p>
@@ -997,7 +1148,8 @@
           </a:prstGeom>
         </p:spPr>
         <p:txBody>
-          <a:bodyPr lIns="0" rIns="0" tIns="0" bIns="0"/>
+          <a:bodyPr lIns="0" tIns="0" rIns="0" bIns="0"/>
+          <a:lstStyle/>
           <a:p>
             <a:endParaRPr/>
           </a:p>
@@ -1023,7 +1175,8 @@
           </a:prstGeom>
         </p:spPr>
         <p:txBody>
-          <a:bodyPr lIns="0" rIns="0" tIns="0" bIns="0"/>
+          <a:bodyPr lIns="0" tIns="0" rIns="0" bIns="0"/>
+          <a:lstStyle/>
           <a:p>
             <a:endParaRPr/>
           </a:p>
@@ -1031,11 +1184,14 @@
       </p:sp>
     </p:spTree>
   </p:cSld>
+  <p:clrMapOvr>
+    <a:masterClrMapping/>
+  </p:clrMapOvr>
 </p:sldLayout>
 </file>
 
 <file path=ppt/slideLayouts/slideLayout9.xml><?xml version="1.0" encoding="utf-8"?>
-<p:sldLayout xmlns:a="http://schemas.openxmlformats.org/drawingml/2006/main" xmlns:p="http://schemas.openxmlformats.org/presentationml/2006/main" xmlns:r="http://schemas.openxmlformats.org/officeDocument/2006/relationships" type="twoObjOverTx" preserve="1">
+<p:sldLayout xmlns:a="http://schemas.openxmlformats.org/drawingml/2006/main" xmlns:r="http://schemas.openxmlformats.org/officeDocument/2006/relationships" xmlns:p="http://schemas.openxmlformats.org/presentationml/2006/main" type="twoObjOverTx" preserve="1">
   <p:cSld name="Title, 2 Content over Content">
     <p:spTree>
       <p:nvGrpSpPr>
@@ -1071,7 +1227,8 @@
           </a:prstGeom>
         </p:spPr>
         <p:txBody>
-          <a:bodyPr lIns="0" rIns="0" tIns="0" bIns="0" anchor="ctr"/>
+          <a:bodyPr lIns="0" tIns="0" rIns="0" bIns="0" anchor="ctr"/>
+          <a:lstStyle/>
           <a:p>
             <a:endParaRPr/>
           </a:p>
@@ -1097,7 +1254,8 @@
           </a:prstGeom>
         </p:spPr>
         <p:txBody>
-          <a:bodyPr lIns="0" rIns="0" tIns="0" bIns="0"/>
+          <a:bodyPr lIns="0" tIns="0" rIns="0" bIns="0"/>
+          <a:lstStyle/>
           <a:p>
             <a:endParaRPr/>
           </a:p>
@@ -1123,7 +1281,8 @@
           </a:prstGeom>
         </p:spPr>
         <p:txBody>
-          <a:bodyPr lIns="0" rIns="0" tIns="0" bIns="0"/>
+          <a:bodyPr lIns="0" tIns="0" rIns="0" bIns="0"/>
+          <a:lstStyle/>
           <a:p>
             <a:endParaRPr/>
           </a:p>
@@ -1149,7 +1308,8 @@
           </a:prstGeom>
         </p:spPr>
         <p:txBody>
-          <a:bodyPr lIns="0" rIns="0" tIns="0" bIns="0"/>
+          <a:bodyPr lIns="0" tIns="0" rIns="0" bIns="0"/>
+          <a:lstStyle/>
           <a:p>
             <a:endParaRPr/>
           </a:p>
@@ -1157,17 +1317,21 @@
       </p:sp>
     </p:spTree>
   </p:cSld>
+  <p:clrMapOvr>
+    <a:masterClrMapping/>
+  </p:clrMapOvr>
 </p:sldLayout>
 </file>
 
 <file path=ppt/slideMasters/slideMaster1.xml><?xml version="1.0" encoding="utf-8"?>
-<p:sldMaster xmlns:a="http://schemas.openxmlformats.org/drawingml/2006/main" xmlns:p="http://schemas.openxmlformats.org/presentationml/2006/main" xmlns:r="http://schemas.openxmlformats.org/officeDocument/2006/relationships">
+<p:sldMaster xmlns:a="http://schemas.openxmlformats.org/drawingml/2006/main" xmlns:r="http://schemas.openxmlformats.org/officeDocument/2006/relationships" xmlns:p="http://schemas.openxmlformats.org/presentationml/2006/main">
   <p:cSld>
     <p:bg>
       <p:bgPr>
         <a:solidFill>
-          <a:srgbClr val="ffffff"/>
+          <a:srgbClr val="FFFFFF"/>
         </a:solidFill>
+        <a:effectLst/>
       </p:bgPr>
     </p:bg>
     <p:spTree>
@@ -1186,7 +1350,7 @@
       </p:grpSpPr>
       <p:sp>
         <p:nvSpPr>
-          <p:cNvPr id="0" name="PlaceHolder 1"/>
+          <p:cNvPr id="5" name="PlaceHolder 1"/>
           <p:cNvSpPr>
             <a:spLocks noGrp="1"/>
           </p:cNvSpPr>
@@ -1205,6 +1369,7 @@
         </p:spPr>
         <p:txBody>
           <a:bodyPr anchor="ctr"/>
+          <a:lstStyle/>
           <a:p>
             <a:pPr>
               <a:lnSpc>
@@ -1214,7 +1379,7 @@
             <a:r>
               <a:rPr lang="en-US" sz="4800">
                 <a:solidFill>
-                  <a:srgbClr val="8b8b8b"/>
+                  <a:srgbClr val="8B8B8B"/>
                 </a:solidFill>
                 <a:latin typeface="Calibri"/>
               </a:rPr>
@@ -1226,7 +1391,7 @@
       </p:sp>
       <p:sp>
         <p:nvSpPr>
-          <p:cNvPr id="1" name="PlaceHolder 2"/>
+          <p:cNvPr id="6" name="PlaceHolder 2"/>
           <p:cNvSpPr>
             <a:spLocks noGrp="1"/>
           </p:cNvSpPr>
@@ -1245,6 +1410,7 @@
         </p:spPr>
         <p:txBody>
           <a:bodyPr anchor="ctr"/>
+          <a:lstStyle/>
           <a:p>
             <a:endParaRPr/>
           </a:p>
@@ -1271,6 +1437,7 @@
         </p:spPr>
         <p:txBody>
           <a:bodyPr anchor="ctr"/>
+          <a:lstStyle/>
           <a:p>
             <a:pPr algn="r">
               <a:lnSpc>
@@ -1280,11 +1447,11 @@
             <a:fld id="{2429446F-3C7C-4F3A-A8F5-6DB8C0E41EEE}" type="slidenum">
               <a:rPr lang="en-US" sz="4800">
                 <a:solidFill>
-                  <a:srgbClr val="8b8b8b"/>
+                  <a:srgbClr val="8B8B8B"/>
                 </a:solidFill>
                 <a:latin typeface="Calibri"/>
               </a:rPr>
-              <a:t>&lt;number&gt;</a:t>
+              <a:t>‹#›</a:t>
             </a:fld>
             <a:endParaRPr/>
           </a:p>
@@ -1310,7 +1477,8 @@
           </a:prstGeom>
         </p:spPr>
         <p:txBody>
-          <a:bodyPr lIns="0" rIns="0" tIns="0" bIns="0" anchor="ctr"/>
+          <a:bodyPr lIns="0" tIns="0" rIns="0" bIns="0" anchor="ctr"/>
+          <a:lstStyle/>
           <a:p>
             <a:r>
               <a:rPr lang="en-US" sz="6220">
@@ -1342,7 +1510,8 @@
           </a:prstGeom>
         </p:spPr>
         <p:txBody>
-          <a:bodyPr lIns="0" rIns="0" tIns="0" bIns="0"/>
+          <a:bodyPr lIns="0" tIns="0" rIns="0" bIns="0"/>
+          <a:lstStyle/>
           <a:p>
             <a:pPr>
               <a:buSzPct val="45000"/>
@@ -1445,26 +1614,306 @@
       </p:sp>
     </p:spTree>
   </p:cSld>
-  <p:clrMap bg1="lt1" bg2="lt2" tx1="dk1" tx2="dk2" accent1="accent1" accent2="accent2" accent3="accent3" accent4="accent4" accent5="accent5" accent6="accent6" hlink="hlink" folHlink="folHlink"/>
+  <p:clrMap bg1="lt1" tx1="dk1" bg2="lt2" tx2="dk2" accent1="accent1" accent2="accent2" accent3="accent3" accent4="accent4" accent5="accent5" accent6="accent6" hlink="hlink" folHlink="folHlink"/>
   <p:sldLayoutIdLst>
-    <p:sldLayoutId id="2147483649" r:id="rId2"/>
-    <p:sldLayoutId id="2147483650" r:id="rId3"/>
-    <p:sldLayoutId id="2147483651" r:id="rId4"/>
-    <p:sldLayoutId id="2147483652" r:id="rId5"/>
-    <p:sldLayoutId id="2147483653" r:id="rId6"/>
-    <p:sldLayoutId id="2147483654" r:id="rId7"/>
-    <p:sldLayoutId id="2147483655" r:id="rId8"/>
-    <p:sldLayoutId id="2147483656" r:id="rId9"/>
-    <p:sldLayoutId id="2147483657" r:id="rId10"/>
-    <p:sldLayoutId id="2147483658" r:id="rId11"/>
-    <p:sldLayoutId id="2147483659" r:id="rId12"/>
-    <p:sldLayoutId id="2147483660" r:id="rId13"/>
+    <p:sldLayoutId id="2147483649" r:id="rId1"/>
+    <p:sldLayoutId id="2147483650" r:id="rId2"/>
+    <p:sldLayoutId id="2147483651" r:id="rId3"/>
+    <p:sldLayoutId id="2147483652" r:id="rId4"/>
+    <p:sldLayoutId id="2147483653" r:id="rId5"/>
+    <p:sldLayoutId id="2147483654" r:id="rId6"/>
+    <p:sldLayoutId id="2147483655" r:id="rId7"/>
+    <p:sldLayoutId id="2147483656" r:id="rId8"/>
+    <p:sldLayoutId id="2147483657" r:id="rId9"/>
+    <p:sldLayoutId id="2147483658" r:id="rId10"/>
+    <p:sldLayoutId id="2147483659" r:id="rId11"/>
+    <p:sldLayoutId id="2147483660" r:id="rId12"/>
   </p:sldLayoutIdLst>
+  <p:txStyles>
+    <p:titleStyle>
+      <a:lvl1pPr algn="l" defTabSz="914400" rtl="0" eaLnBrk="1" latinLnBrk="0" hangingPunct="1">
+        <a:lnSpc>
+          <a:spcPct val="90000"/>
+        </a:lnSpc>
+        <a:spcBef>
+          <a:spcPct val="0"/>
+        </a:spcBef>
+        <a:buNone/>
+        <a:defRPr sz="4400" kern="1200">
+          <a:solidFill>
+            <a:schemeClr val="tx1"/>
+          </a:solidFill>
+          <a:latin typeface="+mj-lt"/>
+          <a:ea typeface="+mj-ea"/>
+          <a:cs typeface="+mj-cs"/>
+        </a:defRPr>
+      </a:lvl1pPr>
+    </p:titleStyle>
+    <p:bodyStyle>
+      <a:lvl1pPr marL="228600" indent="-228600" algn="l" defTabSz="914400" rtl="0" eaLnBrk="1" latinLnBrk="0" hangingPunct="1">
+        <a:lnSpc>
+          <a:spcPct val="90000"/>
+        </a:lnSpc>
+        <a:spcBef>
+          <a:spcPts val="1000"/>
+        </a:spcBef>
+        <a:buFont typeface="Arial" panose="020B0604020202020204" pitchFamily="34" charset="0"/>
+        <a:buChar char="•"/>
+        <a:defRPr sz="2800" kern="1200">
+          <a:solidFill>
+            <a:schemeClr val="tx1"/>
+          </a:solidFill>
+          <a:latin typeface="+mn-lt"/>
+          <a:ea typeface="+mn-ea"/>
+          <a:cs typeface="+mn-cs"/>
+        </a:defRPr>
+      </a:lvl1pPr>
+      <a:lvl2pPr marL="685800" indent="-228600" algn="l" defTabSz="914400" rtl="0" eaLnBrk="1" latinLnBrk="0" hangingPunct="1">
+        <a:lnSpc>
+          <a:spcPct val="90000"/>
+        </a:lnSpc>
+        <a:spcBef>
+          <a:spcPts val="500"/>
+        </a:spcBef>
+        <a:buFont typeface="Arial" panose="020B0604020202020204" pitchFamily="34" charset="0"/>
+        <a:buChar char="•"/>
+        <a:defRPr sz="2400" kern="1200">
+          <a:solidFill>
+            <a:schemeClr val="tx1"/>
+          </a:solidFill>
+          <a:latin typeface="+mn-lt"/>
+          <a:ea typeface="+mn-ea"/>
+          <a:cs typeface="+mn-cs"/>
+        </a:defRPr>
+      </a:lvl2pPr>
+      <a:lvl3pPr marL="1143000" indent="-228600" algn="l" defTabSz="914400" rtl="0" eaLnBrk="1" latinLnBrk="0" hangingPunct="1">
+        <a:lnSpc>
+          <a:spcPct val="90000"/>
+        </a:lnSpc>
+        <a:spcBef>
+          <a:spcPts val="500"/>
+        </a:spcBef>
+        <a:buFont typeface="Arial" panose="020B0604020202020204" pitchFamily="34" charset="0"/>
+        <a:buChar char="•"/>
+        <a:defRPr sz="2000" kern="1200">
+          <a:solidFill>
+            <a:schemeClr val="tx1"/>
+          </a:solidFill>
+          <a:latin typeface="+mn-lt"/>
+          <a:ea typeface="+mn-ea"/>
+          <a:cs typeface="+mn-cs"/>
+        </a:defRPr>
+      </a:lvl3pPr>
+      <a:lvl4pPr marL="1600200" indent="-228600" algn="l" defTabSz="914400" rtl="0" eaLnBrk="1" latinLnBrk="0" hangingPunct="1">
+        <a:lnSpc>
+          <a:spcPct val="90000"/>
+        </a:lnSpc>
+        <a:spcBef>
+          <a:spcPts val="500"/>
+        </a:spcBef>
+        <a:buFont typeface="Arial" panose="020B0604020202020204" pitchFamily="34" charset="0"/>
+        <a:buChar char="•"/>
+        <a:defRPr sz="1800" kern="1200">
+          <a:solidFill>
+            <a:schemeClr val="tx1"/>
+          </a:solidFill>
+          <a:latin typeface="+mn-lt"/>
+          <a:ea typeface="+mn-ea"/>
+          <a:cs typeface="+mn-cs"/>
+        </a:defRPr>
+      </a:lvl4pPr>
+      <a:lvl5pPr marL="2057400" indent="-228600" algn="l" defTabSz="914400" rtl="0" eaLnBrk="1" latinLnBrk="0" hangingPunct="1">
+        <a:lnSpc>
+          <a:spcPct val="90000"/>
+        </a:lnSpc>
+        <a:spcBef>
+          <a:spcPts val="500"/>
+        </a:spcBef>
+        <a:buFont typeface="Arial" panose="020B0604020202020204" pitchFamily="34" charset="0"/>
+        <a:buChar char="•"/>
+        <a:defRPr sz="1800" kern="1200">
+          <a:solidFill>
+            <a:schemeClr val="tx1"/>
+          </a:solidFill>
+          <a:latin typeface="+mn-lt"/>
+          <a:ea typeface="+mn-ea"/>
+          <a:cs typeface="+mn-cs"/>
+        </a:defRPr>
+      </a:lvl5pPr>
+      <a:lvl6pPr marL="2514600" indent="-228600" algn="l" defTabSz="914400" rtl="0" eaLnBrk="1" latinLnBrk="0" hangingPunct="1">
+        <a:lnSpc>
+          <a:spcPct val="90000"/>
+        </a:lnSpc>
+        <a:spcBef>
+          <a:spcPts val="500"/>
+        </a:spcBef>
+        <a:buFont typeface="Arial" panose="020B0604020202020204" pitchFamily="34" charset="0"/>
+        <a:buChar char="•"/>
+        <a:defRPr sz="1800" kern="1200">
+          <a:solidFill>
+            <a:schemeClr val="tx1"/>
+          </a:solidFill>
+          <a:latin typeface="+mn-lt"/>
+          <a:ea typeface="+mn-ea"/>
+          <a:cs typeface="+mn-cs"/>
+        </a:defRPr>
+      </a:lvl6pPr>
+      <a:lvl7pPr marL="2971800" indent="-228600" algn="l" defTabSz="914400" rtl="0" eaLnBrk="1" latinLnBrk="0" hangingPunct="1">
+        <a:lnSpc>
+          <a:spcPct val="90000"/>
+        </a:lnSpc>
+        <a:spcBef>
+          <a:spcPts val="500"/>
+        </a:spcBef>
+        <a:buFont typeface="Arial" panose="020B0604020202020204" pitchFamily="34" charset="0"/>
+        <a:buChar char="•"/>
+        <a:defRPr sz="1800" kern="1200">
+          <a:solidFill>
+            <a:schemeClr val="tx1"/>
+          </a:solidFill>
+          <a:latin typeface="+mn-lt"/>
+          <a:ea typeface="+mn-ea"/>
+          <a:cs typeface="+mn-cs"/>
+        </a:defRPr>
+      </a:lvl7pPr>
+      <a:lvl8pPr marL="3429000" indent="-228600" algn="l" defTabSz="914400" rtl="0" eaLnBrk="1" latinLnBrk="0" hangingPunct="1">
+        <a:lnSpc>
+          <a:spcPct val="90000"/>
+        </a:lnSpc>
+        <a:spcBef>
+          <a:spcPts val="500"/>
+        </a:spcBef>
+        <a:buFont typeface="Arial" panose="020B0604020202020204" pitchFamily="34" charset="0"/>
+        <a:buChar char="•"/>
+        <a:defRPr sz="1800" kern="1200">
+          <a:solidFill>
+            <a:schemeClr val="tx1"/>
+          </a:solidFill>
+          <a:latin typeface="+mn-lt"/>
+          <a:ea typeface="+mn-ea"/>
+          <a:cs typeface="+mn-cs"/>
+        </a:defRPr>
+      </a:lvl8pPr>
+      <a:lvl9pPr marL="3886200" indent="-228600" algn="l" defTabSz="914400" rtl="0" eaLnBrk="1" latinLnBrk="0" hangingPunct="1">
+        <a:lnSpc>
+          <a:spcPct val="90000"/>
+        </a:lnSpc>
+        <a:spcBef>
+          <a:spcPts val="500"/>
+        </a:spcBef>
+        <a:buFont typeface="Arial" panose="020B0604020202020204" pitchFamily="34" charset="0"/>
+        <a:buChar char="•"/>
+        <a:defRPr sz="1800" kern="1200">
+          <a:solidFill>
+            <a:schemeClr val="tx1"/>
+          </a:solidFill>
+          <a:latin typeface="+mn-lt"/>
+          <a:ea typeface="+mn-ea"/>
+          <a:cs typeface="+mn-cs"/>
+        </a:defRPr>
+      </a:lvl9pPr>
+    </p:bodyStyle>
+    <p:otherStyle>
+      <a:defPPr>
+        <a:defRPr lang="en-US"/>
+      </a:defPPr>
+      <a:lvl1pPr marL="0" algn="l" defTabSz="914400" rtl="0" eaLnBrk="1" latinLnBrk="0" hangingPunct="1">
+        <a:defRPr sz="1800" kern="1200">
+          <a:solidFill>
+            <a:schemeClr val="tx1"/>
+          </a:solidFill>
+          <a:latin typeface="+mn-lt"/>
+          <a:ea typeface="+mn-ea"/>
+          <a:cs typeface="+mn-cs"/>
+        </a:defRPr>
+      </a:lvl1pPr>
+      <a:lvl2pPr marL="457200" algn="l" defTabSz="914400" rtl="0" eaLnBrk="1" latinLnBrk="0" hangingPunct="1">
+        <a:defRPr sz="1800" kern="1200">
+          <a:solidFill>
+            <a:schemeClr val="tx1"/>
+          </a:solidFill>
+          <a:latin typeface="+mn-lt"/>
+          <a:ea typeface="+mn-ea"/>
+          <a:cs typeface="+mn-cs"/>
+        </a:defRPr>
+      </a:lvl2pPr>
+      <a:lvl3pPr marL="914400" algn="l" defTabSz="914400" rtl="0" eaLnBrk="1" latinLnBrk="0" hangingPunct="1">
+        <a:defRPr sz="1800" kern="1200">
+          <a:solidFill>
+            <a:schemeClr val="tx1"/>
+          </a:solidFill>
+          <a:latin typeface="+mn-lt"/>
+          <a:ea typeface="+mn-ea"/>
+          <a:cs typeface="+mn-cs"/>
+        </a:defRPr>
+      </a:lvl3pPr>
+      <a:lvl4pPr marL="1371600" algn="l" defTabSz="914400" rtl="0" eaLnBrk="1" latinLnBrk="0" hangingPunct="1">
+        <a:defRPr sz="1800" kern="1200">
+          <a:solidFill>
+            <a:schemeClr val="tx1"/>
+          </a:solidFill>
+          <a:latin typeface="+mn-lt"/>
+          <a:ea typeface="+mn-ea"/>
+          <a:cs typeface="+mn-cs"/>
+        </a:defRPr>
+      </a:lvl4pPr>
+      <a:lvl5pPr marL="1828800" algn="l" defTabSz="914400" rtl="0" eaLnBrk="1" latinLnBrk="0" hangingPunct="1">
+        <a:defRPr sz="1800" kern="1200">
+          <a:solidFill>
+            <a:schemeClr val="tx1"/>
+          </a:solidFill>
+          <a:latin typeface="+mn-lt"/>
+          <a:ea typeface="+mn-ea"/>
+          <a:cs typeface="+mn-cs"/>
+        </a:defRPr>
+      </a:lvl5pPr>
+      <a:lvl6pPr marL="2286000" algn="l" defTabSz="914400" rtl="0" eaLnBrk="1" latinLnBrk="0" hangingPunct="1">
+        <a:defRPr sz="1800" kern="1200">
+          <a:solidFill>
+            <a:schemeClr val="tx1"/>
+          </a:solidFill>
+          <a:latin typeface="+mn-lt"/>
+          <a:ea typeface="+mn-ea"/>
+          <a:cs typeface="+mn-cs"/>
+        </a:defRPr>
+      </a:lvl6pPr>
+      <a:lvl7pPr marL="2743200" algn="l" defTabSz="914400" rtl="0" eaLnBrk="1" latinLnBrk="0" hangingPunct="1">
+        <a:defRPr sz="1800" kern="1200">
+          <a:solidFill>
+            <a:schemeClr val="tx1"/>
+          </a:solidFill>
+          <a:latin typeface="+mn-lt"/>
+          <a:ea typeface="+mn-ea"/>
+          <a:cs typeface="+mn-cs"/>
+        </a:defRPr>
+      </a:lvl7pPr>
+      <a:lvl8pPr marL="3200400" algn="l" defTabSz="914400" rtl="0" eaLnBrk="1" latinLnBrk="0" hangingPunct="1">
+        <a:defRPr sz="1800" kern="1200">
+          <a:solidFill>
+            <a:schemeClr val="tx1"/>
+          </a:solidFill>
+          <a:latin typeface="+mn-lt"/>
+          <a:ea typeface="+mn-ea"/>
+          <a:cs typeface="+mn-cs"/>
+        </a:defRPr>
+      </a:lvl8pPr>
+      <a:lvl9pPr marL="3657600" algn="l" defTabSz="914400" rtl="0" eaLnBrk="1" latinLnBrk="0" hangingPunct="1">
+        <a:defRPr sz="1800" kern="1200">
+          <a:solidFill>
+            <a:schemeClr val="tx1"/>
+          </a:solidFill>
+          <a:latin typeface="+mn-lt"/>
+          <a:ea typeface="+mn-ea"/>
+          <a:cs typeface="+mn-cs"/>
+        </a:defRPr>
+      </a:lvl9pPr>
+    </p:otherStyle>
+  </p:txStyles>
 </p:sldMaster>
 </file>
 
 <file path=ppt/slides/slide1.xml><?xml version="1.0" encoding="utf-8"?>
-<p:sld xmlns:a="http://schemas.openxmlformats.org/drawingml/2006/main" xmlns:p="http://schemas.openxmlformats.org/presentationml/2006/main" xmlns:r="http://schemas.openxmlformats.org/officeDocument/2006/relationships">
+<p:sld xmlns:a="http://schemas.openxmlformats.org/drawingml/2006/main" xmlns:r="http://schemas.openxmlformats.org/officeDocument/2006/relationships" xmlns:p="http://schemas.openxmlformats.org/presentationml/2006/main">
   <p:cSld>
     <p:spTree>
       <p:nvGrpSpPr>
@@ -1500,7 +1949,8 @@
           </a:ln>
         </p:spPr>
         <p:txBody>
-          <a:bodyPr lIns="90000" rIns="90000" tIns="45000" bIns="45000"/>
+          <a:bodyPr lIns="90000" tIns="45000" rIns="90000" bIns="45000"/>
+          <a:lstStyle/>
           <a:p>
             <a:pPr>
               <a:lnSpc>
@@ -1508,7 +1958,7 @@
               </a:lnSpc>
             </a:pPr>
             <a:r>
-              <a:rPr b="1" lang="en-US" sz="10500">
+              <a:rPr lang="en-US" sz="10500" b="1">
                 <a:solidFill>
                   <a:srgbClr val="000000"/>
                 </a:solidFill>
@@ -1557,7 +2007,8 @@
           </a:ln>
         </p:spPr>
         <p:txBody>
-          <a:bodyPr lIns="90000" rIns="90000" tIns="45000" bIns="45000"/>
+          <a:bodyPr lIns="90000" tIns="45000" rIns="90000" bIns="45000"/>
+          <a:lstStyle/>
           <a:p>
             <a:pPr algn="ctr">
               <a:lnSpc>
@@ -1565,7 +2016,7 @@
               </a:lnSpc>
             </a:pPr>
             <a:r>
-              <a:rPr b="1" lang="en-US" sz="6220">
+              <a:rPr lang="en-US" sz="6220" b="1" dirty="0">
                 <a:solidFill>
                   <a:srgbClr val="000000"/>
                 </a:solidFill>
@@ -1573,38 +2024,13 @@
               </a:rPr>
               <a:t>Bivariate Analysis by Position</a:t>
             </a:r>
-            <a:endParaRPr/>
+            <a:endParaRPr dirty="0"/>
           </a:p>
         </p:txBody>
       </p:sp>
       <p:pic>
         <p:nvPicPr>
-          <p:cNvPr id="41" name="Picture 5" descr=""/>
-          <p:cNvPicPr/>
-          <p:nvPr/>
-        </p:nvPicPr>
-        <p:blipFill>
-          <a:blip r:embed="rId1"/>
-          <a:stretch>
-            <a:fillRect/>
-          </a:stretch>
-        </p:blipFill>
-        <p:spPr>
-          <a:xfrm>
-            <a:off x="12095640" y="6993720"/>
-            <a:ext cx="4089960" cy="4771440"/>
-          </a:xfrm>
-          <a:prstGeom prst="rect">
-            <a:avLst/>
-          </a:prstGeom>
-          <a:ln>
-            <a:noFill/>
-          </a:ln>
-        </p:spPr>
-      </p:pic>
-      <p:pic>
-        <p:nvPicPr>
-          <p:cNvPr id="42" name="Picture 6" descr=""/>
+          <p:cNvPr id="41" name="Picture 5"/>
           <p:cNvPicPr/>
           <p:nvPr/>
         </p:nvPicPr>
@@ -1616,7 +2042,7 @@
         </p:blipFill>
         <p:spPr>
           <a:xfrm>
-            <a:off x="16185600" y="6993720"/>
+            <a:off x="12095640" y="6993720"/>
             <a:ext cx="4089960" cy="4771440"/>
           </a:xfrm>
           <a:prstGeom prst="rect">
@@ -1629,7 +2055,7 @@
       </p:pic>
       <p:pic>
         <p:nvPicPr>
-          <p:cNvPr id="43" name="Picture 7" descr=""/>
+          <p:cNvPr id="42" name="Picture 6"/>
           <p:cNvPicPr/>
           <p:nvPr/>
         </p:nvPicPr>
@@ -1641,7 +2067,7 @@
         </p:blipFill>
         <p:spPr>
           <a:xfrm>
-            <a:off x="20275920" y="6993720"/>
+            <a:off x="16185600" y="6993720"/>
             <a:ext cx="4089960" cy="4771440"/>
           </a:xfrm>
           <a:prstGeom prst="rect">
@@ -1652,49 +2078,9 @@
           </a:ln>
         </p:spPr>
       </p:pic>
-      <p:sp>
-        <p:nvSpPr>
-          <p:cNvPr id="44" name="CustomShape 3"/>
-          <p:cNvSpPr/>
-          <p:nvPr/>
-        </p:nvSpPr>
-        <p:spPr>
-          <a:xfrm>
-            <a:off x="12095640" y="5835240"/>
-            <a:ext cx="12270240" cy="1984680"/>
-          </a:xfrm>
-          <a:prstGeom prst="rect">
-            <a:avLst/>
-          </a:prstGeom>
-          <a:noFill/>
-          <a:ln>
-            <a:noFill/>
-          </a:ln>
-        </p:spPr>
-        <p:txBody>
-          <a:bodyPr lIns="90000" rIns="90000" tIns="45000" bIns="45000"/>
-          <a:p>
-            <a:pPr algn="ctr">
-              <a:lnSpc>
-                <a:spcPct val="100000"/>
-              </a:lnSpc>
-            </a:pPr>
-            <a:r>
-              <a:rPr lang="en-US" sz="6220">
-                <a:solidFill>
-                  <a:srgbClr val="000000"/>
-                </a:solidFill>
-                <a:latin typeface="Agency FB"/>
-              </a:rPr>
-              <a:t>40 Yard Dash vs. Career Yardage </a:t>
-            </a:r>
-            <a:endParaRPr/>
-          </a:p>
-        </p:txBody>
-      </p:sp>
       <p:pic>
         <p:nvPicPr>
-          <p:cNvPr id="45" name="Picture 13" descr=""/>
+          <p:cNvPr id="43" name="Picture 7"/>
           <p:cNvPicPr/>
           <p:nvPr/>
         </p:nvPicPr>
@@ -1706,7 +2092,7 @@
         </p:blipFill>
         <p:spPr>
           <a:xfrm>
-            <a:off x="12095640" y="23320080"/>
+            <a:off x="20275920" y="6993720"/>
             <a:ext cx="4089960" cy="4771440"/>
           </a:xfrm>
           <a:prstGeom prst="rect">
@@ -1717,9 +2103,50 @@
           </a:ln>
         </p:spPr>
       </p:pic>
+      <p:sp>
+        <p:nvSpPr>
+          <p:cNvPr id="44" name="CustomShape 3"/>
+          <p:cNvSpPr/>
+          <p:nvPr/>
+        </p:nvSpPr>
+        <p:spPr>
+          <a:xfrm>
+            <a:off x="12095640" y="5835240"/>
+            <a:ext cx="12270240" cy="1984680"/>
+          </a:xfrm>
+          <a:prstGeom prst="rect">
+            <a:avLst/>
+          </a:prstGeom>
+          <a:noFill/>
+          <a:ln>
+            <a:noFill/>
+          </a:ln>
+        </p:spPr>
+        <p:txBody>
+          <a:bodyPr lIns="90000" tIns="45000" rIns="90000" bIns="45000"/>
+          <a:lstStyle/>
+          <a:p>
+            <a:pPr algn="ctr">
+              <a:lnSpc>
+                <a:spcPct val="100000"/>
+              </a:lnSpc>
+            </a:pPr>
+            <a:r>
+              <a:rPr lang="en-US" sz="6220">
+                <a:solidFill>
+                  <a:srgbClr val="000000"/>
+                </a:solidFill>
+                <a:latin typeface="Agency FB"/>
+              </a:rPr>
+              <a:t>40 Yard Dash vs. Career Yardage </a:t>
+            </a:r>
+            <a:endParaRPr/>
+          </a:p>
+        </p:txBody>
+      </p:sp>
       <p:pic>
         <p:nvPicPr>
-          <p:cNvPr id="46" name="Picture 14" descr=""/>
+          <p:cNvPr id="45" name="Picture 13"/>
           <p:cNvPicPr/>
           <p:nvPr/>
         </p:nvPicPr>
@@ -1731,7 +2158,7 @@
         </p:blipFill>
         <p:spPr>
           <a:xfrm>
-            <a:off x="16185600" y="23320080"/>
+            <a:off x="12095640" y="23320080"/>
             <a:ext cx="4089960" cy="4771440"/>
           </a:xfrm>
           <a:prstGeom prst="rect">
@@ -1744,7 +2171,7 @@
       </p:pic>
       <p:pic>
         <p:nvPicPr>
-          <p:cNvPr id="47" name="Picture 15" descr=""/>
+          <p:cNvPr id="46" name="Picture 14"/>
           <p:cNvPicPr/>
           <p:nvPr/>
         </p:nvPicPr>
@@ -1756,7 +2183,7 @@
         </p:blipFill>
         <p:spPr>
           <a:xfrm>
-            <a:off x="20275920" y="23320080"/>
+            <a:off x="16185600" y="23320080"/>
             <a:ext cx="4089960" cy="4771440"/>
           </a:xfrm>
           <a:prstGeom prst="rect">
@@ -1767,49 +2194,9 @@
           </a:ln>
         </p:spPr>
       </p:pic>
-      <p:sp>
-        <p:nvSpPr>
-          <p:cNvPr id="48" name="CustomShape 4"/>
-          <p:cNvSpPr/>
-          <p:nvPr/>
-        </p:nvSpPr>
-        <p:spPr>
-          <a:xfrm>
-            <a:off x="12095640" y="22215240"/>
-            <a:ext cx="12270240" cy="1037880"/>
-          </a:xfrm>
-          <a:prstGeom prst="rect">
-            <a:avLst/>
-          </a:prstGeom>
-          <a:noFill/>
-          <a:ln>
-            <a:noFill/>
-          </a:ln>
-        </p:spPr>
-        <p:txBody>
-          <a:bodyPr lIns="90000" rIns="90000" tIns="45000" bIns="45000"/>
-          <a:p>
-            <a:pPr algn="ctr">
-              <a:lnSpc>
-                <a:spcPct val="100000"/>
-              </a:lnSpc>
-            </a:pPr>
-            <a:r>
-              <a:rPr lang="en-US" sz="6220">
-                <a:solidFill>
-                  <a:srgbClr val="000000"/>
-                </a:solidFill>
-                <a:latin typeface="Agency FB"/>
-              </a:rPr>
-              <a:t>Height vs. Career Yardage </a:t>
-            </a:r>
-            <a:endParaRPr/>
-          </a:p>
-        </p:txBody>
-      </p:sp>
       <p:pic>
         <p:nvPicPr>
-          <p:cNvPr id="49" name="Picture 9" descr=""/>
+          <p:cNvPr id="47" name="Picture 15"/>
           <p:cNvPicPr/>
           <p:nvPr/>
         </p:nvPicPr>
@@ -1821,7 +2208,7 @@
         </p:blipFill>
         <p:spPr>
           <a:xfrm>
-            <a:off x="12095640" y="13946760"/>
+            <a:off x="20275920" y="23320080"/>
             <a:ext cx="4089960" cy="4771440"/>
           </a:xfrm>
           <a:prstGeom prst="rect">
@@ -1832,9 +2219,50 @@
           </a:ln>
         </p:spPr>
       </p:pic>
+      <p:sp>
+        <p:nvSpPr>
+          <p:cNvPr id="48" name="CustomShape 4"/>
+          <p:cNvSpPr/>
+          <p:nvPr/>
+        </p:nvSpPr>
+        <p:spPr>
+          <a:xfrm>
+            <a:off x="12095640" y="22215240"/>
+            <a:ext cx="12270240" cy="1037880"/>
+          </a:xfrm>
+          <a:prstGeom prst="rect">
+            <a:avLst/>
+          </a:prstGeom>
+          <a:noFill/>
+          <a:ln>
+            <a:noFill/>
+          </a:ln>
+        </p:spPr>
+        <p:txBody>
+          <a:bodyPr lIns="90000" tIns="45000" rIns="90000" bIns="45000"/>
+          <a:lstStyle/>
+          <a:p>
+            <a:pPr algn="ctr">
+              <a:lnSpc>
+                <a:spcPct val="100000"/>
+              </a:lnSpc>
+            </a:pPr>
+            <a:r>
+              <a:rPr lang="en-US" sz="6220">
+                <a:solidFill>
+                  <a:srgbClr val="000000"/>
+                </a:solidFill>
+                <a:latin typeface="Agency FB"/>
+              </a:rPr>
+              <a:t>Height vs. Career Yardage </a:t>
+            </a:r>
+            <a:endParaRPr/>
+          </a:p>
+        </p:txBody>
+      </p:sp>
       <p:pic>
         <p:nvPicPr>
-          <p:cNvPr id="50" name="Picture 10" descr=""/>
+          <p:cNvPr id="49" name="Picture 9"/>
           <p:cNvPicPr/>
           <p:nvPr/>
         </p:nvPicPr>
@@ -1846,7 +2274,7 @@
         </p:blipFill>
         <p:spPr>
           <a:xfrm>
-            <a:off x="16185600" y="13946760"/>
+            <a:off x="12095640" y="13946760"/>
             <a:ext cx="4089960" cy="4771440"/>
           </a:xfrm>
           <a:prstGeom prst="rect">
@@ -1859,7 +2287,7 @@
       </p:pic>
       <p:pic>
         <p:nvPicPr>
-          <p:cNvPr id="51" name="Picture 11" descr=""/>
+          <p:cNvPr id="50" name="Picture 10"/>
           <p:cNvPicPr/>
           <p:nvPr/>
         </p:nvPicPr>
@@ -1871,7 +2299,7 @@
         </p:blipFill>
         <p:spPr>
           <a:xfrm>
-            <a:off x="20275920" y="13946760"/>
+            <a:off x="16185600" y="13946760"/>
             <a:ext cx="4089960" cy="4771440"/>
           </a:xfrm>
           <a:prstGeom prst="rect">
@@ -1882,49 +2310,9 @@
           </a:ln>
         </p:spPr>
       </p:pic>
-      <p:sp>
-        <p:nvSpPr>
-          <p:cNvPr id="52" name="CustomShape 5"/>
-          <p:cNvSpPr/>
-          <p:nvPr/>
-        </p:nvSpPr>
-        <p:spPr>
-          <a:xfrm>
-            <a:off x="12095640" y="12789000"/>
-            <a:ext cx="12270240" cy="1984680"/>
-          </a:xfrm>
-          <a:prstGeom prst="rect">
-            <a:avLst/>
-          </a:prstGeom>
-          <a:noFill/>
-          <a:ln>
-            <a:noFill/>
-          </a:ln>
-        </p:spPr>
-        <p:txBody>
-          <a:bodyPr lIns="90000" rIns="90000" tIns="45000" bIns="45000"/>
-          <a:p>
-            <a:pPr algn="ctr">
-              <a:lnSpc>
-                <a:spcPct val="100000"/>
-              </a:lnSpc>
-            </a:pPr>
-            <a:r>
-              <a:rPr lang="en-US" sz="6220">
-                <a:solidFill>
-                  <a:srgbClr val="000000"/>
-                </a:solidFill>
-                <a:latin typeface="Agency FB"/>
-              </a:rPr>
-              <a:t>Speed Score vs. Career Yardage </a:t>
-            </a:r>
-            <a:endParaRPr/>
-          </a:p>
-        </p:txBody>
-      </p:sp>
       <p:pic>
         <p:nvPicPr>
-          <p:cNvPr id="53" name="Picture 23" descr=""/>
+          <p:cNvPr id="51" name="Picture 11"/>
           <p:cNvPicPr/>
           <p:nvPr/>
         </p:nvPicPr>
@@ -1936,8 +2324,8 @@
         </p:blipFill>
         <p:spPr>
           <a:xfrm>
-            <a:off x="16952400" y="20224080"/>
-            <a:ext cx="2885760" cy="1247400"/>
+            <a:off x="20275920" y="13946760"/>
+            <a:ext cx="4089960" cy="4771440"/>
           </a:xfrm>
           <a:prstGeom prst="rect">
             <a:avLst/>
@@ -1949,14 +2337,14 @@
       </p:pic>
       <p:sp>
         <p:nvSpPr>
-          <p:cNvPr id="54" name="CustomShape 6"/>
+          <p:cNvPr id="52" name="CustomShape 5"/>
           <p:cNvSpPr/>
           <p:nvPr/>
         </p:nvSpPr>
         <p:spPr>
           <a:xfrm>
-            <a:off x="12095640" y="18933120"/>
-            <a:ext cx="12270240" cy="1735560"/>
+            <a:off x="12095640" y="12789000"/>
+            <a:ext cx="12270240" cy="1984680"/>
           </a:xfrm>
           <a:prstGeom prst="rect">
             <a:avLst/>
@@ -1967,7 +2355,74 @@
           </a:ln>
         </p:spPr>
         <p:txBody>
-          <a:bodyPr lIns="90000" rIns="90000" tIns="45000" bIns="45000"/>
+          <a:bodyPr lIns="90000" tIns="45000" rIns="90000" bIns="45000"/>
+          <a:lstStyle/>
+          <a:p>
+            <a:pPr algn="ctr">
+              <a:lnSpc>
+                <a:spcPct val="100000"/>
+              </a:lnSpc>
+            </a:pPr>
+            <a:r>
+              <a:rPr lang="en-US" sz="6220">
+                <a:solidFill>
+                  <a:srgbClr val="000000"/>
+                </a:solidFill>
+                <a:latin typeface="Agency FB"/>
+              </a:rPr>
+              <a:t>Speed Score vs. Career Yardage </a:t>
+            </a:r>
+            <a:endParaRPr/>
+          </a:p>
+        </p:txBody>
+      </p:sp>
+      <p:pic>
+        <p:nvPicPr>
+          <p:cNvPr id="53" name="Picture 23"/>
+          <p:cNvPicPr/>
+          <p:nvPr/>
+        </p:nvPicPr>
+        <p:blipFill>
+          <a:blip r:embed="rId11"/>
+          <a:stretch>
+            <a:fillRect/>
+          </a:stretch>
+        </p:blipFill>
+        <p:spPr>
+          <a:xfrm>
+            <a:off x="16952400" y="20224080"/>
+            <a:ext cx="2885760" cy="1247400"/>
+          </a:xfrm>
+          <a:prstGeom prst="rect">
+            <a:avLst/>
+          </a:prstGeom>
+          <a:ln>
+            <a:noFill/>
+          </a:ln>
+        </p:spPr>
+      </p:pic>
+      <p:sp>
+        <p:nvSpPr>
+          <p:cNvPr id="54" name="CustomShape 6"/>
+          <p:cNvSpPr/>
+          <p:nvPr/>
+        </p:nvSpPr>
+        <p:spPr>
+          <a:xfrm>
+            <a:off x="12095640" y="18933120"/>
+            <a:ext cx="12270240" cy="1735560"/>
+          </a:xfrm>
+          <a:prstGeom prst="rect">
+            <a:avLst/>
+          </a:prstGeom>
+          <a:noFill/>
+          <a:ln>
+            <a:noFill/>
+          </a:ln>
+        </p:spPr>
+        <p:txBody>
+          <a:bodyPr lIns="90000" tIns="45000" rIns="90000" bIns="45000"/>
+          <a:lstStyle/>
           <a:p>
             <a:pPr>
               <a:lnSpc>
@@ -1995,8 +2450,8 @@
         </p:nvSpPr>
         <p:spPr>
           <a:xfrm>
-            <a:off x="1104840" y="4648320"/>
-            <a:ext cx="9410400" cy="11324160"/>
+            <a:off x="1104840" y="4019670"/>
+            <a:ext cx="9933274" cy="7745490"/>
           </a:xfrm>
           <a:prstGeom prst="rect">
             <a:avLst/>
@@ -2007,7 +2462,8 @@
           </a:ln>
         </p:spPr>
         <p:txBody>
-          <a:bodyPr lIns="90000" rIns="90000" tIns="45000" bIns="45000"/>
+          <a:bodyPr lIns="90000" tIns="45000" rIns="90000" bIns="45000"/>
+          <a:lstStyle/>
           <a:p>
             <a:pPr>
               <a:lnSpc>
@@ -2015,15 +2471,17 @@
               </a:lnSpc>
             </a:pPr>
             <a:r>
-              <a:rPr lang="en-US" sz="6220">
+              <a:rPr lang="en-US" sz="6220" b="1" dirty="0">
                 <a:solidFill>
                   <a:srgbClr val="000000"/>
                 </a:solidFill>
-                <a:latin typeface="Calibri"/>
+                <a:latin typeface="Agency FB" panose="020B0503020202020204" pitchFamily="34" charset="0"/>
               </a:rPr>
               <a:t>Intro</a:t>
             </a:r>
-            <a:endParaRPr/>
+            <a:endParaRPr b="1" dirty="0">
+              <a:latin typeface="Agency FB" panose="020B0503020202020204" pitchFamily="34" charset="0"/>
+            </a:endParaRPr>
           </a:p>
           <a:p>
             <a:pPr>
@@ -2032,15 +2490,96 @@
               </a:lnSpc>
             </a:pPr>
             <a:r>
-              <a:rPr lang="en-US" sz="4500">
+              <a:rPr lang="en-US" sz="4500" dirty="0">
                 <a:solidFill>
                   <a:srgbClr val="000000"/>
                 </a:solidFill>
                 <a:latin typeface="Calibri"/>
               </a:rPr>
-              <a:t>Every year, hundreds of collegiate football players are invited to participate in a week-long scouting combine. Players are evaluated by NFL personal departments on a series of physical and mental tests. Results from these “measurables” influence positioning in the ensuing NFL draft months after the combine. Our goal with this project was to determine the association between pre-draft metrics and career performance </a:t>
-            </a:r>
-            <a:endParaRPr/>
+              <a:t>Every year, hundreds of collegiate football players are invited to participate in a week-long scouting combine. Players are evaluated by NFL </a:t>
+            </a:r>
+            <a:r>
+              <a:rPr lang="en-US" sz="4500" dirty="0" smtClean="0">
+                <a:solidFill>
+                  <a:srgbClr val="000000"/>
+                </a:solidFill>
+                <a:latin typeface="Calibri"/>
+              </a:rPr>
+              <a:t>personnel </a:t>
+            </a:r>
+            <a:r>
+              <a:rPr lang="en-US" sz="4500" dirty="0">
+                <a:solidFill>
+                  <a:srgbClr val="000000"/>
+                </a:solidFill>
+                <a:latin typeface="Calibri"/>
+              </a:rPr>
+              <a:t>departments on a series of physical and mental tests. Results from these “</a:t>
+            </a:r>
+            <a:r>
+              <a:rPr lang="en-US" sz="4500" dirty="0" err="1">
+                <a:solidFill>
+                  <a:srgbClr val="000000"/>
+                </a:solidFill>
+                <a:latin typeface="Calibri"/>
+              </a:rPr>
+              <a:t>measurables</a:t>
+            </a:r>
+            <a:r>
+              <a:rPr lang="en-US" sz="4500" dirty="0">
+                <a:solidFill>
+                  <a:srgbClr val="000000"/>
+                </a:solidFill>
+                <a:latin typeface="Calibri"/>
+              </a:rPr>
+              <a:t>” influence positioning in the ensuing NFL </a:t>
+            </a:r>
+            <a:r>
+              <a:rPr lang="en-US" sz="4500" dirty="0" smtClean="0">
+                <a:solidFill>
+                  <a:srgbClr val="000000"/>
+                </a:solidFill>
+                <a:latin typeface="Calibri"/>
+              </a:rPr>
+              <a:t>draft. </a:t>
+            </a:r>
+            <a:r>
+              <a:rPr lang="en-US" sz="4500" dirty="0">
+                <a:solidFill>
+                  <a:srgbClr val="000000"/>
+                </a:solidFill>
+                <a:latin typeface="Calibri"/>
+              </a:rPr>
+              <a:t>Our goal </a:t>
+            </a:r>
+            <a:r>
+              <a:rPr lang="en-US" sz="4500" dirty="0" smtClean="0">
+                <a:solidFill>
+                  <a:srgbClr val="000000"/>
+                </a:solidFill>
+                <a:latin typeface="Calibri"/>
+              </a:rPr>
+              <a:t>was </a:t>
+            </a:r>
+            <a:r>
+              <a:rPr lang="en-US" sz="4500" dirty="0">
+                <a:solidFill>
+                  <a:srgbClr val="000000"/>
+                </a:solidFill>
+                <a:latin typeface="Calibri"/>
+              </a:rPr>
+              <a:t>to determine the association between pre-draft metrics and career performance </a:t>
+            </a:r>
+            <a:r>
+              <a:rPr lang="en-US" sz="4500" dirty="0" smtClean="0">
+                <a:solidFill>
+                  <a:srgbClr val="000000"/>
+                </a:solidFill>
+                <a:latin typeface="Calibri"/>
+              </a:rPr>
+              <a:t>.</a:t>
+            </a:r>
+            <a:endParaRPr dirty="0"/>
           </a:p>
         </p:txBody>
       </p:sp>
@@ -2052,8 +2591,8 @@
         </p:nvSpPr>
         <p:spPr>
           <a:xfrm>
-            <a:off x="1104840" y="14045760"/>
-            <a:ext cx="9410400" cy="4466880"/>
+            <a:off x="1104840" y="12519041"/>
+            <a:ext cx="10259846" cy="4013640"/>
           </a:xfrm>
           <a:prstGeom prst="rect">
             <a:avLst/>
@@ -2064,7 +2603,8 @@
           </a:ln>
         </p:spPr>
         <p:txBody>
-          <a:bodyPr lIns="90000" rIns="90000" tIns="45000" bIns="45000"/>
+          <a:bodyPr lIns="90000" tIns="45000" rIns="90000" bIns="45000"/>
+          <a:lstStyle/>
           <a:p>
             <a:pPr>
               <a:lnSpc>
@@ -2072,15 +2612,17 @@
               </a:lnSpc>
             </a:pPr>
             <a:r>
-              <a:rPr lang="en-US" sz="6220">
+              <a:rPr lang="en-US" sz="6220" b="1" dirty="0">
                 <a:solidFill>
                   <a:srgbClr val="000000"/>
                 </a:solidFill>
-                <a:latin typeface="Calibri"/>
+                <a:latin typeface="Agency FB" panose="020B0503020202020204" pitchFamily="34" charset="0"/>
               </a:rPr>
               <a:t>Data</a:t>
             </a:r>
-            <a:endParaRPr/>
+            <a:endParaRPr b="1" dirty="0">
+              <a:latin typeface="Agency FB" panose="020B0503020202020204" pitchFamily="34" charset="0"/>
+            </a:endParaRPr>
           </a:p>
           <a:p>
             <a:pPr>
@@ -2089,15 +2631,32 @@
               </a:lnSpc>
             </a:pPr>
             <a:r>
-              <a:rPr lang="en-US" sz="4500">
+              <a:rPr lang="en-US" sz="4500" dirty="0" smtClean="0">
                 <a:solidFill>
                   <a:srgbClr val="000000"/>
                 </a:solidFill>
                 <a:latin typeface="Calibri"/>
               </a:rPr>
-              <a:t>Passing, rushing and receiving data for individual seasons: Pro-football-reference.com</a:t>
-            </a:r>
-            <a:endParaRPr/>
+              <a:t>Annual passing</a:t>
+            </a:r>
+            <a:r>
+              <a:rPr lang="en-US" sz="4500" dirty="0">
+                <a:solidFill>
+                  <a:srgbClr val="000000"/>
+                </a:solidFill>
+                <a:latin typeface="Calibri"/>
+              </a:rPr>
+              <a:t>, rushing and receiving </a:t>
+            </a:r>
+            <a:r>
+              <a:rPr lang="en-US" sz="4500" dirty="0" smtClean="0">
+                <a:solidFill>
+                  <a:srgbClr val="000000"/>
+                </a:solidFill>
+                <a:latin typeface="Calibri"/>
+              </a:rPr>
+              <a:t>data: Pro-football-reference.com</a:t>
+            </a:r>
           </a:p>
           <a:p>
             <a:pPr>
@@ -2105,40 +2664,8 @@
                 <a:spcPct val="100000"/>
               </a:lnSpc>
             </a:pPr>
-            <a:r>
-              <a:rPr lang="en-US" sz="4500">
-                <a:solidFill>
-                  <a:srgbClr val="000000"/>
-                </a:solidFill>
-                <a:latin typeface="Calibri"/>
-              </a:rPr>
-              <a:t>Scouting combine and player database: NFLsavant.com</a:t>
-            </a:r>
-            <a:endParaRPr/>
-          </a:p>
-        </p:txBody>
-      </p:sp>
-      <p:sp>
-        <p:nvSpPr>
-          <p:cNvPr id="57" name="CustomShape 9"/>
-          <p:cNvSpPr/>
-          <p:nvPr/>
-        </p:nvSpPr>
-        <p:spPr>
-          <a:xfrm>
-            <a:off x="1104840" y="19215720"/>
-            <a:ext cx="9410400" cy="5151960"/>
-          </a:xfrm>
-          <a:prstGeom prst="rect">
-            <a:avLst/>
-          </a:prstGeom>
-          <a:noFill/>
-          <a:ln>
-            <a:noFill/>
-          </a:ln>
-        </p:spPr>
-        <p:txBody>
-          <a:bodyPr lIns="90000" rIns="90000" tIns="45000" bIns="45000"/>
+            <a:endParaRPr dirty="0"/>
+          </a:p>
           <a:p>
             <a:pPr>
               <a:lnSpc>
@@ -2146,16 +2673,40 @@
               </a:lnSpc>
             </a:pPr>
             <a:r>
-              <a:rPr lang="en-US" sz="6220">
+              <a:rPr lang="en-US" sz="4500" dirty="0">
                 <a:solidFill>
                   <a:srgbClr val="000000"/>
                 </a:solidFill>
                 <a:latin typeface="Calibri"/>
               </a:rPr>
-              <a:t>Project setup</a:t>
-            </a:r>
-            <a:endParaRPr/>
-          </a:p>
+              <a:t>Scouting combine and player database: NFLsavant.com</a:t>
+            </a:r>
+            <a:endParaRPr dirty="0"/>
+          </a:p>
+        </p:txBody>
+      </p:sp>
+      <p:sp>
+        <p:nvSpPr>
+          <p:cNvPr id="57" name="CustomShape 9"/>
+          <p:cNvSpPr/>
+          <p:nvPr/>
+        </p:nvSpPr>
+        <p:spPr>
+          <a:xfrm>
+            <a:off x="1104840" y="17190979"/>
+            <a:ext cx="9410400" cy="5151960"/>
+          </a:xfrm>
+          <a:prstGeom prst="rect">
+            <a:avLst/>
+          </a:prstGeom>
+          <a:noFill/>
+          <a:ln>
+            <a:noFill/>
+          </a:ln>
+        </p:spPr>
+        <p:txBody>
+          <a:bodyPr lIns="90000" tIns="45000" rIns="90000" bIns="45000"/>
+          <a:lstStyle/>
           <a:p>
             <a:pPr>
               <a:lnSpc>
@@ -2163,7 +2714,26 @@
               </a:lnSpc>
             </a:pPr>
             <a:r>
-              <a:rPr lang="en-US" sz="4500">
+              <a:rPr lang="en-US" sz="6220" b="1" dirty="0" smtClean="0">
+                <a:solidFill>
+                  <a:srgbClr val="000000"/>
+                </a:solidFill>
+                <a:latin typeface="Agency FB" panose="020B0503020202020204" pitchFamily="34" charset="0"/>
+              </a:rPr>
+              <a:t>Processing and Database Design</a:t>
+            </a:r>
+            <a:endParaRPr sz="6220" b="1" dirty="0">
+              <a:latin typeface="Agency FB" panose="020B0503020202020204" pitchFamily="34" charset="0"/>
+            </a:endParaRPr>
+          </a:p>
+          <a:p>
+            <a:pPr>
+              <a:lnSpc>
+                <a:spcPct val="100000"/>
+              </a:lnSpc>
+            </a:pPr>
+            <a:r>
+              <a:rPr lang="en-US" sz="4500" dirty="0">
                 <a:solidFill>
                   <a:srgbClr val="000000"/>
                 </a:solidFill>
@@ -2171,12 +2741,45 @@
               </a:rPr>
               <a:t>We used pandas to wrangle and clean .csv files obtained online. Then, processed .csv files were merged and stored in relational databases with sqlite3 to handle analysis queries</a:t>
             </a:r>
-            <a:endParaRPr/>
-          </a:p>
-        </p:txBody>
-      </p:sp>
+            <a:endParaRPr dirty="0"/>
+          </a:p>
+        </p:txBody>
+      </p:sp>
+      <p:pic>
+        <p:nvPicPr>
+          <p:cNvPr id="2" name="Picture 1"/>
+          <p:cNvPicPr>
+            <a:picLocks noChangeAspect="1"/>
+          </p:cNvPicPr>
+          <p:nvPr/>
+        </p:nvPicPr>
+        <p:blipFill>
+          <a:blip r:embed="rId12">
+            <a:extLst>
+              <a:ext uri="{28A0092B-C50C-407E-A947-70E740481C1C}">
+                <a14:useLocalDpi xmlns:a14="http://schemas.microsoft.com/office/drawing/2010/main" val="0"/>
+              </a:ext>
+            </a:extLst>
+          </a:blip>
+          <a:stretch>
+            <a:fillRect/>
+          </a:stretch>
+        </p:blipFill>
+        <p:spPr>
+          <a:xfrm>
+            <a:off x="1006263" y="21692994"/>
+            <a:ext cx="7895141" cy="7237213"/>
+          </a:xfrm>
+          <a:prstGeom prst="rect">
+            <a:avLst/>
+          </a:prstGeom>
+        </p:spPr>
+      </p:pic>
     </p:spTree>
   </p:cSld>
+  <p:clrMapOvr>
+    <a:masterClrMapping/>
+  </p:clrMapOvr>
   <p:timing>
     <p:tnLst>
       <p:par>
@@ -2185,14 +2788,14 @@
             <p:seq>
               <p:cTn id="2" nodeType="mainSeq"/>
               <p:prevCondLst>
-                <p:cond delay="0" evt="onPrev">
+                <p:cond evt="onPrev" delay="0">
                   <p:tgtEl>
                     <p:sldTgt/>
                   </p:tgtEl>
                 </p:cond>
               </p:prevCondLst>
               <p:nextCondLst>
-                <p:cond delay="0" evt="onNext">
+                <p:cond evt="onNext" delay="0">
                   <p:tgtEl>
                     <p:sldTgt/>
                   </p:tgtEl>
@@ -2427,5 +3030,7 @@
       </a:bgFillStyleLst>
     </a:fmtScheme>
   </a:themeElements>
+  <a:objectDefaults/>
+  <a:extraClrSchemeLst/>
 </a:theme>
 </file>
--- a/poster.pptx
+++ b/poster.pptx
@@ -104,6 +104,11 @@
       </a:defRPr>
     </a:lvl9pPr>
   </p:defaultTextStyle>
+  <p:extLst>
+    <p:ext uri="{EFAFB233-063F-42B5-8137-9DF3F51BA10A}">
+      <p15:sldGuideLst xmlns:p15="http://schemas.microsoft.com/office/powerpoint/2012/main"/>
+    </p:ext>
+  </p:extLst>
 </p:presentation>
 </file>
 
@@ -1958,15 +1963,24 @@
               </a:lnSpc>
             </a:pPr>
             <a:r>
-              <a:rPr lang="en-US" sz="10500" b="1">
-                <a:solidFill>
-                  <a:srgbClr val="000000"/>
-                </a:solidFill>
-                <a:latin typeface="Agency FB"/>
-              </a:rPr>
-              <a:t>Predicting NFL Player Performance Using Pre-Draft Combine Measurables</a:t>
-            </a:r>
-            <a:endParaRPr/>
+              <a:rPr lang="en-US" sz="10500" b="1" dirty="0">
+                <a:solidFill>
+                  <a:srgbClr val="000000"/>
+                </a:solidFill>
+                <a:latin typeface="Agency FB"/>
+              </a:rPr>
+              <a:t>Predicting NFL Player Performance Using Pre-Draft Combine </a:t>
+            </a:r>
+            <a:r>
+              <a:rPr lang="en-US" sz="10500" b="1" dirty="0" err="1">
+                <a:solidFill>
+                  <a:srgbClr val="000000"/>
+                </a:solidFill>
+                <a:latin typeface="Agency FB"/>
+              </a:rPr>
+              <a:t>Measurables</a:t>
+            </a:r>
+            <a:endParaRPr dirty="0"/>
           </a:p>
           <a:p>
             <a:pPr>
@@ -1975,15 +1989,42 @@
               </a:lnSpc>
             </a:pPr>
             <a:r>
-              <a:rPr lang="en-US" sz="7200">
-                <a:solidFill>
-                  <a:srgbClr val="000000"/>
-                </a:solidFill>
-                <a:latin typeface="Agency FB"/>
-              </a:rPr>
-              <a:t>Long Chen, Melaku Dubie, Rich Lee, and Kivan Polimis</a:t>
-            </a:r>
-            <a:endParaRPr/>
+              <a:rPr lang="en-US" sz="7200" dirty="0">
+                <a:solidFill>
+                  <a:srgbClr val="000000"/>
+                </a:solidFill>
+                <a:latin typeface="Agency FB"/>
+              </a:rPr>
+              <a:t>Long Chen, Melaku Dubie, Rich Lee, and </a:t>
+            </a:r>
+            <a:r>
+              <a:rPr lang="en-US" sz="7200" dirty="0" err="1">
+                <a:solidFill>
+                  <a:srgbClr val="000000"/>
+                </a:solidFill>
+                <a:latin typeface="Agency FB"/>
+              </a:rPr>
+              <a:t>Kivan</a:t>
+            </a:r>
+            <a:r>
+              <a:rPr lang="en-US" sz="7200" dirty="0">
+                <a:solidFill>
+                  <a:srgbClr val="000000"/>
+                </a:solidFill>
+                <a:latin typeface="Agency FB"/>
+              </a:rPr>
+              <a:t> </a:t>
+            </a:r>
+            <a:r>
+              <a:rPr lang="en-US" sz="7200" dirty="0" err="1">
+                <a:solidFill>
+                  <a:srgbClr val="000000"/>
+                </a:solidFill>
+                <a:latin typeface="Agency FB"/>
+              </a:rPr>
+              <a:t>Polimis</a:t>
+            </a:r>
+            <a:endParaRPr dirty="0"/>
           </a:p>
         </p:txBody>
       </p:sp>
@@ -2132,7 +2173,7 @@
               </a:lnSpc>
             </a:pPr>
             <a:r>
-              <a:rPr lang="en-US" sz="6220">
+              <a:rPr lang="en-US" sz="6220" dirty="0">
                 <a:solidFill>
                   <a:srgbClr val="000000"/>
                 </a:solidFill>
@@ -2140,7 +2181,7 @@
               </a:rPr>
               <a:t>40 Yard Dash vs. Career Yardage </a:t>
             </a:r>
-            <a:endParaRPr/>
+            <a:endParaRPr dirty="0"/>
           </a:p>
         </p:txBody>
       </p:sp>
@@ -2364,7 +2405,7 @@
               </a:lnSpc>
             </a:pPr>
             <a:r>
-              <a:rPr lang="en-US" sz="6220">
+              <a:rPr lang="en-US" sz="6220" dirty="0">
                 <a:solidFill>
                   <a:srgbClr val="000000"/>
                 </a:solidFill>
@@ -2372,7 +2413,7 @@
               </a:rPr>
               <a:t>Speed Score vs. Career Yardage </a:t>
             </a:r>
-            <a:endParaRPr/>
+            <a:endParaRPr dirty="0"/>
           </a:p>
         </p:txBody>
       </p:sp>
@@ -2450,8 +2491,8 @@
         </p:nvSpPr>
         <p:spPr>
           <a:xfrm>
-            <a:off x="1104840" y="4019670"/>
-            <a:ext cx="9933274" cy="7745490"/>
+            <a:off x="1104840" y="4648320"/>
+            <a:ext cx="9410400" cy="11324160"/>
           </a:xfrm>
           <a:prstGeom prst="rect">
             <a:avLst/>
@@ -2471,17 +2512,15 @@
               </a:lnSpc>
             </a:pPr>
             <a:r>
-              <a:rPr lang="en-US" sz="6220" b="1" dirty="0">
-                <a:solidFill>
-                  <a:srgbClr val="000000"/>
-                </a:solidFill>
-                <a:latin typeface="Agency FB" panose="020B0503020202020204" pitchFamily="34" charset="0"/>
+              <a:rPr lang="en-US" sz="6220">
+                <a:solidFill>
+                  <a:srgbClr val="000000"/>
+                </a:solidFill>
+                <a:latin typeface="Calibri"/>
               </a:rPr>
               <a:t>Intro</a:t>
             </a:r>
-            <a:endParaRPr b="1" dirty="0">
-              <a:latin typeface="Agency FB" panose="020B0503020202020204" pitchFamily="34" charset="0"/>
-            </a:endParaRPr>
+            <a:endParaRPr/>
           </a:p>
           <a:p>
             <a:pPr>
@@ -2490,96 +2529,15 @@
               </a:lnSpc>
             </a:pPr>
             <a:r>
-              <a:rPr lang="en-US" sz="4500" dirty="0">
+              <a:rPr lang="en-US" sz="4500">
                 <a:solidFill>
                   <a:srgbClr val="000000"/>
                 </a:solidFill>
                 <a:latin typeface="Calibri"/>
               </a:rPr>
-              <a:t>Every year, hundreds of collegiate football players are invited to participate in a week-long scouting combine. Players are evaluated by NFL </a:t>
-            </a:r>
-            <a:r>
-              <a:rPr lang="en-US" sz="4500" dirty="0" smtClean="0">
-                <a:solidFill>
-                  <a:srgbClr val="000000"/>
-                </a:solidFill>
-                <a:latin typeface="Calibri"/>
-              </a:rPr>
-              <a:t>personnel </a:t>
-            </a:r>
-            <a:r>
-              <a:rPr lang="en-US" sz="4500" dirty="0">
-                <a:solidFill>
-                  <a:srgbClr val="000000"/>
-                </a:solidFill>
-                <a:latin typeface="Calibri"/>
-              </a:rPr>
-              <a:t>departments on a series of physical and mental tests. Results from these “</a:t>
-            </a:r>
-            <a:r>
-              <a:rPr lang="en-US" sz="4500" dirty="0" err="1">
-                <a:solidFill>
-                  <a:srgbClr val="000000"/>
-                </a:solidFill>
-                <a:latin typeface="Calibri"/>
-              </a:rPr>
-              <a:t>measurables</a:t>
-            </a:r>
-            <a:r>
-              <a:rPr lang="en-US" sz="4500" dirty="0">
-                <a:solidFill>
-                  <a:srgbClr val="000000"/>
-                </a:solidFill>
-                <a:latin typeface="Calibri"/>
-              </a:rPr>
-              <a:t>” influence positioning in the ensuing NFL </a:t>
-            </a:r>
-            <a:r>
-              <a:rPr lang="en-US" sz="4500" dirty="0" smtClean="0">
-                <a:solidFill>
-                  <a:srgbClr val="000000"/>
-                </a:solidFill>
-                <a:latin typeface="Calibri"/>
-              </a:rPr>
-              <a:t>draft. </a:t>
-            </a:r>
-            <a:r>
-              <a:rPr lang="en-US" sz="4500" dirty="0">
-                <a:solidFill>
-                  <a:srgbClr val="000000"/>
-                </a:solidFill>
-                <a:latin typeface="Calibri"/>
-              </a:rPr>
-              <a:t>Our goal </a:t>
-            </a:r>
-            <a:r>
-              <a:rPr lang="en-US" sz="4500" dirty="0" smtClean="0">
-                <a:solidFill>
-                  <a:srgbClr val="000000"/>
-                </a:solidFill>
-                <a:latin typeface="Calibri"/>
-              </a:rPr>
-              <a:t>was </a:t>
-            </a:r>
-            <a:r>
-              <a:rPr lang="en-US" sz="4500" dirty="0">
-                <a:solidFill>
-                  <a:srgbClr val="000000"/>
-                </a:solidFill>
-                <a:latin typeface="Calibri"/>
-              </a:rPr>
-              <a:t>to determine the association between pre-draft metrics and career performance </a:t>
-            </a:r>
-            <a:r>
-              <a:rPr lang="en-US" sz="4500" dirty="0" smtClean="0">
-                <a:solidFill>
-                  <a:srgbClr val="000000"/>
-                </a:solidFill>
-                <a:latin typeface="Calibri"/>
-              </a:rPr>
-              <a:t>.</a:t>
-            </a:r>
-            <a:endParaRPr dirty="0"/>
+              <a:t>Every year, hundreds of collegiate football players are invited to participate in a week-long scouting combine. Players are evaluated by NFL personal departments on a series of physical and mental tests. Results from these “measurables” influence positioning in the ensuing NFL draft months after the combine. Our goal with this project was to determine the association between pre-draft metrics and career performance </a:t>
+            </a:r>
+            <a:endParaRPr/>
           </a:p>
         </p:txBody>
       </p:sp>
@@ -2591,8 +2549,8 @@
         </p:nvSpPr>
         <p:spPr>
           <a:xfrm>
-            <a:off x="1104840" y="12519041"/>
-            <a:ext cx="10259846" cy="4013640"/>
+            <a:off x="1104840" y="14045760"/>
+            <a:ext cx="9410400" cy="4466880"/>
           </a:xfrm>
           <a:prstGeom prst="rect">
             <a:avLst/>
@@ -2612,17 +2570,15 @@
               </a:lnSpc>
             </a:pPr>
             <a:r>
-              <a:rPr lang="en-US" sz="6220" b="1" dirty="0">
-                <a:solidFill>
-                  <a:srgbClr val="000000"/>
-                </a:solidFill>
-                <a:latin typeface="Agency FB" panose="020B0503020202020204" pitchFamily="34" charset="0"/>
+              <a:rPr lang="en-US" sz="6220">
+                <a:solidFill>
+                  <a:srgbClr val="000000"/>
+                </a:solidFill>
+                <a:latin typeface="Calibri"/>
               </a:rPr>
               <a:t>Data</a:t>
             </a:r>
-            <a:endParaRPr b="1" dirty="0">
-              <a:latin typeface="Agency FB" panose="020B0503020202020204" pitchFamily="34" charset="0"/>
-            </a:endParaRPr>
+            <a:endParaRPr/>
           </a:p>
           <a:p>
             <a:pPr>
@@ -2631,57 +2587,32 @@
               </a:lnSpc>
             </a:pPr>
             <a:r>
-              <a:rPr lang="en-US" sz="4500" dirty="0" smtClean="0">
+              <a:rPr lang="en-US" sz="4500">
                 <a:solidFill>
                   <a:srgbClr val="000000"/>
                 </a:solidFill>
                 <a:latin typeface="Calibri"/>
               </a:rPr>
-              <a:t>Annual passing</a:t>
-            </a:r>
-            <a:r>
-              <a:rPr lang="en-US" sz="4500" dirty="0">
+              <a:t>Passing, rushing and receiving data for individual seasons: Pro-football-reference.com</a:t>
+            </a:r>
+            <a:endParaRPr/>
+          </a:p>
+          <a:p>
+            <a:pPr>
+              <a:lnSpc>
+                <a:spcPct val="100000"/>
+              </a:lnSpc>
+            </a:pPr>
+            <a:r>
+              <a:rPr lang="en-US" sz="4500">
                 <a:solidFill>
                   <a:srgbClr val="000000"/>
                 </a:solidFill>
                 <a:latin typeface="Calibri"/>
               </a:rPr>
-              <a:t>, rushing and receiving </a:t>
-            </a:r>
-            <a:r>
-              <a:rPr lang="en-US" sz="4500" dirty="0" smtClean="0">
-                <a:solidFill>
-                  <a:srgbClr val="000000"/>
-                </a:solidFill>
-                <a:latin typeface="Calibri"/>
-              </a:rPr>
-              <a:t>data: Pro-football-reference.com</a:t>
-            </a:r>
-          </a:p>
-          <a:p>
-            <a:pPr>
-              <a:lnSpc>
-                <a:spcPct val="100000"/>
-              </a:lnSpc>
-            </a:pPr>
-            <a:endParaRPr dirty="0"/>
-          </a:p>
-          <a:p>
-            <a:pPr>
-              <a:lnSpc>
-                <a:spcPct val="100000"/>
-              </a:lnSpc>
-            </a:pPr>
-            <a:r>
-              <a:rPr lang="en-US" sz="4500" dirty="0">
-                <a:solidFill>
-                  <a:srgbClr val="000000"/>
-                </a:solidFill>
-                <a:latin typeface="Calibri"/>
-              </a:rPr>
               <a:t>Scouting combine and player database: NFLsavant.com</a:t>
             </a:r>
-            <a:endParaRPr dirty="0"/>
+            <a:endParaRPr/>
           </a:p>
         </p:txBody>
       </p:sp>
@@ -2693,7 +2624,7 @@
         </p:nvSpPr>
         <p:spPr>
           <a:xfrm>
-            <a:off x="1104840" y="17190979"/>
+            <a:off x="1104840" y="19215720"/>
             <a:ext cx="9410400" cy="5151960"/>
           </a:xfrm>
           <a:prstGeom prst="rect">
@@ -2714,18 +2645,201 @@
               </a:lnSpc>
             </a:pPr>
             <a:r>
-              <a:rPr lang="en-US" sz="6220" b="1" dirty="0" smtClean="0">
-                <a:solidFill>
-                  <a:srgbClr val="000000"/>
-                </a:solidFill>
-                <a:latin typeface="Agency FB" panose="020B0503020202020204" pitchFamily="34" charset="0"/>
-              </a:rPr>
-              <a:t>Processing and Database Design</a:t>
-            </a:r>
-            <a:endParaRPr sz="6220" b="1" dirty="0">
-              <a:latin typeface="Agency FB" panose="020B0503020202020204" pitchFamily="34" charset="0"/>
+              <a:rPr lang="en-US" sz="6220">
+                <a:solidFill>
+                  <a:srgbClr val="000000"/>
+                </a:solidFill>
+                <a:latin typeface="Calibri"/>
+              </a:rPr>
+              <a:t>Project setup</a:t>
+            </a:r>
+            <a:endParaRPr/>
+          </a:p>
+          <a:p>
+            <a:pPr>
+              <a:lnSpc>
+                <a:spcPct val="100000"/>
+              </a:lnSpc>
+            </a:pPr>
+            <a:r>
+              <a:rPr lang="en-US" sz="4500">
+                <a:solidFill>
+                  <a:srgbClr val="000000"/>
+                </a:solidFill>
+                <a:latin typeface="Calibri"/>
+              </a:rPr>
+              <a:t>We used pandas to wrangle and clean .csv files obtained online. Then, processed .csv files were merged and stored in relational databases with sqlite3 to handle analysis queries</a:t>
+            </a:r>
+            <a:endParaRPr/>
+          </a:p>
+        </p:txBody>
+      </p:sp>
+      <p:sp>
+        <p:nvSpPr>
+          <p:cNvPr id="28" name="CustomShape 5"/>
+          <p:cNvSpPr/>
+          <p:nvPr/>
+        </p:nvSpPr>
+        <p:spPr>
+          <a:xfrm>
+            <a:off x="30803437" y="25352220"/>
+            <a:ext cx="5772563" cy="2605642"/>
+          </a:xfrm>
+          <a:prstGeom prst="rect">
+            <a:avLst/>
+          </a:prstGeom>
+          <a:noFill/>
+          <a:ln>
+            <a:noFill/>
+          </a:ln>
+        </p:spPr>
+        <p:txBody>
+          <a:bodyPr lIns="90000" tIns="45000" rIns="90000" bIns="45000"/>
+          <a:lstStyle/>
+          <a:p>
+            <a:pPr>
+              <a:lnSpc>
+                <a:spcPct val="100000"/>
+              </a:lnSpc>
+            </a:pPr>
+            <a:r>
+              <a:rPr lang="en-US" sz="4800" dirty="0" smtClean="0">
+                <a:solidFill>
+                  <a:srgbClr val="000000"/>
+                </a:solidFill>
+                <a:latin typeface="Agency FB"/>
+              </a:rPr>
+              <a:t>WR Pick</a:t>
+            </a:r>
+            <a:endParaRPr lang="en-US" sz="4800" dirty="0"/>
+          </a:p>
+          <a:p>
+            <a:pPr marL="285750" indent="-285750">
+              <a:lnSpc>
+                <a:spcPct val="100000"/>
+              </a:lnSpc>
+              <a:buFont typeface="Arial" panose="020B0604020202020204" pitchFamily="34" charset="0"/>
+              <a:buChar char="•"/>
+            </a:pPr>
+            <a:r>
+              <a:rPr lang="en-US" dirty="0" smtClean="0">
+                <a:solidFill>
+                  <a:srgbClr val="000000"/>
+                </a:solidFill>
+                <a:latin typeface="Agency FB"/>
+              </a:rPr>
+              <a:t>Weight- higher weight shows positive impacts on pick</a:t>
+            </a:r>
+          </a:p>
+          <a:p>
+            <a:pPr marL="285750" indent="-285750">
+              <a:lnSpc>
+                <a:spcPct val="100000"/>
+              </a:lnSpc>
+              <a:buFont typeface="Arial" panose="020B0604020202020204" pitchFamily="34" charset="0"/>
+              <a:buChar char="•"/>
+            </a:pPr>
+            <a:r>
+              <a:rPr lang="en-US" dirty="0" smtClean="0">
+                <a:solidFill>
+                  <a:srgbClr val="000000"/>
+                </a:solidFill>
+                <a:latin typeface="Agency FB"/>
+              </a:rPr>
+              <a:t>Height- higher height shows positive impacts on pick</a:t>
+            </a:r>
+          </a:p>
+          <a:p>
+            <a:pPr marL="285750" indent="-285750">
+              <a:lnSpc>
+                <a:spcPct val="100000"/>
+              </a:lnSpc>
+              <a:buFont typeface="Arial" panose="020B0604020202020204" pitchFamily="34" charset="0"/>
+              <a:buChar char="•"/>
+            </a:pPr>
+            <a:r>
+              <a:rPr lang="en-US" dirty="0" smtClean="0">
+                <a:solidFill>
+                  <a:srgbClr val="000000"/>
+                </a:solidFill>
+                <a:latin typeface="Agency FB"/>
+              </a:rPr>
+              <a:t>40-Yard Dash- higher times shows negative impacts on pick</a:t>
+            </a:r>
+          </a:p>
+          <a:p>
+            <a:pPr marL="285750" indent="-285750">
+              <a:lnSpc>
+                <a:spcPct val="100000"/>
+              </a:lnSpc>
+              <a:buFont typeface="Arial" panose="020B0604020202020204" pitchFamily="34" charset="0"/>
+              <a:buChar char="•"/>
+            </a:pPr>
+            <a:r>
+              <a:rPr lang="en-US" dirty="0" smtClean="0">
+                <a:solidFill>
+                  <a:srgbClr val="000000"/>
+                </a:solidFill>
+                <a:latin typeface="Agency FB"/>
+              </a:rPr>
+              <a:t>Twenty Yard Shuttle- higher times shows negative impacts pick</a:t>
+            </a:r>
+          </a:p>
+          <a:p>
+            <a:pPr marL="285750" indent="-285750">
+              <a:lnSpc>
+                <a:spcPct val="100000"/>
+              </a:lnSpc>
+              <a:buFont typeface="Arial" panose="020B0604020202020204" pitchFamily="34" charset="0"/>
+              <a:buChar char="•"/>
+            </a:pPr>
+            <a:r>
+              <a:rPr lang="en-US" dirty="0" smtClean="0">
+                <a:solidFill>
+                  <a:srgbClr val="000000"/>
+                </a:solidFill>
+                <a:latin typeface="Agency FB"/>
+              </a:rPr>
+              <a:t>Vertical Jump- higher jump shows negative impacts on pick</a:t>
+            </a:r>
+          </a:p>
+          <a:p>
+            <a:pPr algn="ctr">
+              <a:lnSpc>
+                <a:spcPct val="100000"/>
+              </a:lnSpc>
+            </a:pPr>
+            <a:endParaRPr lang="en-US" sz="6220" dirty="0" smtClean="0">
+              <a:solidFill>
+                <a:srgbClr val="000000"/>
+              </a:solidFill>
+              <a:latin typeface="Agency FB"/>
             </a:endParaRPr>
           </a:p>
+        </p:txBody>
+      </p:sp>
+      <p:sp>
+        <p:nvSpPr>
+          <p:cNvPr id="29" name="CustomShape 5"/>
+          <p:cNvSpPr/>
+          <p:nvPr/>
+        </p:nvSpPr>
+        <p:spPr>
+          <a:xfrm>
+            <a:off x="30720243" y="9113679"/>
+            <a:ext cx="6096000" cy="2330233"/>
+          </a:xfrm>
+          <a:prstGeom prst="rect">
+            <a:avLst/>
+          </a:prstGeom>
+          <a:noFill/>
+          <a:ln>
+            <a:noFill/>
+          </a:ln>
+        </p:spPr>
+        <p:txBody>
+          <a:bodyPr lIns="90000" tIns="45000" rIns="90000" bIns="45000"/>
+          <a:lstStyle/>
           <a:p>
             <a:pPr>
               <a:lnSpc>
@@ -2733,21 +2847,750 @@
               </a:lnSpc>
             </a:pPr>
             <a:r>
-              <a:rPr lang="en-US" sz="4500" dirty="0">
-                <a:solidFill>
-                  <a:srgbClr val="000000"/>
-                </a:solidFill>
-                <a:latin typeface="Calibri"/>
-              </a:rPr>
-              <a:t>We used pandas to wrangle and clean .csv files obtained online. Then, processed .csv files were merged and stored in relational databases with sqlite3 to handle analysis queries</a:t>
-            </a:r>
+              <a:rPr lang="en-US" sz="4800" dirty="0" smtClean="0">
+                <a:solidFill>
+                  <a:srgbClr val="000000"/>
+                </a:solidFill>
+                <a:latin typeface="Agency FB"/>
+              </a:rPr>
+              <a:t>RB Yardage</a:t>
+            </a:r>
+            <a:endParaRPr lang="en-US" sz="2400" dirty="0" smtClean="0">
+              <a:solidFill>
+                <a:srgbClr val="000000"/>
+              </a:solidFill>
+              <a:latin typeface="Agency FB"/>
+            </a:endParaRPr>
+          </a:p>
+          <a:p>
+            <a:pPr marL="342900" indent="-342900">
+              <a:lnSpc>
+                <a:spcPct val="100000"/>
+              </a:lnSpc>
+              <a:buFont typeface="Arial" panose="020B0604020202020204" pitchFamily="34" charset="0"/>
+              <a:buChar char="•"/>
+            </a:pPr>
+            <a:r>
+              <a:rPr lang="en-US" dirty="0" smtClean="0">
+                <a:solidFill>
+                  <a:srgbClr val="000000"/>
+                </a:solidFill>
+                <a:latin typeface="Agency FB"/>
+              </a:rPr>
+              <a:t>Weight- higher weight shows positive impacts on yardage</a:t>
+            </a:r>
+          </a:p>
+          <a:p>
+            <a:pPr marL="342900" indent="-342900">
+              <a:lnSpc>
+                <a:spcPct val="100000"/>
+              </a:lnSpc>
+              <a:buFont typeface="Arial" panose="020B0604020202020204" pitchFamily="34" charset="0"/>
+              <a:buChar char="•"/>
+            </a:pPr>
+            <a:r>
+              <a:rPr lang="en-US" dirty="0" smtClean="0">
+                <a:solidFill>
+                  <a:srgbClr val="000000"/>
+                </a:solidFill>
+                <a:latin typeface="Agency FB"/>
+              </a:rPr>
+              <a:t>Height- higher height shows positive impacts on yardage</a:t>
+            </a:r>
+          </a:p>
+          <a:p>
+            <a:pPr marL="342900" indent="-342900">
+              <a:lnSpc>
+                <a:spcPct val="100000"/>
+              </a:lnSpc>
+              <a:buFont typeface="Arial" panose="020B0604020202020204" pitchFamily="34" charset="0"/>
+              <a:buChar char="•"/>
+            </a:pPr>
+            <a:r>
+              <a:rPr lang="en-US" dirty="0" smtClean="0">
+                <a:solidFill>
+                  <a:srgbClr val="000000"/>
+                </a:solidFill>
+                <a:latin typeface="Agency FB"/>
+              </a:rPr>
+              <a:t>40-Yard Dash- higher times shows negative impacts on yardage</a:t>
+            </a:r>
+          </a:p>
+          <a:p>
+            <a:pPr marL="342900" indent="-342900">
+              <a:lnSpc>
+                <a:spcPct val="100000"/>
+              </a:lnSpc>
+              <a:buFont typeface="Arial" panose="020B0604020202020204" pitchFamily="34" charset="0"/>
+              <a:buChar char="•"/>
+            </a:pPr>
+            <a:r>
+              <a:rPr lang="en-US" dirty="0" smtClean="0">
+                <a:solidFill>
+                  <a:srgbClr val="000000"/>
+                </a:solidFill>
+                <a:latin typeface="Agency FB"/>
+              </a:rPr>
+              <a:t>Twenty Yard Shuttle- higher times shows negative impacts on yardage</a:t>
+            </a:r>
+          </a:p>
+          <a:p>
+            <a:pPr marL="342900" indent="-342900">
+              <a:lnSpc>
+                <a:spcPct val="100000"/>
+              </a:lnSpc>
+              <a:buFont typeface="Arial" panose="020B0604020202020204" pitchFamily="34" charset="0"/>
+              <a:buChar char="•"/>
+            </a:pPr>
+            <a:r>
+              <a:rPr lang="en-US" dirty="0" smtClean="0">
+                <a:solidFill>
+                  <a:srgbClr val="000000"/>
+                </a:solidFill>
+                <a:latin typeface="Agency FB"/>
+              </a:rPr>
+              <a:t>Vertical Jump- higher jump shows positive impacts on yardage</a:t>
+            </a:r>
+          </a:p>
+          <a:p>
+            <a:pPr>
+              <a:lnSpc>
+                <a:spcPct val="100000"/>
+              </a:lnSpc>
+            </a:pPr>
+            <a:endParaRPr lang="en-US" sz="2400" dirty="0" smtClean="0">
+              <a:solidFill>
+                <a:srgbClr val="000000"/>
+              </a:solidFill>
+              <a:latin typeface="Agency FB"/>
+            </a:endParaRPr>
+          </a:p>
+          <a:p>
+            <a:pPr>
+              <a:lnSpc>
+                <a:spcPct val="100000"/>
+              </a:lnSpc>
+            </a:pPr>
+            <a:endParaRPr sz="700" dirty="0"/>
+          </a:p>
+        </p:txBody>
+      </p:sp>
+      <p:sp>
+        <p:nvSpPr>
+          <p:cNvPr id="30" name="CustomShape 5"/>
+          <p:cNvSpPr/>
+          <p:nvPr/>
+        </p:nvSpPr>
+        <p:spPr>
+          <a:xfrm>
+            <a:off x="30803437" y="12752715"/>
+            <a:ext cx="6095999" cy="2521688"/>
+          </a:xfrm>
+          <a:prstGeom prst="rect">
+            <a:avLst/>
+          </a:prstGeom>
+          <a:noFill/>
+          <a:ln>
+            <a:noFill/>
+          </a:ln>
+        </p:spPr>
+        <p:txBody>
+          <a:bodyPr lIns="90000" tIns="45000" rIns="90000" bIns="45000"/>
+          <a:lstStyle/>
+          <a:p>
+            <a:pPr>
+              <a:lnSpc>
+                <a:spcPct val="100000"/>
+              </a:lnSpc>
+            </a:pPr>
+            <a:r>
+              <a:rPr lang="en-US" sz="4800" dirty="0" smtClean="0">
+                <a:solidFill>
+                  <a:srgbClr val="000000"/>
+                </a:solidFill>
+                <a:latin typeface="Agency FB"/>
+              </a:rPr>
+              <a:t>WR Yardage</a:t>
+            </a:r>
+          </a:p>
+          <a:p>
+            <a:pPr marL="285750" indent="-285750">
+              <a:lnSpc>
+                <a:spcPct val="100000"/>
+              </a:lnSpc>
+              <a:buFont typeface="Arial" panose="020B0604020202020204" pitchFamily="34" charset="0"/>
+              <a:buChar char="•"/>
+            </a:pPr>
+            <a:r>
+              <a:rPr lang="en-US" dirty="0" smtClean="0">
+                <a:solidFill>
+                  <a:srgbClr val="000000"/>
+                </a:solidFill>
+                <a:latin typeface="Agency FB"/>
+              </a:rPr>
+              <a:t>Weight- higher weight shows positive impacts on yardage</a:t>
+            </a:r>
+          </a:p>
+          <a:p>
+            <a:pPr marL="285750" indent="-285750">
+              <a:lnSpc>
+                <a:spcPct val="100000"/>
+              </a:lnSpc>
+              <a:buFont typeface="Arial" panose="020B0604020202020204" pitchFamily="34" charset="0"/>
+              <a:buChar char="•"/>
+            </a:pPr>
+            <a:r>
+              <a:rPr lang="en-US" dirty="0" smtClean="0">
+                <a:solidFill>
+                  <a:srgbClr val="000000"/>
+                </a:solidFill>
+                <a:latin typeface="Agency FB"/>
+              </a:rPr>
+              <a:t>Height- higher height shows positive impacts on yardage</a:t>
+            </a:r>
+          </a:p>
+          <a:p>
+            <a:pPr marL="285750" indent="-285750">
+              <a:lnSpc>
+                <a:spcPct val="100000"/>
+              </a:lnSpc>
+              <a:buFont typeface="Arial" panose="020B0604020202020204" pitchFamily="34" charset="0"/>
+              <a:buChar char="•"/>
+            </a:pPr>
+            <a:r>
+              <a:rPr lang="en-US" dirty="0" smtClean="0">
+                <a:solidFill>
+                  <a:srgbClr val="000000"/>
+                </a:solidFill>
+                <a:latin typeface="Agency FB"/>
+              </a:rPr>
+              <a:t>40-Yard Dash- higher times shows negative impacts on yardage</a:t>
+            </a:r>
+          </a:p>
+          <a:p>
+            <a:pPr marL="285750" indent="-285750">
+              <a:lnSpc>
+                <a:spcPct val="100000"/>
+              </a:lnSpc>
+              <a:buFont typeface="Arial" panose="020B0604020202020204" pitchFamily="34" charset="0"/>
+              <a:buChar char="•"/>
+            </a:pPr>
+            <a:r>
+              <a:rPr lang="en-US" dirty="0" smtClean="0">
+                <a:solidFill>
+                  <a:srgbClr val="000000"/>
+                </a:solidFill>
+                <a:latin typeface="Agency FB"/>
+              </a:rPr>
+              <a:t>Twenty Yard Shuttle- higher times shows negative impacts on yardage</a:t>
+            </a:r>
+          </a:p>
+          <a:p>
+            <a:pPr marL="285750" indent="-285750">
+              <a:lnSpc>
+                <a:spcPct val="100000"/>
+              </a:lnSpc>
+              <a:buFont typeface="Arial" panose="020B0604020202020204" pitchFamily="34" charset="0"/>
+              <a:buChar char="•"/>
+            </a:pPr>
+            <a:r>
+              <a:rPr lang="en-US" dirty="0" smtClean="0">
+                <a:solidFill>
+                  <a:srgbClr val="000000"/>
+                </a:solidFill>
+                <a:latin typeface="Agency FB"/>
+              </a:rPr>
+              <a:t>Vertical Jump- higher jump shows positive impacts on yardage</a:t>
+            </a:r>
+          </a:p>
+          <a:p>
+            <a:pPr algn="ctr">
+              <a:lnSpc>
+                <a:spcPct val="100000"/>
+              </a:lnSpc>
+            </a:pPr>
+            <a:endParaRPr lang="en-US" sz="2400" dirty="0" smtClean="0">
+              <a:solidFill>
+                <a:srgbClr val="000000"/>
+              </a:solidFill>
+              <a:latin typeface="Agency FB"/>
+            </a:endParaRPr>
+          </a:p>
+          <a:p>
+            <a:pPr algn="ctr">
+              <a:lnSpc>
+                <a:spcPct val="100000"/>
+              </a:lnSpc>
+            </a:pPr>
+            <a:endParaRPr sz="800" dirty="0"/>
+          </a:p>
+        </p:txBody>
+      </p:sp>
+      <p:sp>
+        <p:nvSpPr>
+          <p:cNvPr id="31" name="CustomShape 5"/>
+          <p:cNvSpPr/>
+          <p:nvPr/>
+        </p:nvSpPr>
+        <p:spPr>
+          <a:xfrm>
+            <a:off x="30720243" y="5503348"/>
+            <a:ext cx="5963251" cy="2596844"/>
+          </a:xfrm>
+          <a:prstGeom prst="rect">
+            <a:avLst/>
+          </a:prstGeom>
+          <a:noFill/>
+          <a:ln>
+            <a:noFill/>
+          </a:ln>
+        </p:spPr>
+        <p:txBody>
+          <a:bodyPr lIns="90000" tIns="45000" rIns="90000" bIns="45000"/>
+          <a:lstStyle/>
+          <a:p>
+            <a:pPr>
+              <a:lnSpc>
+                <a:spcPct val="100000"/>
+              </a:lnSpc>
+            </a:pPr>
+            <a:r>
+              <a:rPr lang="en-US" sz="4800" dirty="0" smtClean="0">
+                <a:solidFill>
+                  <a:srgbClr val="000000"/>
+                </a:solidFill>
+                <a:latin typeface="Agency FB"/>
+              </a:rPr>
+              <a:t>QB Yardage</a:t>
+            </a:r>
+          </a:p>
+          <a:p>
+            <a:pPr marL="342900" indent="-342900">
+              <a:lnSpc>
+                <a:spcPct val="100000"/>
+              </a:lnSpc>
+              <a:buFont typeface="Arial" panose="020B0604020202020204" pitchFamily="34" charset="0"/>
+              <a:buChar char="•"/>
+            </a:pPr>
+            <a:r>
+              <a:rPr lang="en-US" dirty="0" smtClean="0">
+                <a:solidFill>
+                  <a:srgbClr val="000000"/>
+                </a:solidFill>
+                <a:latin typeface="Agency FB"/>
+              </a:rPr>
+              <a:t>Weight- higher weight shows negative impacts on yardage</a:t>
+            </a:r>
+          </a:p>
+          <a:p>
+            <a:pPr marL="342900" indent="-342900">
+              <a:lnSpc>
+                <a:spcPct val="100000"/>
+              </a:lnSpc>
+              <a:buFont typeface="Arial" panose="020B0604020202020204" pitchFamily="34" charset="0"/>
+              <a:buChar char="•"/>
+            </a:pPr>
+            <a:r>
+              <a:rPr lang="en-US" dirty="0" smtClean="0">
+                <a:solidFill>
+                  <a:srgbClr val="000000"/>
+                </a:solidFill>
+                <a:latin typeface="Agency FB"/>
+              </a:rPr>
+              <a:t>Height- higher height shows positive impacts on yardage</a:t>
+            </a:r>
+          </a:p>
+          <a:p>
+            <a:pPr marL="342900" indent="-342900">
+              <a:lnSpc>
+                <a:spcPct val="100000"/>
+              </a:lnSpc>
+              <a:buFont typeface="Arial" panose="020B0604020202020204" pitchFamily="34" charset="0"/>
+              <a:buChar char="•"/>
+            </a:pPr>
+            <a:r>
+              <a:rPr lang="en-US" dirty="0" smtClean="0">
+                <a:solidFill>
+                  <a:srgbClr val="000000"/>
+                </a:solidFill>
+                <a:latin typeface="Agency FB"/>
+              </a:rPr>
+              <a:t>40-Yard Dash- higher times shows negative impacts on yardage</a:t>
+            </a:r>
+          </a:p>
+          <a:p>
+            <a:pPr marL="342900" indent="-342900">
+              <a:lnSpc>
+                <a:spcPct val="100000"/>
+              </a:lnSpc>
+              <a:buFont typeface="Arial" panose="020B0604020202020204" pitchFamily="34" charset="0"/>
+              <a:buChar char="•"/>
+            </a:pPr>
+            <a:r>
+              <a:rPr lang="en-US" dirty="0" smtClean="0">
+                <a:solidFill>
+                  <a:srgbClr val="000000"/>
+                </a:solidFill>
+                <a:latin typeface="Agency FB"/>
+              </a:rPr>
+              <a:t>Twenty Yard Shuttle- higher times shows positive impacts on yardage</a:t>
+            </a:r>
+          </a:p>
+          <a:p>
+            <a:pPr marL="342900" indent="-342900">
+              <a:lnSpc>
+                <a:spcPct val="100000"/>
+              </a:lnSpc>
+              <a:buFont typeface="Arial" panose="020B0604020202020204" pitchFamily="34" charset="0"/>
+              <a:buChar char="•"/>
+            </a:pPr>
+            <a:r>
+              <a:rPr lang="en-US" dirty="0" smtClean="0">
+                <a:solidFill>
+                  <a:srgbClr val="000000"/>
+                </a:solidFill>
+                <a:latin typeface="Agency FB"/>
+              </a:rPr>
+              <a:t>Vertical Jump- lower jump shows negative impacts on yardage</a:t>
+            </a:r>
+          </a:p>
+          <a:p>
+            <a:pPr>
+              <a:lnSpc>
+                <a:spcPct val="100000"/>
+              </a:lnSpc>
+            </a:pPr>
+            <a:endParaRPr lang="en-US" sz="6220" dirty="0" smtClean="0">
+              <a:solidFill>
+                <a:srgbClr val="000000"/>
+              </a:solidFill>
+              <a:latin typeface="Agency FB"/>
+            </a:endParaRPr>
+          </a:p>
+          <a:p>
+            <a:pPr>
+              <a:lnSpc>
+                <a:spcPct val="100000"/>
+              </a:lnSpc>
+            </a:pPr>
+            <a:endParaRPr dirty="0"/>
+          </a:p>
+        </p:txBody>
+      </p:sp>
+      <p:sp>
+        <p:nvSpPr>
+          <p:cNvPr id="32" name="CustomShape 5"/>
+          <p:cNvSpPr/>
+          <p:nvPr/>
+        </p:nvSpPr>
+        <p:spPr>
+          <a:xfrm>
+            <a:off x="30720243" y="17374502"/>
+            <a:ext cx="5829300" cy="2810158"/>
+          </a:xfrm>
+          <a:prstGeom prst="rect">
+            <a:avLst/>
+          </a:prstGeom>
+          <a:noFill/>
+          <a:ln>
+            <a:noFill/>
+          </a:ln>
+        </p:spPr>
+        <p:txBody>
+          <a:bodyPr lIns="90000" tIns="45000" rIns="90000" bIns="45000"/>
+          <a:lstStyle/>
+          <a:p>
+            <a:pPr>
+              <a:lnSpc>
+                <a:spcPct val="100000"/>
+              </a:lnSpc>
+            </a:pPr>
+            <a:r>
+              <a:rPr lang="en-US" sz="4800" dirty="0" smtClean="0">
+                <a:solidFill>
+                  <a:srgbClr val="000000"/>
+                </a:solidFill>
+                <a:latin typeface="Agency FB"/>
+              </a:rPr>
+              <a:t>QB Pick</a:t>
+            </a:r>
+          </a:p>
+          <a:p>
+            <a:pPr marL="342900" indent="-342900">
+              <a:lnSpc>
+                <a:spcPct val="100000"/>
+              </a:lnSpc>
+              <a:buFont typeface="Arial" panose="020B0604020202020204" pitchFamily="34" charset="0"/>
+              <a:buChar char="•"/>
+            </a:pPr>
+            <a:r>
+              <a:rPr lang="en-US" dirty="0" smtClean="0">
+                <a:solidFill>
+                  <a:srgbClr val="000000"/>
+                </a:solidFill>
+                <a:latin typeface="Agency FB"/>
+              </a:rPr>
+              <a:t>Weight- higher weight shows positive impacts on pick</a:t>
+            </a:r>
+          </a:p>
+          <a:p>
+            <a:pPr marL="342900" indent="-342900">
+              <a:lnSpc>
+                <a:spcPct val="100000"/>
+              </a:lnSpc>
+              <a:buFont typeface="Arial" panose="020B0604020202020204" pitchFamily="34" charset="0"/>
+              <a:buChar char="•"/>
+            </a:pPr>
+            <a:r>
+              <a:rPr lang="en-US" dirty="0" smtClean="0">
+                <a:solidFill>
+                  <a:srgbClr val="000000"/>
+                </a:solidFill>
+                <a:latin typeface="Agency FB"/>
+              </a:rPr>
+              <a:t>Height- higher height shows negative impacts on pick</a:t>
+            </a:r>
+          </a:p>
+          <a:p>
+            <a:pPr marL="342900" indent="-342900">
+              <a:lnSpc>
+                <a:spcPct val="100000"/>
+              </a:lnSpc>
+              <a:buFont typeface="Arial" panose="020B0604020202020204" pitchFamily="34" charset="0"/>
+              <a:buChar char="•"/>
+            </a:pPr>
+            <a:r>
+              <a:rPr lang="en-US" dirty="0" smtClean="0">
+                <a:solidFill>
+                  <a:srgbClr val="000000"/>
+                </a:solidFill>
+                <a:latin typeface="Agency FB"/>
+              </a:rPr>
+              <a:t>40-Yard Dash- higher times shows negative impacts on pick</a:t>
+            </a:r>
+          </a:p>
+          <a:p>
+            <a:pPr marL="342900" indent="-342900">
+              <a:lnSpc>
+                <a:spcPct val="100000"/>
+              </a:lnSpc>
+              <a:buFont typeface="Arial" panose="020B0604020202020204" pitchFamily="34" charset="0"/>
+              <a:buChar char="•"/>
+            </a:pPr>
+            <a:r>
+              <a:rPr lang="en-US" dirty="0" smtClean="0">
+                <a:solidFill>
+                  <a:srgbClr val="000000"/>
+                </a:solidFill>
+                <a:latin typeface="Agency FB"/>
+              </a:rPr>
+              <a:t>Twenty Yard Shuttle- higher times shows negative impacts on pick</a:t>
+            </a:r>
+          </a:p>
+          <a:p>
+            <a:pPr marL="342900" indent="-342900">
+              <a:lnSpc>
+                <a:spcPct val="100000"/>
+              </a:lnSpc>
+              <a:buFont typeface="Arial" panose="020B0604020202020204" pitchFamily="34" charset="0"/>
+              <a:buChar char="•"/>
+            </a:pPr>
+            <a:r>
+              <a:rPr lang="en-US" dirty="0" smtClean="0">
+                <a:solidFill>
+                  <a:srgbClr val="000000"/>
+                </a:solidFill>
+                <a:latin typeface="Agency FB"/>
+              </a:rPr>
+              <a:t>Vertical Jump- higher jump shows negative impacts on pick</a:t>
+            </a:r>
+          </a:p>
+          <a:p>
+            <a:pPr>
+              <a:lnSpc>
+                <a:spcPct val="100000"/>
+              </a:lnSpc>
+            </a:pPr>
+            <a:endParaRPr lang="en-US" sz="6220" dirty="0" smtClean="0">
+              <a:solidFill>
+                <a:srgbClr val="000000"/>
+              </a:solidFill>
+              <a:latin typeface="Agency FB"/>
+            </a:endParaRPr>
+          </a:p>
+          <a:p>
+            <a:pPr>
+              <a:lnSpc>
+                <a:spcPct val="100000"/>
+              </a:lnSpc>
+            </a:pPr>
+            <a:endParaRPr dirty="0"/>
+          </a:p>
+        </p:txBody>
+      </p:sp>
+      <p:sp>
+        <p:nvSpPr>
+          <p:cNvPr id="33" name="CustomShape 5"/>
+          <p:cNvSpPr/>
+          <p:nvPr/>
+        </p:nvSpPr>
+        <p:spPr>
+          <a:xfrm>
+            <a:off x="30803437" y="21143580"/>
+            <a:ext cx="5772563" cy="2497081"/>
+          </a:xfrm>
+          <a:prstGeom prst="rect">
+            <a:avLst/>
+          </a:prstGeom>
+          <a:noFill/>
+          <a:ln>
+            <a:noFill/>
+          </a:ln>
+        </p:spPr>
+        <p:txBody>
+          <a:bodyPr lIns="90000" tIns="45000" rIns="90000" bIns="45000"/>
+          <a:lstStyle/>
+          <a:p>
+            <a:pPr>
+              <a:lnSpc>
+                <a:spcPct val="100000"/>
+              </a:lnSpc>
+            </a:pPr>
+            <a:r>
+              <a:rPr lang="en-US" sz="4800" dirty="0">
+                <a:solidFill>
+                  <a:srgbClr val="000000"/>
+                </a:solidFill>
+                <a:latin typeface="Agency FB"/>
+              </a:rPr>
+              <a:t>R</a:t>
+            </a:r>
+            <a:r>
+              <a:rPr lang="en-US" sz="4800" dirty="0" smtClean="0">
+                <a:solidFill>
+                  <a:srgbClr val="000000"/>
+                </a:solidFill>
+                <a:latin typeface="Agency FB"/>
+              </a:rPr>
+              <a:t>B Pick</a:t>
+            </a:r>
+          </a:p>
+          <a:p>
+            <a:pPr marL="285750" indent="-285750">
+              <a:lnSpc>
+                <a:spcPct val="100000"/>
+              </a:lnSpc>
+              <a:buFont typeface="Arial" panose="020B0604020202020204" pitchFamily="34" charset="0"/>
+              <a:buChar char="•"/>
+            </a:pPr>
+            <a:r>
+              <a:rPr lang="en-US" dirty="0" smtClean="0">
+                <a:solidFill>
+                  <a:srgbClr val="000000"/>
+                </a:solidFill>
+                <a:latin typeface="Agency FB"/>
+              </a:rPr>
+              <a:t>Weight- higher weight shows positive impacts on pick</a:t>
+            </a:r>
+          </a:p>
+          <a:p>
+            <a:pPr marL="285750" indent="-285750">
+              <a:lnSpc>
+                <a:spcPct val="100000"/>
+              </a:lnSpc>
+              <a:buFont typeface="Arial" panose="020B0604020202020204" pitchFamily="34" charset="0"/>
+              <a:buChar char="•"/>
+            </a:pPr>
+            <a:r>
+              <a:rPr lang="en-US" dirty="0" smtClean="0">
+                <a:solidFill>
+                  <a:srgbClr val="000000"/>
+                </a:solidFill>
+                <a:latin typeface="Agency FB"/>
+              </a:rPr>
+              <a:t>Height- higher height shows negative impacts on pick</a:t>
+            </a:r>
+          </a:p>
+          <a:p>
+            <a:pPr marL="285750" indent="-285750">
+              <a:lnSpc>
+                <a:spcPct val="100000"/>
+              </a:lnSpc>
+              <a:buFont typeface="Arial" panose="020B0604020202020204" pitchFamily="34" charset="0"/>
+              <a:buChar char="•"/>
+            </a:pPr>
+            <a:r>
+              <a:rPr lang="en-US" dirty="0" smtClean="0">
+                <a:solidFill>
+                  <a:srgbClr val="000000"/>
+                </a:solidFill>
+                <a:latin typeface="Agency FB"/>
+              </a:rPr>
+              <a:t>40-Yard Dash- higher times shows positive impacts on pick</a:t>
+            </a:r>
+          </a:p>
+          <a:p>
+            <a:pPr marL="285750" indent="-285750">
+              <a:lnSpc>
+                <a:spcPct val="100000"/>
+              </a:lnSpc>
+              <a:buFont typeface="Arial" panose="020B0604020202020204" pitchFamily="34" charset="0"/>
+              <a:buChar char="•"/>
+            </a:pPr>
+            <a:r>
+              <a:rPr lang="en-US" dirty="0" smtClean="0">
+                <a:solidFill>
+                  <a:srgbClr val="000000"/>
+                </a:solidFill>
+                <a:latin typeface="Agency FB"/>
+              </a:rPr>
+              <a:t>Twenty Yard Shuttle- higher times shows negative impacts on pick</a:t>
+            </a:r>
+          </a:p>
+          <a:p>
+            <a:pPr marL="285750" indent="-285750">
+              <a:lnSpc>
+                <a:spcPct val="100000"/>
+              </a:lnSpc>
+              <a:buFont typeface="Arial" panose="020B0604020202020204" pitchFamily="34" charset="0"/>
+              <a:buChar char="•"/>
+            </a:pPr>
+            <a:r>
+              <a:rPr lang="en-US" dirty="0" smtClean="0">
+                <a:solidFill>
+                  <a:srgbClr val="000000"/>
+                </a:solidFill>
+                <a:latin typeface="Agency FB"/>
+              </a:rPr>
+              <a:t>Vertical Jump- higher jump shows positive impacts on pick</a:t>
+            </a:r>
+          </a:p>
+          <a:p>
+            <a:pPr>
+              <a:lnSpc>
+                <a:spcPct val="100000"/>
+              </a:lnSpc>
+            </a:pPr>
+            <a:endParaRPr lang="en-US" sz="6220" dirty="0" smtClean="0">
+              <a:solidFill>
+                <a:srgbClr val="000000"/>
+              </a:solidFill>
+              <a:latin typeface="Agency FB"/>
+            </a:endParaRPr>
+          </a:p>
+          <a:p>
+            <a:pPr>
+              <a:lnSpc>
+                <a:spcPct val="100000"/>
+              </a:lnSpc>
+            </a:pPr>
             <a:endParaRPr dirty="0"/>
           </a:p>
         </p:txBody>
       </p:sp>
       <p:pic>
         <p:nvPicPr>
-          <p:cNvPr id="2" name="Picture 1"/>
+          <p:cNvPr id="9" name="Picture 8"/>
           <p:cNvPicPr>
             <a:picLocks noChangeAspect="1"/>
           </p:cNvPicPr>
@@ -2767,14 +3610,230 @@
         </p:blipFill>
         <p:spPr>
           <a:xfrm>
-            <a:off x="1006263" y="21692994"/>
-            <a:ext cx="7895141" cy="7237213"/>
+            <a:off x="25083084" y="5180448"/>
+            <a:ext cx="5224864" cy="2964542"/>
           </a:xfrm>
           <a:prstGeom prst="rect">
             <a:avLst/>
           </a:prstGeom>
         </p:spPr>
       </p:pic>
+      <p:pic>
+        <p:nvPicPr>
+          <p:cNvPr id="11" name="Picture 10"/>
+          <p:cNvPicPr>
+            <a:picLocks noChangeAspect="1"/>
+          </p:cNvPicPr>
+          <p:nvPr/>
+        </p:nvPicPr>
+        <p:blipFill>
+          <a:blip r:embed="rId13">
+            <a:extLst>
+              <a:ext uri="{28A0092B-C50C-407E-A947-70E740481C1C}">
+                <a14:useLocalDpi xmlns:a14="http://schemas.microsoft.com/office/drawing/2010/main" val="0"/>
+              </a:ext>
+            </a:extLst>
+          </a:blip>
+          <a:stretch>
+            <a:fillRect/>
+          </a:stretch>
+        </p:blipFill>
+        <p:spPr>
+          <a:xfrm>
+            <a:off x="25083084" y="8739878"/>
+            <a:ext cx="5224864" cy="2932938"/>
+          </a:xfrm>
+          <a:prstGeom prst="rect">
+            <a:avLst/>
+          </a:prstGeom>
+        </p:spPr>
+      </p:pic>
+      <p:pic>
+        <p:nvPicPr>
+          <p:cNvPr id="13" name="Picture 12"/>
+          <p:cNvPicPr>
+            <a:picLocks noChangeAspect="1"/>
+          </p:cNvPicPr>
+          <p:nvPr/>
+        </p:nvPicPr>
+        <p:blipFill>
+          <a:blip r:embed="rId14">
+            <a:extLst>
+              <a:ext uri="{28A0092B-C50C-407E-A947-70E740481C1C}">
+                <a14:useLocalDpi xmlns:a14="http://schemas.microsoft.com/office/drawing/2010/main" val="0"/>
+              </a:ext>
+            </a:extLst>
+          </a:blip>
+          <a:stretch>
+            <a:fillRect/>
+          </a:stretch>
+        </p:blipFill>
+        <p:spPr>
+          <a:xfrm>
+            <a:off x="25083084" y="12709274"/>
+            <a:ext cx="5337859" cy="3035985"/>
+          </a:xfrm>
+          <a:prstGeom prst="rect">
+            <a:avLst/>
+          </a:prstGeom>
+        </p:spPr>
+      </p:pic>
+      <p:pic>
+        <p:nvPicPr>
+          <p:cNvPr id="14" name="Picture 13"/>
+          <p:cNvPicPr>
+            <a:picLocks noChangeAspect="1"/>
+          </p:cNvPicPr>
+          <p:nvPr/>
+        </p:nvPicPr>
+        <p:blipFill>
+          <a:blip r:embed="rId15">
+            <a:extLst>
+              <a:ext uri="{28A0092B-C50C-407E-A947-70E740481C1C}">
+                <a14:useLocalDpi xmlns:a14="http://schemas.microsoft.com/office/drawing/2010/main" val="0"/>
+              </a:ext>
+            </a:extLst>
+          </a:blip>
+          <a:stretch>
+            <a:fillRect/>
+          </a:stretch>
+        </p:blipFill>
+        <p:spPr>
+          <a:xfrm>
+            <a:off x="25033173" y="17204619"/>
+            <a:ext cx="5564460" cy="3243321"/>
+          </a:xfrm>
+          <a:prstGeom prst="rect">
+            <a:avLst/>
+          </a:prstGeom>
+        </p:spPr>
+      </p:pic>
+      <p:pic>
+        <p:nvPicPr>
+          <p:cNvPr id="15" name="Picture 14"/>
+          <p:cNvPicPr>
+            <a:picLocks noChangeAspect="1"/>
+          </p:cNvPicPr>
+          <p:nvPr/>
+        </p:nvPicPr>
+        <p:blipFill>
+          <a:blip r:embed="rId16">
+            <a:extLst>
+              <a:ext uri="{28A0092B-C50C-407E-A947-70E740481C1C}">
+                <a14:useLocalDpi xmlns:a14="http://schemas.microsoft.com/office/drawing/2010/main" val="0"/>
+              </a:ext>
+            </a:extLst>
+          </a:blip>
+          <a:stretch>
+            <a:fillRect/>
+          </a:stretch>
+        </p:blipFill>
+        <p:spPr>
+          <a:xfrm>
+            <a:off x="24894716" y="21013538"/>
+            <a:ext cx="5601600" cy="3129562"/>
+          </a:xfrm>
+          <a:prstGeom prst="rect">
+            <a:avLst/>
+          </a:prstGeom>
+        </p:spPr>
+      </p:pic>
+      <p:pic>
+        <p:nvPicPr>
+          <p:cNvPr id="16" name="Picture 15"/>
+          <p:cNvPicPr>
+            <a:picLocks noChangeAspect="1"/>
+          </p:cNvPicPr>
+          <p:nvPr/>
+        </p:nvPicPr>
+        <p:blipFill>
+          <a:blip r:embed="rId17">
+            <a:extLst>
+              <a:ext uri="{28A0092B-C50C-407E-A947-70E740481C1C}">
+                <a14:useLocalDpi xmlns:a14="http://schemas.microsoft.com/office/drawing/2010/main" val="0"/>
+              </a:ext>
+            </a:extLst>
+          </a:blip>
+          <a:stretch>
+            <a:fillRect/>
+          </a:stretch>
+        </p:blipFill>
+        <p:spPr>
+          <a:xfrm>
+            <a:off x="24910563" y="24954729"/>
+            <a:ext cx="5809680" cy="3400625"/>
+          </a:xfrm>
+          <a:prstGeom prst="rect">
+            <a:avLst/>
+          </a:prstGeom>
+        </p:spPr>
+      </p:pic>
+      <p:sp>
+        <p:nvSpPr>
+          <p:cNvPr id="58" name="CustomShape 2"/>
+          <p:cNvSpPr/>
+          <p:nvPr/>
+        </p:nvSpPr>
+        <p:spPr>
+          <a:xfrm>
+            <a:off x="24629196" y="2979764"/>
+            <a:ext cx="12270240" cy="1984680"/>
+          </a:xfrm>
+          <a:prstGeom prst="rect">
+            <a:avLst/>
+          </a:prstGeom>
+          <a:noFill/>
+          <a:ln>
+            <a:noFill/>
+          </a:ln>
+        </p:spPr>
+        <p:txBody>
+          <a:bodyPr lIns="90000" tIns="45000" rIns="90000" bIns="45000"/>
+          <a:lstStyle/>
+          <a:p>
+            <a:pPr algn="ctr">
+              <a:lnSpc>
+                <a:spcPct val="100000"/>
+              </a:lnSpc>
+            </a:pPr>
+            <a:r>
+              <a:rPr lang="en-US" sz="6220" b="1" dirty="0" smtClean="0">
+                <a:solidFill>
+                  <a:srgbClr val="000000"/>
+                </a:solidFill>
+                <a:latin typeface="Agency FB"/>
+              </a:rPr>
+              <a:t>Multivariable Regression Model</a:t>
+            </a:r>
+          </a:p>
+          <a:p>
+            <a:pPr algn="ctr">
+              <a:lnSpc>
+                <a:spcPct val="100000"/>
+              </a:lnSpc>
+            </a:pPr>
+            <a:r>
+              <a:rPr lang="en-US" sz="6220" b="1" dirty="0" smtClean="0">
+                <a:solidFill>
+                  <a:srgbClr val="000000"/>
+                </a:solidFill>
+                <a:latin typeface="Agency FB"/>
+              </a:rPr>
+              <a:t>by </a:t>
+            </a:r>
+            <a:r>
+              <a:rPr lang="en-US" sz="6220" b="1" dirty="0">
+                <a:solidFill>
+                  <a:srgbClr val="000000"/>
+                </a:solidFill>
+                <a:latin typeface="Agency FB"/>
+              </a:rPr>
+              <a:t>Position</a:t>
+            </a:r>
+            <a:endParaRPr dirty="0"/>
+          </a:p>
+        </p:txBody>
+      </p:sp>
     </p:spTree>
   </p:cSld>
   <p:clrMapOvr>

--- a/poster.pptx
+++ b/poster.pptx
@@ -1942,7 +1942,7 @@
         </p:nvSpPr>
         <p:spPr>
           <a:xfrm>
-            <a:off x="1398600" y="699120"/>
+            <a:off x="1112850" y="699120"/>
             <a:ext cx="33993720" cy="4386600"/>
           </a:xfrm>
           <a:prstGeom prst="rect">
@@ -2036,7 +2036,7 @@
         </p:nvSpPr>
         <p:spPr>
           <a:xfrm>
-            <a:off x="12095640" y="4269600"/>
+            <a:off x="11752740" y="4269600"/>
             <a:ext cx="12270240" cy="1984680"/>
           </a:xfrm>
           <a:prstGeom prst="rect">
@@ -2083,7 +2083,7 @@
         </p:blipFill>
         <p:spPr>
           <a:xfrm>
-            <a:off x="12095640" y="6993720"/>
+            <a:off x="11752740" y="6993720"/>
             <a:ext cx="4089960" cy="4771440"/>
           </a:xfrm>
           <a:prstGeom prst="rect">
@@ -2108,7 +2108,7 @@
         </p:blipFill>
         <p:spPr>
           <a:xfrm>
-            <a:off x="16185600" y="6993720"/>
+            <a:off x="15842700" y="6993720"/>
             <a:ext cx="4089960" cy="4771440"/>
           </a:xfrm>
           <a:prstGeom prst="rect">
@@ -2133,7 +2133,7 @@
         </p:blipFill>
         <p:spPr>
           <a:xfrm>
-            <a:off x="20275920" y="6993720"/>
+            <a:off x="19933020" y="6993720"/>
             <a:ext cx="4089960" cy="4771440"/>
           </a:xfrm>
           <a:prstGeom prst="rect">
@@ -2152,7 +2152,7 @@
         </p:nvSpPr>
         <p:spPr>
           <a:xfrm>
-            <a:off x="12095640" y="5835240"/>
+            <a:off x="11752740" y="5835240"/>
             <a:ext cx="12270240" cy="1984680"/>
           </a:xfrm>
           <a:prstGeom prst="rect">
@@ -2199,7 +2199,7 @@
         </p:blipFill>
         <p:spPr>
           <a:xfrm>
-            <a:off x="12095640" y="23320080"/>
+            <a:off x="11752740" y="23320080"/>
             <a:ext cx="4089960" cy="4771440"/>
           </a:xfrm>
           <a:prstGeom prst="rect">
@@ -2224,7 +2224,7 @@
         </p:blipFill>
         <p:spPr>
           <a:xfrm>
-            <a:off x="16185600" y="23320080"/>
+            <a:off x="15842700" y="23320080"/>
             <a:ext cx="4089960" cy="4771440"/>
           </a:xfrm>
           <a:prstGeom prst="rect">
@@ -2249,7 +2249,7 @@
         </p:blipFill>
         <p:spPr>
           <a:xfrm>
-            <a:off x="20275920" y="23320080"/>
+            <a:off x="19933020" y="23320080"/>
             <a:ext cx="4089960" cy="4771440"/>
           </a:xfrm>
           <a:prstGeom prst="rect">
@@ -2268,7 +2268,7 @@
         </p:nvSpPr>
         <p:spPr>
           <a:xfrm>
-            <a:off x="12095640" y="22215240"/>
+            <a:off x="11752740" y="22215240"/>
             <a:ext cx="12270240" cy="1037880"/>
           </a:xfrm>
           <a:prstGeom prst="rect">
@@ -2315,7 +2315,7 @@
         </p:blipFill>
         <p:spPr>
           <a:xfrm>
-            <a:off x="12095640" y="13946760"/>
+            <a:off x="11752740" y="13946760"/>
             <a:ext cx="4089960" cy="4771440"/>
           </a:xfrm>
           <a:prstGeom prst="rect">
@@ -2340,7 +2340,7 @@
         </p:blipFill>
         <p:spPr>
           <a:xfrm>
-            <a:off x="16185600" y="13946760"/>
+            <a:off x="15842700" y="13946760"/>
             <a:ext cx="4089960" cy="4771440"/>
           </a:xfrm>
           <a:prstGeom prst="rect">
@@ -2365,7 +2365,7 @@
         </p:blipFill>
         <p:spPr>
           <a:xfrm>
-            <a:off x="20275920" y="13946760"/>
+            <a:off x="19933020" y="13946760"/>
             <a:ext cx="4089960" cy="4771440"/>
           </a:xfrm>
           <a:prstGeom prst="rect">
@@ -2384,7 +2384,7 @@
         </p:nvSpPr>
         <p:spPr>
           <a:xfrm>
-            <a:off x="12095640" y="12789000"/>
+            <a:off x="11752740" y="12789000"/>
             <a:ext cx="12270240" cy="1984680"/>
           </a:xfrm>
           <a:prstGeom prst="rect">
@@ -2405,7 +2405,7 @@
               </a:lnSpc>
             </a:pPr>
             <a:r>
-              <a:rPr lang="en-US" sz="6220" dirty="0">
+              <a:rPr lang="en-US" sz="6220">
                 <a:solidFill>
                   <a:srgbClr val="000000"/>
                 </a:solidFill>
@@ -2413,7 +2413,7 @@
               </a:rPr>
               <a:t>Speed Score vs. Career Yardage </a:t>
             </a:r>
-            <a:endParaRPr dirty="0"/>
+            <a:endParaRPr/>
           </a:p>
         </p:txBody>
       </p:sp>
@@ -2431,7 +2431,7 @@
         </p:blipFill>
         <p:spPr>
           <a:xfrm>
-            <a:off x="16952400" y="20224080"/>
+            <a:off x="16609500" y="20224080"/>
             <a:ext cx="2885760" cy="1247400"/>
           </a:xfrm>
           <a:prstGeom prst="rect">
@@ -2450,7 +2450,7 @@
         </p:nvSpPr>
         <p:spPr>
           <a:xfrm>
-            <a:off x="12095640" y="18933120"/>
+            <a:off x="11752740" y="18933120"/>
             <a:ext cx="12270240" cy="1735560"/>
           </a:xfrm>
           <a:prstGeom prst="rect">
@@ -2491,8 +2491,8 @@
         </p:nvSpPr>
         <p:spPr>
           <a:xfrm>
-            <a:off x="1104840" y="4648320"/>
-            <a:ext cx="9410400" cy="11324160"/>
+            <a:off x="1104840" y="4019670"/>
+            <a:ext cx="9933274" cy="7745490"/>
           </a:xfrm>
           <a:prstGeom prst="rect">
             <a:avLst/>
@@ -2512,32 +2512,115 @@
               </a:lnSpc>
             </a:pPr>
             <a:r>
-              <a:rPr lang="en-US" sz="6220">
+              <a:rPr lang="en-US" sz="6220" b="1" dirty="0">
+                <a:solidFill>
+                  <a:srgbClr val="000000"/>
+                </a:solidFill>
+                <a:latin typeface="Agency FB" panose="020B0503020202020204" pitchFamily="34" charset="0"/>
+              </a:rPr>
+              <a:t>Intro</a:t>
+            </a:r>
+            <a:endParaRPr b="1" dirty="0">
+              <a:latin typeface="Agency FB" panose="020B0503020202020204" pitchFamily="34" charset="0"/>
+            </a:endParaRPr>
+          </a:p>
+          <a:p>
+            <a:pPr>
+              <a:lnSpc>
+                <a:spcPct val="100000"/>
+              </a:lnSpc>
+            </a:pPr>
+            <a:r>
+              <a:rPr lang="en-US" sz="4500" dirty="0">
                 <a:solidFill>
                   <a:srgbClr val="000000"/>
                 </a:solidFill>
                 <a:latin typeface="Calibri"/>
               </a:rPr>
-              <a:t>Intro</a:t>
-            </a:r>
-            <a:endParaRPr/>
-          </a:p>
-          <a:p>
-            <a:pPr>
-              <a:lnSpc>
-                <a:spcPct val="100000"/>
-              </a:lnSpc>
-            </a:pPr>
-            <a:r>
-              <a:rPr lang="en-US" sz="4500">
+              <a:t>Every year, hundreds of collegiate football players are invited to participate in a week-long scouting combine. Players are evaluated by NFL </a:t>
+            </a:r>
+            <a:r>
+              <a:rPr lang="en-US" sz="4500" dirty="0" smtClean="0">
                 <a:solidFill>
                   <a:srgbClr val="000000"/>
                 </a:solidFill>
                 <a:latin typeface="Calibri"/>
               </a:rPr>
-              <a:t>Every year, hundreds of collegiate football players are invited to participate in a week-long scouting combine. Players are evaluated by NFL personal departments on a series of physical and mental tests. Results from these “measurables” influence positioning in the ensuing NFL draft months after the combine. Our goal with this project was to determine the association between pre-draft metrics and career performance </a:t>
-            </a:r>
-            <a:endParaRPr/>
+              <a:t>personnel </a:t>
+            </a:r>
+            <a:r>
+              <a:rPr lang="en-US" sz="4500" dirty="0">
+                <a:solidFill>
+                  <a:srgbClr val="000000"/>
+                </a:solidFill>
+                <a:latin typeface="Calibri"/>
+              </a:rPr>
+              <a:t>departments on a series of physical and mental tests. Results from these “</a:t>
+            </a:r>
+            <a:r>
+              <a:rPr lang="en-US" sz="4500" dirty="0" err="1">
+                <a:solidFill>
+                  <a:srgbClr val="000000"/>
+                </a:solidFill>
+                <a:latin typeface="Calibri"/>
+              </a:rPr>
+              <a:t>measurables</a:t>
+            </a:r>
+            <a:r>
+              <a:rPr lang="en-US" sz="4500" dirty="0">
+                <a:solidFill>
+                  <a:srgbClr val="000000"/>
+                </a:solidFill>
+                <a:latin typeface="Calibri"/>
+              </a:rPr>
+              <a:t>” influence positioning in the ensuing NFL </a:t>
+            </a:r>
+            <a:r>
+              <a:rPr lang="en-US" sz="4500" dirty="0" smtClean="0">
+                <a:solidFill>
+                  <a:srgbClr val="000000"/>
+                </a:solidFill>
+                <a:latin typeface="Calibri"/>
+              </a:rPr>
+              <a:t>draft. </a:t>
+            </a:r>
+            <a:r>
+              <a:rPr lang="en-US" sz="4500" dirty="0">
+                <a:solidFill>
+                  <a:srgbClr val="000000"/>
+                </a:solidFill>
+                <a:latin typeface="Calibri"/>
+              </a:rPr>
+              <a:t>Our goal </a:t>
+            </a:r>
+            <a:r>
+              <a:rPr lang="en-US" sz="4500" dirty="0" smtClean="0">
+                <a:solidFill>
+                  <a:srgbClr val="000000"/>
+                </a:solidFill>
+                <a:latin typeface="Calibri"/>
+              </a:rPr>
+              <a:t>was </a:t>
+            </a:r>
+            <a:r>
+              <a:rPr lang="en-US" sz="4500" dirty="0">
+                <a:solidFill>
+                  <a:srgbClr val="000000"/>
+                </a:solidFill>
+                <a:latin typeface="Calibri"/>
+              </a:rPr>
+              <a:t>to determine the association between pre-draft metrics and career performance </a:t>
+            </a:r>
+            <a:r>
+              <a:rPr lang="en-US" sz="4500" dirty="0" smtClean="0">
+                <a:solidFill>
+                  <a:srgbClr val="000000"/>
+                </a:solidFill>
+                <a:latin typeface="Calibri"/>
+              </a:rPr>
+              <a:t>.</a:t>
+            </a:r>
+            <a:endParaRPr dirty="0"/>
           </a:p>
         </p:txBody>
       </p:sp>
@@ -2549,8 +2632,8 @@
         </p:nvSpPr>
         <p:spPr>
           <a:xfrm>
-            <a:off x="1104840" y="14045760"/>
-            <a:ext cx="9410400" cy="4466880"/>
+            <a:off x="1104840" y="12519041"/>
+            <a:ext cx="10259846" cy="4013640"/>
           </a:xfrm>
           <a:prstGeom prst="rect">
             <a:avLst/>
@@ -2570,15 +2653,51 @@
               </a:lnSpc>
             </a:pPr>
             <a:r>
-              <a:rPr lang="en-US" sz="6220">
+              <a:rPr lang="en-US" sz="6220" b="1" dirty="0">
+                <a:solidFill>
+                  <a:srgbClr val="000000"/>
+                </a:solidFill>
+                <a:latin typeface="Agency FB" panose="020B0503020202020204" pitchFamily="34" charset="0"/>
+              </a:rPr>
+              <a:t>Data</a:t>
+            </a:r>
+            <a:endParaRPr b="1" dirty="0">
+              <a:latin typeface="Agency FB" panose="020B0503020202020204" pitchFamily="34" charset="0"/>
+            </a:endParaRPr>
+          </a:p>
+          <a:p>
+            <a:pPr>
+              <a:lnSpc>
+                <a:spcPct val="100000"/>
+              </a:lnSpc>
+            </a:pPr>
+            <a:r>
+              <a:rPr lang="en-US" sz="4500" dirty="0" smtClean="0">
                 <a:solidFill>
                   <a:srgbClr val="000000"/>
                 </a:solidFill>
                 <a:latin typeface="Calibri"/>
               </a:rPr>
-              <a:t>Data</a:t>
-            </a:r>
-            <a:endParaRPr/>
+              <a:t>Annual passing</a:t>
+            </a:r>
+            <a:r>
+              <a:rPr lang="en-US" sz="4500" dirty="0">
+                <a:solidFill>
+                  <a:srgbClr val="000000"/>
+                </a:solidFill>
+                <a:latin typeface="Calibri"/>
+              </a:rPr>
+              <a:t>, rushing and receiving </a:t>
+            </a:r>
+            <a:r>
+              <a:rPr lang="en-US" sz="4500" dirty="0" smtClean="0">
+                <a:solidFill>
+                  <a:srgbClr val="000000"/>
+                </a:solidFill>
+                <a:latin typeface="Calibri"/>
+              </a:rPr>
+              <a:t>data: Pro-football-reference.com</a:t>
+            </a:r>
           </a:p>
           <a:p>
             <a:pPr>
@@ -2586,33 +2705,24 @@
                 <a:spcPct val="100000"/>
               </a:lnSpc>
             </a:pPr>
-            <a:r>
-              <a:rPr lang="en-US" sz="4500">
+            <a:endParaRPr dirty="0"/>
+          </a:p>
+          <a:p>
+            <a:pPr>
+              <a:lnSpc>
+                <a:spcPct val="100000"/>
+              </a:lnSpc>
+            </a:pPr>
+            <a:r>
+              <a:rPr lang="en-US" sz="4500" dirty="0">
                 <a:solidFill>
                   <a:srgbClr val="000000"/>
                 </a:solidFill>
                 <a:latin typeface="Calibri"/>
               </a:rPr>
-              <a:t>Passing, rushing and receiving data for individual seasons: Pro-football-reference.com</a:t>
-            </a:r>
-            <a:endParaRPr/>
-          </a:p>
-          <a:p>
-            <a:pPr>
-              <a:lnSpc>
-                <a:spcPct val="100000"/>
-              </a:lnSpc>
-            </a:pPr>
-            <a:r>
-              <a:rPr lang="en-US" sz="4500">
-                <a:solidFill>
-                  <a:srgbClr val="000000"/>
-                </a:solidFill>
-                <a:latin typeface="Calibri"/>
-              </a:rPr>
               <a:t>Scouting combine and player database: NFLsavant.com</a:t>
             </a:r>
-            <a:endParaRPr/>
+            <a:endParaRPr dirty="0"/>
           </a:p>
         </p:txBody>
       </p:sp>
@@ -2624,7 +2734,7 @@
         </p:nvSpPr>
         <p:spPr>
           <a:xfrm>
-            <a:off x="1104840" y="19215720"/>
+            <a:off x="1104840" y="17190979"/>
             <a:ext cx="9410400" cy="5151960"/>
           </a:xfrm>
           <a:prstGeom prst="rect">
@@ -2645,952 +2755,40 @@
               </a:lnSpc>
             </a:pPr>
             <a:r>
-              <a:rPr lang="en-US" sz="6220">
+              <a:rPr lang="en-US" sz="6220" b="1" dirty="0" smtClean="0">
+                <a:solidFill>
+                  <a:srgbClr val="000000"/>
+                </a:solidFill>
+                <a:latin typeface="Agency FB" panose="020B0503020202020204" pitchFamily="34" charset="0"/>
+              </a:rPr>
+              <a:t>Processing and Database Design</a:t>
+            </a:r>
+            <a:endParaRPr sz="6220" b="1" dirty="0">
+              <a:latin typeface="Agency FB" panose="020B0503020202020204" pitchFamily="34" charset="0"/>
+            </a:endParaRPr>
+          </a:p>
+          <a:p>
+            <a:pPr>
+              <a:lnSpc>
+                <a:spcPct val="100000"/>
+              </a:lnSpc>
+            </a:pPr>
+            <a:r>
+              <a:rPr lang="en-US" sz="4500" dirty="0">
                 <a:solidFill>
                   <a:srgbClr val="000000"/>
                 </a:solidFill>
                 <a:latin typeface="Calibri"/>
               </a:rPr>
-              <a:t>Project setup</a:t>
-            </a:r>
-            <a:endParaRPr/>
-          </a:p>
-          <a:p>
-            <a:pPr>
-              <a:lnSpc>
-                <a:spcPct val="100000"/>
-              </a:lnSpc>
-            </a:pPr>
-            <a:r>
-              <a:rPr lang="en-US" sz="4500">
-                <a:solidFill>
-                  <a:srgbClr val="000000"/>
-                </a:solidFill>
-                <a:latin typeface="Calibri"/>
-              </a:rPr>
               <a:t>We used pandas to wrangle and clean .csv files obtained online. Then, processed .csv files were merged and stored in relational databases with sqlite3 to handle analysis queries</a:t>
             </a:r>
-            <a:endParaRPr/>
-          </a:p>
-        </p:txBody>
-      </p:sp>
-      <p:sp>
-        <p:nvSpPr>
-          <p:cNvPr id="28" name="CustomShape 5"/>
-          <p:cNvSpPr/>
-          <p:nvPr/>
-        </p:nvSpPr>
-        <p:spPr>
-          <a:xfrm>
-            <a:off x="30803437" y="25352220"/>
-            <a:ext cx="5772563" cy="2605642"/>
-          </a:xfrm>
-          <a:prstGeom prst="rect">
-            <a:avLst/>
-          </a:prstGeom>
-          <a:noFill/>
-          <a:ln>
-            <a:noFill/>
-          </a:ln>
-        </p:spPr>
-        <p:txBody>
-          <a:bodyPr lIns="90000" tIns="45000" rIns="90000" bIns="45000"/>
-          <a:lstStyle/>
-          <a:p>
-            <a:pPr>
-              <a:lnSpc>
-                <a:spcPct val="100000"/>
-              </a:lnSpc>
-            </a:pPr>
-            <a:r>
-              <a:rPr lang="en-US" sz="4800" dirty="0" smtClean="0">
-                <a:solidFill>
-                  <a:srgbClr val="000000"/>
-                </a:solidFill>
-                <a:latin typeface="Agency FB"/>
-              </a:rPr>
-              <a:t>WR Pick</a:t>
-            </a:r>
-            <a:endParaRPr lang="en-US" sz="4800" dirty="0"/>
-          </a:p>
-          <a:p>
-            <a:pPr marL="285750" indent="-285750">
-              <a:lnSpc>
-                <a:spcPct val="100000"/>
-              </a:lnSpc>
-              <a:buFont typeface="Arial" panose="020B0604020202020204" pitchFamily="34" charset="0"/>
-              <a:buChar char="•"/>
-            </a:pPr>
-            <a:r>
-              <a:rPr lang="en-US" dirty="0" smtClean="0">
-                <a:solidFill>
-                  <a:srgbClr val="000000"/>
-                </a:solidFill>
-                <a:latin typeface="Agency FB"/>
-              </a:rPr>
-              <a:t>Weight- higher weight shows positive impacts on pick</a:t>
-            </a:r>
-          </a:p>
-          <a:p>
-            <a:pPr marL="285750" indent="-285750">
-              <a:lnSpc>
-                <a:spcPct val="100000"/>
-              </a:lnSpc>
-              <a:buFont typeface="Arial" panose="020B0604020202020204" pitchFamily="34" charset="0"/>
-              <a:buChar char="•"/>
-            </a:pPr>
-            <a:r>
-              <a:rPr lang="en-US" dirty="0" smtClean="0">
-                <a:solidFill>
-                  <a:srgbClr val="000000"/>
-                </a:solidFill>
-                <a:latin typeface="Agency FB"/>
-              </a:rPr>
-              <a:t>Height- higher height shows positive impacts on pick</a:t>
-            </a:r>
-          </a:p>
-          <a:p>
-            <a:pPr marL="285750" indent="-285750">
-              <a:lnSpc>
-                <a:spcPct val="100000"/>
-              </a:lnSpc>
-              <a:buFont typeface="Arial" panose="020B0604020202020204" pitchFamily="34" charset="0"/>
-              <a:buChar char="•"/>
-            </a:pPr>
-            <a:r>
-              <a:rPr lang="en-US" dirty="0" smtClean="0">
-                <a:solidFill>
-                  <a:srgbClr val="000000"/>
-                </a:solidFill>
-                <a:latin typeface="Agency FB"/>
-              </a:rPr>
-              <a:t>40-Yard Dash- higher times shows negative impacts on pick</a:t>
-            </a:r>
-          </a:p>
-          <a:p>
-            <a:pPr marL="285750" indent="-285750">
-              <a:lnSpc>
-                <a:spcPct val="100000"/>
-              </a:lnSpc>
-              <a:buFont typeface="Arial" panose="020B0604020202020204" pitchFamily="34" charset="0"/>
-              <a:buChar char="•"/>
-            </a:pPr>
-            <a:r>
-              <a:rPr lang="en-US" dirty="0" smtClean="0">
-                <a:solidFill>
-                  <a:srgbClr val="000000"/>
-                </a:solidFill>
-                <a:latin typeface="Agency FB"/>
-              </a:rPr>
-              <a:t>Twenty Yard Shuttle- higher times shows negative impacts pick</a:t>
-            </a:r>
-          </a:p>
-          <a:p>
-            <a:pPr marL="285750" indent="-285750">
-              <a:lnSpc>
-                <a:spcPct val="100000"/>
-              </a:lnSpc>
-              <a:buFont typeface="Arial" panose="020B0604020202020204" pitchFamily="34" charset="0"/>
-              <a:buChar char="•"/>
-            </a:pPr>
-            <a:r>
-              <a:rPr lang="en-US" dirty="0" smtClean="0">
-                <a:solidFill>
-                  <a:srgbClr val="000000"/>
-                </a:solidFill>
-                <a:latin typeface="Agency FB"/>
-              </a:rPr>
-              <a:t>Vertical Jump- higher jump shows negative impacts on pick</a:t>
-            </a:r>
-          </a:p>
-          <a:p>
-            <a:pPr algn="ctr">
-              <a:lnSpc>
-                <a:spcPct val="100000"/>
-              </a:lnSpc>
-            </a:pPr>
-            <a:endParaRPr lang="en-US" sz="6220" dirty="0" smtClean="0">
-              <a:solidFill>
-                <a:srgbClr val="000000"/>
-              </a:solidFill>
-              <a:latin typeface="Agency FB"/>
-            </a:endParaRPr>
-          </a:p>
-        </p:txBody>
-      </p:sp>
-      <p:sp>
-        <p:nvSpPr>
-          <p:cNvPr id="29" name="CustomShape 5"/>
-          <p:cNvSpPr/>
-          <p:nvPr/>
-        </p:nvSpPr>
-        <p:spPr>
-          <a:xfrm>
-            <a:off x="30720243" y="9113679"/>
-            <a:ext cx="6096000" cy="2330233"/>
-          </a:xfrm>
-          <a:prstGeom prst="rect">
-            <a:avLst/>
-          </a:prstGeom>
-          <a:noFill/>
-          <a:ln>
-            <a:noFill/>
-          </a:ln>
-        </p:spPr>
-        <p:txBody>
-          <a:bodyPr lIns="90000" tIns="45000" rIns="90000" bIns="45000"/>
-          <a:lstStyle/>
-          <a:p>
-            <a:pPr>
-              <a:lnSpc>
-                <a:spcPct val="100000"/>
-              </a:lnSpc>
-            </a:pPr>
-            <a:r>
-              <a:rPr lang="en-US" sz="4800" dirty="0" smtClean="0">
-                <a:solidFill>
-                  <a:srgbClr val="000000"/>
-                </a:solidFill>
-                <a:latin typeface="Agency FB"/>
-              </a:rPr>
-              <a:t>RB Yardage</a:t>
-            </a:r>
-            <a:endParaRPr lang="en-US" sz="2400" dirty="0" smtClean="0">
-              <a:solidFill>
-                <a:srgbClr val="000000"/>
-              </a:solidFill>
-              <a:latin typeface="Agency FB"/>
-            </a:endParaRPr>
-          </a:p>
-          <a:p>
-            <a:pPr marL="342900" indent="-342900">
-              <a:lnSpc>
-                <a:spcPct val="100000"/>
-              </a:lnSpc>
-              <a:buFont typeface="Arial" panose="020B0604020202020204" pitchFamily="34" charset="0"/>
-              <a:buChar char="•"/>
-            </a:pPr>
-            <a:r>
-              <a:rPr lang="en-US" dirty="0" smtClean="0">
-                <a:solidFill>
-                  <a:srgbClr val="000000"/>
-                </a:solidFill>
-                <a:latin typeface="Agency FB"/>
-              </a:rPr>
-              <a:t>Weight- higher weight shows positive impacts on yardage</a:t>
-            </a:r>
-          </a:p>
-          <a:p>
-            <a:pPr marL="342900" indent="-342900">
-              <a:lnSpc>
-                <a:spcPct val="100000"/>
-              </a:lnSpc>
-              <a:buFont typeface="Arial" panose="020B0604020202020204" pitchFamily="34" charset="0"/>
-              <a:buChar char="•"/>
-            </a:pPr>
-            <a:r>
-              <a:rPr lang="en-US" dirty="0" smtClean="0">
-                <a:solidFill>
-                  <a:srgbClr val="000000"/>
-                </a:solidFill>
-                <a:latin typeface="Agency FB"/>
-              </a:rPr>
-              <a:t>Height- higher height shows positive impacts on yardage</a:t>
-            </a:r>
-          </a:p>
-          <a:p>
-            <a:pPr marL="342900" indent="-342900">
-              <a:lnSpc>
-                <a:spcPct val="100000"/>
-              </a:lnSpc>
-              <a:buFont typeface="Arial" panose="020B0604020202020204" pitchFamily="34" charset="0"/>
-              <a:buChar char="•"/>
-            </a:pPr>
-            <a:r>
-              <a:rPr lang="en-US" dirty="0" smtClean="0">
-                <a:solidFill>
-                  <a:srgbClr val="000000"/>
-                </a:solidFill>
-                <a:latin typeface="Agency FB"/>
-              </a:rPr>
-              <a:t>40-Yard Dash- higher times shows negative impacts on yardage</a:t>
-            </a:r>
-          </a:p>
-          <a:p>
-            <a:pPr marL="342900" indent="-342900">
-              <a:lnSpc>
-                <a:spcPct val="100000"/>
-              </a:lnSpc>
-              <a:buFont typeface="Arial" panose="020B0604020202020204" pitchFamily="34" charset="0"/>
-              <a:buChar char="•"/>
-            </a:pPr>
-            <a:r>
-              <a:rPr lang="en-US" dirty="0" smtClean="0">
-                <a:solidFill>
-                  <a:srgbClr val="000000"/>
-                </a:solidFill>
-                <a:latin typeface="Agency FB"/>
-              </a:rPr>
-              <a:t>Twenty Yard Shuttle- higher times shows negative impacts on yardage</a:t>
-            </a:r>
-          </a:p>
-          <a:p>
-            <a:pPr marL="342900" indent="-342900">
-              <a:lnSpc>
-                <a:spcPct val="100000"/>
-              </a:lnSpc>
-              <a:buFont typeface="Arial" panose="020B0604020202020204" pitchFamily="34" charset="0"/>
-              <a:buChar char="•"/>
-            </a:pPr>
-            <a:r>
-              <a:rPr lang="en-US" dirty="0" smtClean="0">
-                <a:solidFill>
-                  <a:srgbClr val="000000"/>
-                </a:solidFill>
-                <a:latin typeface="Agency FB"/>
-              </a:rPr>
-              <a:t>Vertical Jump- higher jump shows positive impacts on yardage</a:t>
-            </a:r>
-          </a:p>
-          <a:p>
-            <a:pPr>
-              <a:lnSpc>
-                <a:spcPct val="100000"/>
-              </a:lnSpc>
-            </a:pPr>
-            <a:endParaRPr lang="en-US" sz="2400" dirty="0" smtClean="0">
-              <a:solidFill>
-                <a:srgbClr val="000000"/>
-              </a:solidFill>
-              <a:latin typeface="Agency FB"/>
-            </a:endParaRPr>
-          </a:p>
-          <a:p>
-            <a:pPr>
-              <a:lnSpc>
-                <a:spcPct val="100000"/>
-              </a:lnSpc>
-            </a:pPr>
-            <a:endParaRPr sz="700" dirty="0"/>
-          </a:p>
-        </p:txBody>
-      </p:sp>
-      <p:sp>
-        <p:nvSpPr>
-          <p:cNvPr id="30" name="CustomShape 5"/>
-          <p:cNvSpPr/>
-          <p:nvPr/>
-        </p:nvSpPr>
-        <p:spPr>
-          <a:xfrm>
-            <a:off x="30803437" y="12752715"/>
-            <a:ext cx="6095999" cy="2521688"/>
-          </a:xfrm>
-          <a:prstGeom prst="rect">
-            <a:avLst/>
-          </a:prstGeom>
-          <a:noFill/>
-          <a:ln>
-            <a:noFill/>
-          </a:ln>
-        </p:spPr>
-        <p:txBody>
-          <a:bodyPr lIns="90000" tIns="45000" rIns="90000" bIns="45000"/>
-          <a:lstStyle/>
-          <a:p>
-            <a:pPr>
-              <a:lnSpc>
-                <a:spcPct val="100000"/>
-              </a:lnSpc>
-            </a:pPr>
-            <a:r>
-              <a:rPr lang="en-US" sz="4800" dirty="0" smtClean="0">
-                <a:solidFill>
-                  <a:srgbClr val="000000"/>
-                </a:solidFill>
-                <a:latin typeface="Agency FB"/>
-              </a:rPr>
-              <a:t>WR Yardage</a:t>
-            </a:r>
-          </a:p>
-          <a:p>
-            <a:pPr marL="285750" indent="-285750">
-              <a:lnSpc>
-                <a:spcPct val="100000"/>
-              </a:lnSpc>
-              <a:buFont typeface="Arial" panose="020B0604020202020204" pitchFamily="34" charset="0"/>
-              <a:buChar char="•"/>
-            </a:pPr>
-            <a:r>
-              <a:rPr lang="en-US" dirty="0" smtClean="0">
-                <a:solidFill>
-                  <a:srgbClr val="000000"/>
-                </a:solidFill>
-                <a:latin typeface="Agency FB"/>
-              </a:rPr>
-              <a:t>Weight- higher weight shows positive impacts on yardage</a:t>
-            </a:r>
-          </a:p>
-          <a:p>
-            <a:pPr marL="285750" indent="-285750">
-              <a:lnSpc>
-                <a:spcPct val="100000"/>
-              </a:lnSpc>
-              <a:buFont typeface="Arial" panose="020B0604020202020204" pitchFamily="34" charset="0"/>
-              <a:buChar char="•"/>
-            </a:pPr>
-            <a:r>
-              <a:rPr lang="en-US" dirty="0" smtClean="0">
-                <a:solidFill>
-                  <a:srgbClr val="000000"/>
-                </a:solidFill>
-                <a:latin typeface="Agency FB"/>
-              </a:rPr>
-              <a:t>Height- higher height shows positive impacts on yardage</a:t>
-            </a:r>
-          </a:p>
-          <a:p>
-            <a:pPr marL="285750" indent="-285750">
-              <a:lnSpc>
-                <a:spcPct val="100000"/>
-              </a:lnSpc>
-              <a:buFont typeface="Arial" panose="020B0604020202020204" pitchFamily="34" charset="0"/>
-              <a:buChar char="•"/>
-            </a:pPr>
-            <a:r>
-              <a:rPr lang="en-US" dirty="0" smtClean="0">
-                <a:solidFill>
-                  <a:srgbClr val="000000"/>
-                </a:solidFill>
-                <a:latin typeface="Agency FB"/>
-              </a:rPr>
-              <a:t>40-Yard Dash- higher times shows negative impacts on yardage</a:t>
-            </a:r>
-          </a:p>
-          <a:p>
-            <a:pPr marL="285750" indent="-285750">
-              <a:lnSpc>
-                <a:spcPct val="100000"/>
-              </a:lnSpc>
-              <a:buFont typeface="Arial" panose="020B0604020202020204" pitchFamily="34" charset="0"/>
-              <a:buChar char="•"/>
-            </a:pPr>
-            <a:r>
-              <a:rPr lang="en-US" dirty="0" smtClean="0">
-                <a:solidFill>
-                  <a:srgbClr val="000000"/>
-                </a:solidFill>
-                <a:latin typeface="Agency FB"/>
-              </a:rPr>
-              <a:t>Twenty Yard Shuttle- higher times shows negative impacts on yardage</a:t>
-            </a:r>
-          </a:p>
-          <a:p>
-            <a:pPr marL="285750" indent="-285750">
-              <a:lnSpc>
-                <a:spcPct val="100000"/>
-              </a:lnSpc>
-              <a:buFont typeface="Arial" panose="020B0604020202020204" pitchFamily="34" charset="0"/>
-              <a:buChar char="•"/>
-            </a:pPr>
-            <a:r>
-              <a:rPr lang="en-US" dirty="0" smtClean="0">
-                <a:solidFill>
-                  <a:srgbClr val="000000"/>
-                </a:solidFill>
-                <a:latin typeface="Agency FB"/>
-              </a:rPr>
-              <a:t>Vertical Jump- higher jump shows positive impacts on yardage</a:t>
-            </a:r>
-          </a:p>
-          <a:p>
-            <a:pPr algn="ctr">
-              <a:lnSpc>
-                <a:spcPct val="100000"/>
-              </a:lnSpc>
-            </a:pPr>
-            <a:endParaRPr lang="en-US" sz="2400" dirty="0" smtClean="0">
-              <a:solidFill>
-                <a:srgbClr val="000000"/>
-              </a:solidFill>
-              <a:latin typeface="Agency FB"/>
-            </a:endParaRPr>
-          </a:p>
-          <a:p>
-            <a:pPr algn="ctr">
-              <a:lnSpc>
-                <a:spcPct val="100000"/>
-              </a:lnSpc>
-            </a:pPr>
-            <a:endParaRPr sz="800" dirty="0"/>
-          </a:p>
-        </p:txBody>
-      </p:sp>
-      <p:sp>
-        <p:nvSpPr>
-          <p:cNvPr id="31" name="CustomShape 5"/>
-          <p:cNvSpPr/>
-          <p:nvPr/>
-        </p:nvSpPr>
-        <p:spPr>
-          <a:xfrm>
-            <a:off x="30720243" y="5503348"/>
-            <a:ext cx="5963251" cy="2596844"/>
-          </a:xfrm>
-          <a:prstGeom prst="rect">
-            <a:avLst/>
-          </a:prstGeom>
-          <a:noFill/>
-          <a:ln>
-            <a:noFill/>
-          </a:ln>
-        </p:spPr>
-        <p:txBody>
-          <a:bodyPr lIns="90000" tIns="45000" rIns="90000" bIns="45000"/>
-          <a:lstStyle/>
-          <a:p>
-            <a:pPr>
-              <a:lnSpc>
-                <a:spcPct val="100000"/>
-              </a:lnSpc>
-            </a:pPr>
-            <a:r>
-              <a:rPr lang="en-US" sz="4800" dirty="0" smtClean="0">
-                <a:solidFill>
-                  <a:srgbClr val="000000"/>
-                </a:solidFill>
-                <a:latin typeface="Agency FB"/>
-              </a:rPr>
-              <a:t>QB Yardage</a:t>
-            </a:r>
-          </a:p>
-          <a:p>
-            <a:pPr marL="342900" indent="-342900">
-              <a:lnSpc>
-                <a:spcPct val="100000"/>
-              </a:lnSpc>
-              <a:buFont typeface="Arial" panose="020B0604020202020204" pitchFamily="34" charset="0"/>
-              <a:buChar char="•"/>
-            </a:pPr>
-            <a:r>
-              <a:rPr lang="en-US" dirty="0" smtClean="0">
-                <a:solidFill>
-                  <a:srgbClr val="000000"/>
-                </a:solidFill>
-                <a:latin typeface="Agency FB"/>
-              </a:rPr>
-              <a:t>Weight- higher weight shows negative impacts on yardage</a:t>
-            </a:r>
-          </a:p>
-          <a:p>
-            <a:pPr marL="342900" indent="-342900">
-              <a:lnSpc>
-                <a:spcPct val="100000"/>
-              </a:lnSpc>
-              <a:buFont typeface="Arial" panose="020B0604020202020204" pitchFamily="34" charset="0"/>
-              <a:buChar char="•"/>
-            </a:pPr>
-            <a:r>
-              <a:rPr lang="en-US" dirty="0" smtClean="0">
-                <a:solidFill>
-                  <a:srgbClr val="000000"/>
-                </a:solidFill>
-                <a:latin typeface="Agency FB"/>
-              </a:rPr>
-              <a:t>Height- higher height shows positive impacts on yardage</a:t>
-            </a:r>
-          </a:p>
-          <a:p>
-            <a:pPr marL="342900" indent="-342900">
-              <a:lnSpc>
-                <a:spcPct val="100000"/>
-              </a:lnSpc>
-              <a:buFont typeface="Arial" panose="020B0604020202020204" pitchFamily="34" charset="0"/>
-              <a:buChar char="•"/>
-            </a:pPr>
-            <a:r>
-              <a:rPr lang="en-US" dirty="0" smtClean="0">
-                <a:solidFill>
-                  <a:srgbClr val="000000"/>
-                </a:solidFill>
-                <a:latin typeface="Agency FB"/>
-              </a:rPr>
-              <a:t>40-Yard Dash- higher times shows negative impacts on yardage</a:t>
-            </a:r>
-          </a:p>
-          <a:p>
-            <a:pPr marL="342900" indent="-342900">
-              <a:lnSpc>
-                <a:spcPct val="100000"/>
-              </a:lnSpc>
-              <a:buFont typeface="Arial" panose="020B0604020202020204" pitchFamily="34" charset="0"/>
-              <a:buChar char="•"/>
-            </a:pPr>
-            <a:r>
-              <a:rPr lang="en-US" dirty="0" smtClean="0">
-                <a:solidFill>
-                  <a:srgbClr val="000000"/>
-                </a:solidFill>
-                <a:latin typeface="Agency FB"/>
-              </a:rPr>
-              <a:t>Twenty Yard Shuttle- higher times shows positive impacts on yardage</a:t>
-            </a:r>
-          </a:p>
-          <a:p>
-            <a:pPr marL="342900" indent="-342900">
-              <a:lnSpc>
-                <a:spcPct val="100000"/>
-              </a:lnSpc>
-              <a:buFont typeface="Arial" panose="020B0604020202020204" pitchFamily="34" charset="0"/>
-              <a:buChar char="•"/>
-            </a:pPr>
-            <a:r>
-              <a:rPr lang="en-US" dirty="0" smtClean="0">
-                <a:solidFill>
-                  <a:srgbClr val="000000"/>
-                </a:solidFill>
-                <a:latin typeface="Agency FB"/>
-              </a:rPr>
-              <a:t>Vertical Jump- lower jump shows negative impacts on yardage</a:t>
-            </a:r>
-          </a:p>
-          <a:p>
-            <a:pPr>
-              <a:lnSpc>
-                <a:spcPct val="100000"/>
-              </a:lnSpc>
-            </a:pPr>
-            <a:endParaRPr lang="en-US" sz="6220" dirty="0" smtClean="0">
-              <a:solidFill>
-                <a:srgbClr val="000000"/>
-              </a:solidFill>
-              <a:latin typeface="Agency FB"/>
-            </a:endParaRPr>
-          </a:p>
-          <a:p>
-            <a:pPr>
-              <a:lnSpc>
-                <a:spcPct val="100000"/>
-              </a:lnSpc>
-            </a:pPr>
-            <a:endParaRPr dirty="0"/>
-          </a:p>
-        </p:txBody>
-      </p:sp>
-      <p:sp>
-        <p:nvSpPr>
-          <p:cNvPr id="32" name="CustomShape 5"/>
-          <p:cNvSpPr/>
-          <p:nvPr/>
-        </p:nvSpPr>
-        <p:spPr>
-          <a:xfrm>
-            <a:off x="30720243" y="17374502"/>
-            <a:ext cx="5829300" cy="2810158"/>
-          </a:xfrm>
-          <a:prstGeom prst="rect">
-            <a:avLst/>
-          </a:prstGeom>
-          <a:noFill/>
-          <a:ln>
-            <a:noFill/>
-          </a:ln>
-        </p:spPr>
-        <p:txBody>
-          <a:bodyPr lIns="90000" tIns="45000" rIns="90000" bIns="45000"/>
-          <a:lstStyle/>
-          <a:p>
-            <a:pPr>
-              <a:lnSpc>
-                <a:spcPct val="100000"/>
-              </a:lnSpc>
-            </a:pPr>
-            <a:r>
-              <a:rPr lang="en-US" sz="4800" dirty="0" smtClean="0">
-                <a:solidFill>
-                  <a:srgbClr val="000000"/>
-                </a:solidFill>
-                <a:latin typeface="Agency FB"/>
-              </a:rPr>
-              <a:t>QB Pick</a:t>
-            </a:r>
-          </a:p>
-          <a:p>
-            <a:pPr marL="342900" indent="-342900">
-              <a:lnSpc>
-                <a:spcPct val="100000"/>
-              </a:lnSpc>
-              <a:buFont typeface="Arial" panose="020B0604020202020204" pitchFamily="34" charset="0"/>
-              <a:buChar char="•"/>
-            </a:pPr>
-            <a:r>
-              <a:rPr lang="en-US" dirty="0" smtClean="0">
-                <a:solidFill>
-                  <a:srgbClr val="000000"/>
-                </a:solidFill>
-                <a:latin typeface="Agency FB"/>
-              </a:rPr>
-              <a:t>Weight- higher weight shows positive impacts on pick</a:t>
-            </a:r>
-          </a:p>
-          <a:p>
-            <a:pPr marL="342900" indent="-342900">
-              <a:lnSpc>
-                <a:spcPct val="100000"/>
-              </a:lnSpc>
-              <a:buFont typeface="Arial" panose="020B0604020202020204" pitchFamily="34" charset="0"/>
-              <a:buChar char="•"/>
-            </a:pPr>
-            <a:r>
-              <a:rPr lang="en-US" dirty="0" smtClean="0">
-                <a:solidFill>
-                  <a:srgbClr val="000000"/>
-                </a:solidFill>
-                <a:latin typeface="Agency FB"/>
-              </a:rPr>
-              <a:t>Height- higher height shows negative impacts on pick</a:t>
-            </a:r>
-          </a:p>
-          <a:p>
-            <a:pPr marL="342900" indent="-342900">
-              <a:lnSpc>
-                <a:spcPct val="100000"/>
-              </a:lnSpc>
-              <a:buFont typeface="Arial" panose="020B0604020202020204" pitchFamily="34" charset="0"/>
-              <a:buChar char="•"/>
-            </a:pPr>
-            <a:r>
-              <a:rPr lang="en-US" dirty="0" smtClean="0">
-                <a:solidFill>
-                  <a:srgbClr val="000000"/>
-                </a:solidFill>
-                <a:latin typeface="Agency FB"/>
-              </a:rPr>
-              <a:t>40-Yard Dash- higher times shows negative impacts on pick</a:t>
-            </a:r>
-          </a:p>
-          <a:p>
-            <a:pPr marL="342900" indent="-342900">
-              <a:lnSpc>
-                <a:spcPct val="100000"/>
-              </a:lnSpc>
-              <a:buFont typeface="Arial" panose="020B0604020202020204" pitchFamily="34" charset="0"/>
-              <a:buChar char="•"/>
-            </a:pPr>
-            <a:r>
-              <a:rPr lang="en-US" dirty="0" smtClean="0">
-                <a:solidFill>
-                  <a:srgbClr val="000000"/>
-                </a:solidFill>
-                <a:latin typeface="Agency FB"/>
-              </a:rPr>
-              <a:t>Twenty Yard Shuttle- higher times shows negative impacts on pick</a:t>
-            </a:r>
-          </a:p>
-          <a:p>
-            <a:pPr marL="342900" indent="-342900">
-              <a:lnSpc>
-                <a:spcPct val="100000"/>
-              </a:lnSpc>
-              <a:buFont typeface="Arial" panose="020B0604020202020204" pitchFamily="34" charset="0"/>
-              <a:buChar char="•"/>
-            </a:pPr>
-            <a:r>
-              <a:rPr lang="en-US" dirty="0" smtClean="0">
-                <a:solidFill>
-                  <a:srgbClr val="000000"/>
-                </a:solidFill>
-                <a:latin typeface="Agency FB"/>
-              </a:rPr>
-              <a:t>Vertical Jump- higher jump shows negative impacts on pick</a:t>
-            </a:r>
-          </a:p>
-          <a:p>
-            <a:pPr>
-              <a:lnSpc>
-                <a:spcPct val="100000"/>
-              </a:lnSpc>
-            </a:pPr>
-            <a:endParaRPr lang="en-US" sz="6220" dirty="0" smtClean="0">
-              <a:solidFill>
-                <a:srgbClr val="000000"/>
-              </a:solidFill>
-              <a:latin typeface="Agency FB"/>
-            </a:endParaRPr>
-          </a:p>
-          <a:p>
-            <a:pPr>
-              <a:lnSpc>
-                <a:spcPct val="100000"/>
-              </a:lnSpc>
-            </a:pPr>
-            <a:endParaRPr dirty="0"/>
-          </a:p>
-        </p:txBody>
-      </p:sp>
-      <p:sp>
-        <p:nvSpPr>
-          <p:cNvPr id="33" name="CustomShape 5"/>
-          <p:cNvSpPr/>
-          <p:nvPr/>
-        </p:nvSpPr>
-        <p:spPr>
-          <a:xfrm>
-            <a:off x="30803437" y="21143580"/>
-            <a:ext cx="5772563" cy="2497081"/>
-          </a:xfrm>
-          <a:prstGeom prst="rect">
-            <a:avLst/>
-          </a:prstGeom>
-          <a:noFill/>
-          <a:ln>
-            <a:noFill/>
-          </a:ln>
-        </p:spPr>
-        <p:txBody>
-          <a:bodyPr lIns="90000" tIns="45000" rIns="90000" bIns="45000"/>
-          <a:lstStyle/>
-          <a:p>
-            <a:pPr>
-              <a:lnSpc>
-                <a:spcPct val="100000"/>
-              </a:lnSpc>
-            </a:pPr>
-            <a:r>
-              <a:rPr lang="en-US" sz="4800" dirty="0">
-                <a:solidFill>
-                  <a:srgbClr val="000000"/>
-                </a:solidFill>
-                <a:latin typeface="Agency FB"/>
-              </a:rPr>
-              <a:t>R</a:t>
-            </a:r>
-            <a:r>
-              <a:rPr lang="en-US" sz="4800" dirty="0" smtClean="0">
-                <a:solidFill>
-                  <a:srgbClr val="000000"/>
-                </a:solidFill>
-                <a:latin typeface="Agency FB"/>
-              </a:rPr>
-              <a:t>B Pick</a:t>
-            </a:r>
-          </a:p>
-          <a:p>
-            <a:pPr marL="285750" indent="-285750">
-              <a:lnSpc>
-                <a:spcPct val="100000"/>
-              </a:lnSpc>
-              <a:buFont typeface="Arial" panose="020B0604020202020204" pitchFamily="34" charset="0"/>
-              <a:buChar char="•"/>
-            </a:pPr>
-            <a:r>
-              <a:rPr lang="en-US" dirty="0" smtClean="0">
-                <a:solidFill>
-                  <a:srgbClr val="000000"/>
-                </a:solidFill>
-                <a:latin typeface="Agency FB"/>
-              </a:rPr>
-              <a:t>Weight- higher weight shows positive impacts on pick</a:t>
-            </a:r>
-          </a:p>
-          <a:p>
-            <a:pPr marL="285750" indent="-285750">
-              <a:lnSpc>
-                <a:spcPct val="100000"/>
-              </a:lnSpc>
-              <a:buFont typeface="Arial" panose="020B0604020202020204" pitchFamily="34" charset="0"/>
-              <a:buChar char="•"/>
-            </a:pPr>
-            <a:r>
-              <a:rPr lang="en-US" dirty="0" smtClean="0">
-                <a:solidFill>
-                  <a:srgbClr val="000000"/>
-                </a:solidFill>
-                <a:latin typeface="Agency FB"/>
-              </a:rPr>
-              <a:t>Height- higher height shows negative impacts on pick</a:t>
-            </a:r>
-          </a:p>
-          <a:p>
-            <a:pPr marL="285750" indent="-285750">
-              <a:lnSpc>
-                <a:spcPct val="100000"/>
-              </a:lnSpc>
-              <a:buFont typeface="Arial" panose="020B0604020202020204" pitchFamily="34" charset="0"/>
-              <a:buChar char="•"/>
-            </a:pPr>
-            <a:r>
-              <a:rPr lang="en-US" dirty="0" smtClean="0">
-                <a:solidFill>
-                  <a:srgbClr val="000000"/>
-                </a:solidFill>
-                <a:latin typeface="Agency FB"/>
-              </a:rPr>
-              <a:t>40-Yard Dash- higher times shows positive impacts on pick</a:t>
-            </a:r>
-          </a:p>
-          <a:p>
-            <a:pPr marL="285750" indent="-285750">
-              <a:lnSpc>
-                <a:spcPct val="100000"/>
-              </a:lnSpc>
-              <a:buFont typeface="Arial" panose="020B0604020202020204" pitchFamily="34" charset="0"/>
-              <a:buChar char="•"/>
-            </a:pPr>
-            <a:r>
-              <a:rPr lang="en-US" dirty="0" smtClean="0">
-                <a:solidFill>
-                  <a:srgbClr val="000000"/>
-                </a:solidFill>
-                <a:latin typeface="Agency FB"/>
-              </a:rPr>
-              <a:t>Twenty Yard Shuttle- higher times shows negative impacts on pick</a:t>
-            </a:r>
-          </a:p>
-          <a:p>
-            <a:pPr marL="285750" indent="-285750">
-              <a:lnSpc>
-                <a:spcPct val="100000"/>
-              </a:lnSpc>
-              <a:buFont typeface="Arial" panose="020B0604020202020204" pitchFamily="34" charset="0"/>
-              <a:buChar char="•"/>
-            </a:pPr>
-            <a:r>
-              <a:rPr lang="en-US" dirty="0" smtClean="0">
-                <a:solidFill>
-                  <a:srgbClr val="000000"/>
-                </a:solidFill>
-                <a:latin typeface="Agency FB"/>
-              </a:rPr>
-              <a:t>Vertical Jump- higher jump shows positive impacts on pick</a:t>
-            </a:r>
-          </a:p>
-          <a:p>
-            <a:pPr>
-              <a:lnSpc>
-                <a:spcPct val="100000"/>
-              </a:lnSpc>
-            </a:pPr>
-            <a:endParaRPr lang="en-US" sz="6220" dirty="0" smtClean="0">
-              <a:solidFill>
-                <a:srgbClr val="000000"/>
-              </a:solidFill>
-              <a:latin typeface="Agency FB"/>
-            </a:endParaRPr>
-          </a:p>
-          <a:p>
-            <a:pPr>
-              <a:lnSpc>
-                <a:spcPct val="100000"/>
-              </a:lnSpc>
-            </a:pPr>
             <a:endParaRPr dirty="0"/>
           </a:p>
         </p:txBody>
       </p:sp>
       <p:pic>
         <p:nvPicPr>
-          <p:cNvPr id="9" name="Picture 8"/>
+          <p:cNvPr id="2" name="Picture 1"/>
           <p:cNvPicPr>
             <a:picLocks noChangeAspect="1"/>
           </p:cNvPicPr>
@@ -3610,17 +2808,931 @@
         </p:blipFill>
         <p:spPr>
           <a:xfrm>
-            <a:off x="25083084" y="5180448"/>
-            <a:ext cx="5224864" cy="2964542"/>
+            <a:off x="1006263" y="21692994"/>
+            <a:ext cx="7895141" cy="7237213"/>
           </a:xfrm>
           <a:prstGeom prst="rect">
             <a:avLst/>
           </a:prstGeom>
         </p:spPr>
       </p:pic>
+      <p:sp>
+        <p:nvSpPr>
+          <p:cNvPr id="67" name="CustomShape 5"/>
+          <p:cNvSpPr/>
+          <p:nvPr/>
+        </p:nvSpPr>
+        <p:spPr>
+          <a:xfrm>
+            <a:off x="30174787" y="25676070"/>
+            <a:ext cx="5772563" cy="2605642"/>
+          </a:xfrm>
+          <a:prstGeom prst="rect">
+            <a:avLst/>
+          </a:prstGeom>
+          <a:noFill/>
+          <a:ln>
+            <a:noFill/>
+          </a:ln>
+        </p:spPr>
+        <p:txBody>
+          <a:bodyPr lIns="90000" tIns="45000" rIns="90000" bIns="45000"/>
+          <a:lstStyle/>
+          <a:p>
+            <a:pPr>
+              <a:lnSpc>
+                <a:spcPct val="100000"/>
+              </a:lnSpc>
+            </a:pPr>
+            <a:r>
+              <a:rPr lang="en-US" sz="4800" dirty="0" smtClean="0">
+                <a:solidFill>
+                  <a:srgbClr val="000000"/>
+                </a:solidFill>
+                <a:latin typeface="Agency FB"/>
+              </a:rPr>
+              <a:t>WR Pick</a:t>
+            </a:r>
+            <a:endParaRPr lang="en-US" sz="4800" dirty="0"/>
+          </a:p>
+          <a:p>
+            <a:pPr marL="285750" indent="-285750">
+              <a:lnSpc>
+                <a:spcPct val="100000"/>
+              </a:lnSpc>
+              <a:buFont typeface="Arial" panose="020B0604020202020204" pitchFamily="34" charset="0"/>
+              <a:buChar char="•"/>
+            </a:pPr>
+            <a:r>
+              <a:rPr lang="en-US" dirty="0" smtClean="0">
+                <a:solidFill>
+                  <a:srgbClr val="000000"/>
+                </a:solidFill>
+                <a:latin typeface="Agency FB"/>
+              </a:rPr>
+              <a:t>Weight- higher weight shows positive impacts on pick</a:t>
+            </a:r>
+          </a:p>
+          <a:p>
+            <a:pPr marL="285750" indent="-285750">
+              <a:lnSpc>
+                <a:spcPct val="100000"/>
+              </a:lnSpc>
+              <a:buFont typeface="Arial" panose="020B0604020202020204" pitchFamily="34" charset="0"/>
+              <a:buChar char="•"/>
+            </a:pPr>
+            <a:r>
+              <a:rPr lang="en-US" dirty="0" smtClean="0">
+                <a:solidFill>
+                  <a:srgbClr val="000000"/>
+                </a:solidFill>
+                <a:latin typeface="Agency FB"/>
+              </a:rPr>
+              <a:t>Height- higher height shows positive impacts on pick</a:t>
+            </a:r>
+          </a:p>
+          <a:p>
+            <a:pPr marL="285750" indent="-285750">
+              <a:lnSpc>
+                <a:spcPct val="100000"/>
+              </a:lnSpc>
+              <a:buFont typeface="Arial" panose="020B0604020202020204" pitchFamily="34" charset="0"/>
+              <a:buChar char="•"/>
+            </a:pPr>
+            <a:r>
+              <a:rPr lang="en-US" dirty="0" smtClean="0">
+                <a:solidFill>
+                  <a:srgbClr val="000000"/>
+                </a:solidFill>
+                <a:latin typeface="Agency FB"/>
+              </a:rPr>
+              <a:t>40-Yard Dash- higher times shows negative impacts on pick</a:t>
+            </a:r>
+          </a:p>
+          <a:p>
+            <a:pPr marL="285750" indent="-285750">
+              <a:lnSpc>
+                <a:spcPct val="100000"/>
+              </a:lnSpc>
+              <a:buFont typeface="Arial" panose="020B0604020202020204" pitchFamily="34" charset="0"/>
+              <a:buChar char="•"/>
+            </a:pPr>
+            <a:r>
+              <a:rPr lang="en-US" dirty="0" smtClean="0">
+                <a:solidFill>
+                  <a:srgbClr val="000000"/>
+                </a:solidFill>
+                <a:latin typeface="Agency FB"/>
+              </a:rPr>
+              <a:t>Twenty Yard Shuttle- higher times shows negative impacts pick</a:t>
+            </a:r>
+          </a:p>
+          <a:p>
+            <a:pPr marL="285750" indent="-285750">
+              <a:lnSpc>
+                <a:spcPct val="100000"/>
+              </a:lnSpc>
+              <a:buFont typeface="Arial" panose="020B0604020202020204" pitchFamily="34" charset="0"/>
+              <a:buChar char="•"/>
+            </a:pPr>
+            <a:r>
+              <a:rPr lang="en-US" dirty="0" smtClean="0">
+                <a:solidFill>
+                  <a:srgbClr val="000000"/>
+                </a:solidFill>
+                <a:latin typeface="Agency FB"/>
+              </a:rPr>
+              <a:t>Vertical Jump- higher jump shows negative impacts on pick</a:t>
+            </a:r>
+          </a:p>
+          <a:p>
+            <a:pPr algn="ctr">
+              <a:lnSpc>
+                <a:spcPct val="100000"/>
+              </a:lnSpc>
+            </a:pPr>
+            <a:endParaRPr lang="en-US" sz="6220" dirty="0" smtClean="0">
+              <a:solidFill>
+                <a:srgbClr val="000000"/>
+              </a:solidFill>
+              <a:latin typeface="Agency FB"/>
+            </a:endParaRPr>
+          </a:p>
+        </p:txBody>
+      </p:sp>
+      <p:sp>
+        <p:nvSpPr>
+          <p:cNvPr id="68" name="CustomShape 5"/>
+          <p:cNvSpPr/>
+          <p:nvPr/>
+        </p:nvSpPr>
+        <p:spPr>
+          <a:xfrm>
+            <a:off x="30091593" y="9437529"/>
+            <a:ext cx="6096000" cy="2330233"/>
+          </a:xfrm>
+          <a:prstGeom prst="rect">
+            <a:avLst/>
+          </a:prstGeom>
+          <a:noFill/>
+          <a:ln>
+            <a:noFill/>
+          </a:ln>
+        </p:spPr>
+        <p:txBody>
+          <a:bodyPr lIns="90000" tIns="45000" rIns="90000" bIns="45000"/>
+          <a:lstStyle/>
+          <a:p>
+            <a:pPr>
+              <a:lnSpc>
+                <a:spcPct val="100000"/>
+              </a:lnSpc>
+            </a:pPr>
+            <a:r>
+              <a:rPr lang="en-US" sz="4800" dirty="0" smtClean="0">
+                <a:solidFill>
+                  <a:srgbClr val="000000"/>
+                </a:solidFill>
+                <a:latin typeface="Agency FB"/>
+              </a:rPr>
+              <a:t>RB Yardage</a:t>
+            </a:r>
+            <a:endParaRPr lang="en-US" sz="2400" dirty="0" smtClean="0">
+              <a:solidFill>
+                <a:srgbClr val="000000"/>
+              </a:solidFill>
+              <a:latin typeface="Agency FB"/>
+            </a:endParaRPr>
+          </a:p>
+          <a:p>
+            <a:pPr marL="342900" indent="-342900">
+              <a:lnSpc>
+                <a:spcPct val="100000"/>
+              </a:lnSpc>
+              <a:buFont typeface="Arial" panose="020B0604020202020204" pitchFamily="34" charset="0"/>
+              <a:buChar char="•"/>
+            </a:pPr>
+            <a:r>
+              <a:rPr lang="en-US" dirty="0" smtClean="0">
+                <a:solidFill>
+                  <a:srgbClr val="000000"/>
+                </a:solidFill>
+                <a:latin typeface="Agency FB"/>
+              </a:rPr>
+              <a:t>Weight- higher weight shows positive impacts on yardage</a:t>
+            </a:r>
+          </a:p>
+          <a:p>
+            <a:pPr marL="342900" indent="-342900">
+              <a:lnSpc>
+                <a:spcPct val="100000"/>
+              </a:lnSpc>
+              <a:buFont typeface="Arial" panose="020B0604020202020204" pitchFamily="34" charset="0"/>
+              <a:buChar char="•"/>
+            </a:pPr>
+            <a:r>
+              <a:rPr lang="en-US" dirty="0" smtClean="0">
+                <a:solidFill>
+                  <a:srgbClr val="000000"/>
+                </a:solidFill>
+                <a:latin typeface="Agency FB"/>
+              </a:rPr>
+              <a:t>Height- higher height shows positive impacts on yardage</a:t>
+            </a:r>
+          </a:p>
+          <a:p>
+            <a:pPr marL="342900" indent="-342900">
+              <a:lnSpc>
+                <a:spcPct val="100000"/>
+              </a:lnSpc>
+              <a:buFont typeface="Arial" panose="020B0604020202020204" pitchFamily="34" charset="0"/>
+              <a:buChar char="•"/>
+            </a:pPr>
+            <a:r>
+              <a:rPr lang="en-US" dirty="0" smtClean="0">
+                <a:solidFill>
+                  <a:srgbClr val="000000"/>
+                </a:solidFill>
+                <a:latin typeface="Agency FB"/>
+              </a:rPr>
+              <a:t>40-Yard Dash- higher times shows negative impacts on yardage</a:t>
+            </a:r>
+          </a:p>
+          <a:p>
+            <a:pPr marL="342900" indent="-342900">
+              <a:lnSpc>
+                <a:spcPct val="100000"/>
+              </a:lnSpc>
+              <a:buFont typeface="Arial" panose="020B0604020202020204" pitchFamily="34" charset="0"/>
+              <a:buChar char="•"/>
+            </a:pPr>
+            <a:r>
+              <a:rPr lang="en-US" dirty="0" smtClean="0">
+                <a:solidFill>
+                  <a:srgbClr val="000000"/>
+                </a:solidFill>
+                <a:latin typeface="Agency FB"/>
+              </a:rPr>
+              <a:t>Twenty Yard Shuttle- higher times shows negative impacts on yardage</a:t>
+            </a:r>
+          </a:p>
+          <a:p>
+            <a:pPr marL="342900" indent="-342900">
+              <a:lnSpc>
+                <a:spcPct val="100000"/>
+              </a:lnSpc>
+              <a:buFont typeface="Arial" panose="020B0604020202020204" pitchFamily="34" charset="0"/>
+              <a:buChar char="•"/>
+            </a:pPr>
+            <a:r>
+              <a:rPr lang="en-US" dirty="0" smtClean="0">
+                <a:solidFill>
+                  <a:srgbClr val="000000"/>
+                </a:solidFill>
+                <a:latin typeface="Agency FB"/>
+              </a:rPr>
+              <a:t>Vertical Jump- higher jump shows positive impacts on yardage</a:t>
+            </a:r>
+          </a:p>
+          <a:p>
+            <a:pPr>
+              <a:lnSpc>
+                <a:spcPct val="100000"/>
+              </a:lnSpc>
+            </a:pPr>
+            <a:endParaRPr lang="en-US" sz="2400" dirty="0" smtClean="0">
+              <a:solidFill>
+                <a:srgbClr val="000000"/>
+              </a:solidFill>
+              <a:latin typeface="Agency FB"/>
+            </a:endParaRPr>
+          </a:p>
+          <a:p>
+            <a:pPr>
+              <a:lnSpc>
+                <a:spcPct val="100000"/>
+              </a:lnSpc>
+            </a:pPr>
+            <a:endParaRPr sz="700" dirty="0"/>
+          </a:p>
+        </p:txBody>
+      </p:sp>
+      <p:sp>
+        <p:nvSpPr>
+          <p:cNvPr id="69" name="CustomShape 5"/>
+          <p:cNvSpPr/>
+          <p:nvPr/>
+        </p:nvSpPr>
+        <p:spPr>
+          <a:xfrm>
+            <a:off x="30174787" y="13076565"/>
+            <a:ext cx="6095999" cy="2521688"/>
+          </a:xfrm>
+          <a:prstGeom prst="rect">
+            <a:avLst/>
+          </a:prstGeom>
+          <a:noFill/>
+          <a:ln>
+            <a:noFill/>
+          </a:ln>
+        </p:spPr>
+        <p:txBody>
+          <a:bodyPr lIns="90000" tIns="45000" rIns="90000" bIns="45000"/>
+          <a:lstStyle/>
+          <a:p>
+            <a:pPr>
+              <a:lnSpc>
+                <a:spcPct val="100000"/>
+              </a:lnSpc>
+            </a:pPr>
+            <a:r>
+              <a:rPr lang="en-US" sz="4800" dirty="0" smtClean="0">
+                <a:solidFill>
+                  <a:srgbClr val="000000"/>
+                </a:solidFill>
+                <a:latin typeface="Agency FB"/>
+              </a:rPr>
+              <a:t>WR Yardage</a:t>
+            </a:r>
+          </a:p>
+          <a:p>
+            <a:pPr marL="285750" indent="-285750">
+              <a:lnSpc>
+                <a:spcPct val="100000"/>
+              </a:lnSpc>
+              <a:buFont typeface="Arial" panose="020B0604020202020204" pitchFamily="34" charset="0"/>
+              <a:buChar char="•"/>
+            </a:pPr>
+            <a:r>
+              <a:rPr lang="en-US" dirty="0" smtClean="0">
+                <a:solidFill>
+                  <a:srgbClr val="000000"/>
+                </a:solidFill>
+                <a:latin typeface="Agency FB"/>
+              </a:rPr>
+              <a:t>Weight- higher weight shows positive impacts on yardage</a:t>
+            </a:r>
+          </a:p>
+          <a:p>
+            <a:pPr marL="285750" indent="-285750">
+              <a:lnSpc>
+                <a:spcPct val="100000"/>
+              </a:lnSpc>
+              <a:buFont typeface="Arial" panose="020B0604020202020204" pitchFamily="34" charset="0"/>
+              <a:buChar char="•"/>
+            </a:pPr>
+            <a:r>
+              <a:rPr lang="en-US" dirty="0" smtClean="0">
+                <a:solidFill>
+                  <a:srgbClr val="000000"/>
+                </a:solidFill>
+                <a:latin typeface="Agency FB"/>
+              </a:rPr>
+              <a:t>Height- higher height shows positive impacts on yardage</a:t>
+            </a:r>
+          </a:p>
+          <a:p>
+            <a:pPr marL="285750" indent="-285750">
+              <a:lnSpc>
+                <a:spcPct val="100000"/>
+              </a:lnSpc>
+              <a:buFont typeface="Arial" panose="020B0604020202020204" pitchFamily="34" charset="0"/>
+              <a:buChar char="•"/>
+            </a:pPr>
+            <a:r>
+              <a:rPr lang="en-US" dirty="0" smtClean="0">
+                <a:solidFill>
+                  <a:srgbClr val="000000"/>
+                </a:solidFill>
+                <a:latin typeface="Agency FB"/>
+              </a:rPr>
+              <a:t>40-Yard Dash- higher times shows negative impacts on yardage</a:t>
+            </a:r>
+          </a:p>
+          <a:p>
+            <a:pPr marL="285750" indent="-285750">
+              <a:lnSpc>
+                <a:spcPct val="100000"/>
+              </a:lnSpc>
+              <a:buFont typeface="Arial" panose="020B0604020202020204" pitchFamily="34" charset="0"/>
+              <a:buChar char="•"/>
+            </a:pPr>
+            <a:r>
+              <a:rPr lang="en-US" dirty="0" smtClean="0">
+                <a:solidFill>
+                  <a:srgbClr val="000000"/>
+                </a:solidFill>
+                <a:latin typeface="Agency FB"/>
+              </a:rPr>
+              <a:t>Twenty Yard Shuttle- higher times shows negative impacts on yardage</a:t>
+            </a:r>
+          </a:p>
+          <a:p>
+            <a:pPr marL="285750" indent="-285750">
+              <a:lnSpc>
+                <a:spcPct val="100000"/>
+              </a:lnSpc>
+              <a:buFont typeface="Arial" panose="020B0604020202020204" pitchFamily="34" charset="0"/>
+              <a:buChar char="•"/>
+            </a:pPr>
+            <a:r>
+              <a:rPr lang="en-US" dirty="0" smtClean="0">
+                <a:solidFill>
+                  <a:srgbClr val="000000"/>
+                </a:solidFill>
+                <a:latin typeface="Agency FB"/>
+              </a:rPr>
+              <a:t>Vertical Jump- higher jump shows positive impacts on yardage</a:t>
+            </a:r>
+          </a:p>
+          <a:p>
+            <a:pPr algn="ctr">
+              <a:lnSpc>
+                <a:spcPct val="100000"/>
+              </a:lnSpc>
+            </a:pPr>
+            <a:endParaRPr lang="en-US" sz="2400" dirty="0" smtClean="0">
+              <a:solidFill>
+                <a:srgbClr val="000000"/>
+              </a:solidFill>
+              <a:latin typeface="Agency FB"/>
+            </a:endParaRPr>
+          </a:p>
+          <a:p>
+            <a:pPr algn="ctr">
+              <a:lnSpc>
+                <a:spcPct val="100000"/>
+              </a:lnSpc>
+            </a:pPr>
+            <a:endParaRPr sz="800" dirty="0"/>
+          </a:p>
+        </p:txBody>
+      </p:sp>
+      <p:sp>
+        <p:nvSpPr>
+          <p:cNvPr id="70" name="CustomShape 5"/>
+          <p:cNvSpPr/>
+          <p:nvPr/>
+        </p:nvSpPr>
+        <p:spPr>
+          <a:xfrm>
+            <a:off x="30091593" y="5827198"/>
+            <a:ext cx="5963251" cy="2596844"/>
+          </a:xfrm>
+          <a:prstGeom prst="rect">
+            <a:avLst/>
+          </a:prstGeom>
+          <a:noFill/>
+          <a:ln>
+            <a:noFill/>
+          </a:ln>
+        </p:spPr>
+        <p:txBody>
+          <a:bodyPr lIns="90000" tIns="45000" rIns="90000" bIns="45000"/>
+          <a:lstStyle/>
+          <a:p>
+            <a:pPr>
+              <a:lnSpc>
+                <a:spcPct val="100000"/>
+              </a:lnSpc>
+            </a:pPr>
+            <a:r>
+              <a:rPr lang="en-US" sz="4800" dirty="0" smtClean="0">
+                <a:solidFill>
+                  <a:srgbClr val="000000"/>
+                </a:solidFill>
+                <a:latin typeface="Agency FB"/>
+              </a:rPr>
+              <a:t>QB Yardage</a:t>
+            </a:r>
+          </a:p>
+          <a:p>
+            <a:pPr marL="342900" indent="-342900">
+              <a:lnSpc>
+                <a:spcPct val="100000"/>
+              </a:lnSpc>
+              <a:buFont typeface="Arial" panose="020B0604020202020204" pitchFamily="34" charset="0"/>
+              <a:buChar char="•"/>
+            </a:pPr>
+            <a:r>
+              <a:rPr lang="en-US" dirty="0" smtClean="0">
+                <a:solidFill>
+                  <a:srgbClr val="000000"/>
+                </a:solidFill>
+                <a:latin typeface="Agency FB"/>
+              </a:rPr>
+              <a:t>Weight- higher weight shows negative impacts on yardage</a:t>
+            </a:r>
+          </a:p>
+          <a:p>
+            <a:pPr marL="342900" indent="-342900">
+              <a:lnSpc>
+                <a:spcPct val="100000"/>
+              </a:lnSpc>
+              <a:buFont typeface="Arial" panose="020B0604020202020204" pitchFamily="34" charset="0"/>
+              <a:buChar char="•"/>
+            </a:pPr>
+            <a:r>
+              <a:rPr lang="en-US" dirty="0" smtClean="0">
+                <a:solidFill>
+                  <a:srgbClr val="000000"/>
+                </a:solidFill>
+                <a:latin typeface="Agency FB"/>
+              </a:rPr>
+              <a:t>Height- higher height shows positive impacts on yardage</a:t>
+            </a:r>
+          </a:p>
+          <a:p>
+            <a:pPr marL="342900" indent="-342900">
+              <a:lnSpc>
+                <a:spcPct val="100000"/>
+              </a:lnSpc>
+              <a:buFont typeface="Arial" panose="020B0604020202020204" pitchFamily="34" charset="0"/>
+              <a:buChar char="•"/>
+            </a:pPr>
+            <a:r>
+              <a:rPr lang="en-US" dirty="0" smtClean="0">
+                <a:solidFill>
+                  <a:srgbClr val="000000"/>
+                </a:solidFill>
+                <a:latin typeface="Agency FB"/>
+              </a:rPr>
+              <a:t>40-Yard Dash- higher times shows negative impacts on yardage</a:t>
+            </a:r>
+          </a:p>
+          <a:p>
+            <a:pPr marL="342900" indent="-342900">
+              <a:lnSpc>
+                <a:spcPct val="100000"/>
+              </a:lnSpc>
+              <a:buFont typeface="Arial" panose="020B0604020202020204" pitchFamily="34" charset="0"/>
+              <a:buChar char="•"/>
+            </a:pPr>
+            <a:r>
+              <a:rPr lang="en-US" dirty="0" smtClean="0">
+                <a:solidFill>
+                  <a:srgbClr val="000000"/>
+                </a:solidFill>
+                <a:latin typeface="Agency FB"/>
+              </a:rPr>
+              <a:t>Twenty Yard Shuttle- higher times shows positive impacts on yardage</a:t>
+            </a:r>
+          </a:p>
+          <a:p>
+            <a:pPr marL="342900" indent="-342900">
+              <a:lnSpc>
+                <a:spcPct val="100000"/>
+              </a:lnSpc>
+              <a:buFont typeface="Arial" panose="020B0604020202020204" pitchFamily="34" charset="0"/>
+              <a:buChar char="•"/>
+            </a:pPr>
+            <a:r>
+              <a:rPr lang="en-US" dirty="0" smtClean="0">
+                <a:solidFill>
+                  <a:srgbClr val="000000"/>
+                </a:solidFill>
+                <a:latin typeface="Agency FB"/>
+              </a:rPr>
+              <a:t>Vertical Jump- lower jump shows negative impacts on yardage</a:t>
+            </a:r>
+          </a:p>
+          <a:p>
+            <a:pPr>
+              <a:lnSpc>
+                <a:spcPct val="100000"/>
+              </a:lnSpc>
+            </a:pPr>
+            <a:endParaRPr lang="en-US" sz="6220" dirty="0" smtClean="0">
+              <a:solidFill>
+                <a:srgbClr val="000000"/>
+              </a:solidFill>
+              <a:latin typeface="Agency FB"/>
+            </a:endParaRPr>
+          </a:p>
+          <a:p>
+            <a:pPr>
+              <a:lnSpc>
+                <a:spcPct val="100000"/>
+              </a:lnSpc>
+            </a:pPr>
+            <a:endParaRPr dirty="0"/>
+          </a:p>
+        </p:txBody>
+      </p:sp>
+      <p:sp>
+        <p:nvSpPr>
+          <p:cNvPr id="71" name="CustomShape 5"/>
+          <p:cNvSpPr/>
+          <p:nvPr/>
+        </p:nvSpPr>
+        <p:spPr>
+          <a:xfrm>
+            <a:off x="30091593" y="17698352"/>
+            <a:ext cx="5829300" cy="2810158"/>
+          </a:xfrm>
+          <a:prstGeom prst="rect">
+            <a:avLst/>
+          </a:prstGeom>
+          <a:noFill/>
+          <a:ln>
+            <a:noFill/>
+          </a:ln>
+        </p:spPr>
+        <p:txBody>
+          <a:bodyPr lIns="90000" tIns="45000" rIns="90000" bIns="45000"/>
+          <a:lstStyle/>
+          <a:p>
+            <a:pPr>
+              <a:lnSpc>
+                <a:spcPct val="100000"/>
+              </a:lnSpc>
+            </a:pPr>
+            <a:r>
+              <a:rPr lang="en-US" sz="4800" dirty="0" smtClean="0">
+                <a:solidFill>
+                  <a:srgbClr val="000000"/>
+                </a:solidFill>
+                <a:latin typeface="Agency FB"/>
+              </a:rPr>
+              <a:t>QB Pick</a:t>
+            </a:r>
+          </a:p>
+          <a:p>
+            <a:pPr marL="342900" indent="-342900">
+              <a:lnSpc>
+                <a:spcPct val="100000"/>
+              </a:lnSpc>
+              <a:buFont typeface="Arial" panose="020B0604020202020204" pitchFamily="34" charset="0"/>
+              <a:buChar char="•"/>
+            </a:pPr>
+            <a:r>
+              <a:rPr lang="en-US" dirty="0" smtClean="0">
+                <a:solidFill>
+                  <a:srgbClr val="000000"/>
+                </a:solidFill>
+                <a:latin typeface="Agency FB"/>
+              </a:rPr>
+              <a:t>Weight- higher weight shows positive impacts on pick</a:t>
+            </a:r>
+          </a:p>
+          <a:p>
+            <a:pPr marL="342900" indent="-342900">
+              <a:lnSpc>
+                <a:spcPct val="100000"/>
+              </a:lnSpc>
+              <a:buFont typeface="Arial" panose="020B0604020202020204" pitchFamily="34" charset="0"/>
+              <a:buChar char="•"/>
+            </a:pPr>
+            <a:r>
+              <a:rPr lang="en-US" dirty="0" smtClean="0">
+                <a:solidFill>
+                  <a:srgbClr val="000000"/>
+                </a:solidFill>
+                <a:latin typeface="Agency FB"/>
+              </a:rPr>
+              <a:t>Height- higher height shows negative impacts on pick</a:t>
+            </a:r>
+          </a:p>
+          <a:p>
+            <a:pPr marL="342900" indent="-342900">
+              <a:lnSpc>
+                <a:spcPct val="100000"/>
+              </a:lnSpc>
+              <a:buFont typeface="Arial" panose="020B0604020202020204" pitchFamily="34" charset="0"/>
+              <a:buChar char="•"/>
+            </a:pPr>
+            <a:r>
+              <a:rPr lang="en-US" dirty="0" smtClean="0">
+                <a:solidFill>
+                  <a:srgbClr val="000000"/>
+                </a:solidFill>
+                <a:latin typeface="Agency FB"/>
+              </a:rPr>
+              <a:t>40-Yard Dash- higher times shows negative impacts on pick</a:t>
+            </a:r>
+          </a:p>
+          <a:p>
+            <a:pPr marL="342900" indent="-342900">
+              <a:lnSpc>
+                <a:spcPct val="100000"/>
+              </a:lnSpc>
+              <a:buFont typeface="Arial" panose="020B0604020202020204" pitchFamily="34" charset="0"/>
+              <a:buChar char="•"/>
+            </a:pPr>
+            <a:r>
+              <a:rPr lang="en-US" dirty="0" smtClean="0">
+                <a:solidFill>
+                  <a:srgbClr val="000000"/>
+                </a:solidFill>
+                <a:latin typeface="Agency FB"/>
+              </a:rPr>
+              <a:t>Twenty Yard Shuttle- higher times shows negative impacts on pick</a:t>
+            </a:r>
+          </a:p>
+          <a:p>
+            <a:pPr marL="342900" indent="-342900">
+              <a:lnSpc>
+                <a:spcPct val="100000"/>
+              </a:lnSpc>
+              <a:buFont typeface="Arial" panose="020B0604020202020204" pitchFamily="34" charset="0"/>
+              <a:buChar char="•"/>
+            </a:pPr>
+            <a:r>
+              <a:rPr lang="en-US" dirty="0" smtClean="0">
+                <a:solidFill>
+                  <a:srgbClr val="000000"/>
+                </a:solidFill>
+                <a:latin typeface="Agency FB"/>
+              </a:rPr>
+              <a:t>Vertical Jump- higher jump shows negative impacts on pick</a:t>
+            </a:r>
+          </a:p>
+          <a:p>
+            <a:pPr>
+              <a:lnSpc>
+                <a:spcPct val="100000"/>
+              </a:lnSpc>
+            </a:pPr>
+            <a:endParaRPr lang="en-US" sz="6220" dirty="0" smtClean="0">
+              <a:solidFill>
+                <a:srgbClr val="000000"/>
+              </a:solidFill>
+              <a:latin typeface="Agency FB"/>
+            </a:endParaRPr>
+          </a:p>
+          <a:p>
+            <a:pPr>
+              <a:lnSpc>
+                <a:spcPct val="100000"/>
+              </a:lnSpc>
+            </a:pPr>
+            <a:endParaRPr dirty="0"/>
+          </a:p>
+        </p:txBody>
+      </p:sp>
+      <p:sp>
+        <p:nvSpPr>
+          <p:cNvPr id="72" name="CustomShape 5"/>
+          <p:cNvSpPr/>
+          <p:nvPr/>
+        </p:nvSpPr>
+        <p:spPr>
+          <a:xfrm>
+            <a:off x="30174787" y="21467430"/>
+            <a:ext cx="5772563" cy="2497081"/>
+          </a:xfrm>
+          <a:prstGeom prst="rect">
+            <a:avLst/>
+          </a:prstGeom>
+          <a:noFill/>
+          <a:ln>
+            <a:noFill/>
+          </a:ln>
+        </p:spPr>
+        <p:txBody>
+          <a:bodyPr lIns="90000" tIns="45000" rIns="90000" bIns="45000"/>
+          <a:lstStyle/>
+          <a:p>
+            <a:pPr>
+              <a:lnSpc>
+                <a:spcPct val="100000"/>
+              </a:lnSpc>
+            </a:pPr>
+            <a:r>
+              <a:rPr lang="en-US" sz="4800" dirty="0">
+                <a:solidFill>
+                  <a:srgbClr val="000000"/>
+                </a:solidFill>
+                <a:latin typeface="Agency FB"/>
+              </a:rPr>
+              <a:t>R</a:t>
+            </a:r>
+            <a:r>
+              <a:rPr lang="en-US" sz="4800" dirty="0" smtClean="0">
+                <a:solidFill>
+                  <a:srgbClr val="000000"/>
+                </a:solidFill>
+                <a:latin typeface="Agency FB"/>
+              </a:rPr>
+              <a:t>B Pick</a:t>
+            </a:r>
+          </a:p>
+          <a:p>
+            <a:pPr marL="285750" indent="-285750">
+              <a:lnSpc>
+                <a:spcPct val="100000"/>
+              </a:lnSpc>
+              <a:buFont typeface="Arial" panose="020B0604020202020204" pitchFamily="34" charset="0"/>
+              <a:buChar char="•"/>
+            </a:pPr>
+            <a:r>
+              <a:rPr lang="en-US" dirty="0" smtClean="0">
+                <a:solidFill>
+                  <a:srgbClr val="000000"/>
+                </a:solidFill>
+                <a:latin typeface="Agency FB"/>
+              </a:rPr>
+              <a:t>Weight- higher weight shows positive impacts on pick</a:t>
+            </a:r>
+          </a:p>
+          <a:p>
+            <a:pPr marL="285750" indent="-285750">
+              <a:lnSpc>
+                <a:spcPct val="100000"/>
+              </a:lnSpc>
+              <a:buFont typeface="Arial" panose="020B0604020202020204" pitchFamily="34" charset="0"/>
+              <a:buChar char="•"/>
+            </a:pPr>
+            <a:r>
+              <a:rPr lang="en-US" dirty="0" smtClean="0">
+                <a:solidFill>
+                  <a:srgbClr val="000000"/>
+                </a:solidFill>
+                <a:latin typeface="Agency FB"/>
+              </a:rPr>
+              <a:t>Height- higher height shows negative impacts on pick</a:t>
+            </a:r>
+          </a:p>
+          <a:p>
+            <a:pPr marL="285750" indent="-285750">
+              <a:lnSpc>
+                <a:spcPct val="100000"/>
+              </a:lnSpc>
+              <a:buFont typeface="Arial" panose="020B0604020202020204" pitchFamily="34" charset="0"/>
+              <a:buChar char="•"/>
+            </a:pPr>
+            <a:r>
+              <a:rPr lang="en-US" dirty="0" smtClean="0">
+                <a:solidFill>
+                  <a:srgbClr val="000000"/>
+                </a:solidFill>
+                <a:latin typeface="Agency FB"/>
+              </a:rPr>
+              <a:t>40-Yard Dash- higher times shows positive impacts on pick</a:t>
+            </a:r>
+          </a:p>
+          <a:p>
+            <a:pPr marL="285750" indent="-285750">
+              <a:lnSpc>
+                <a:spcPct val="100000"/>
+              </a:lnSpc>
+              <a:buFont typeface="Arial" panose="020B0604020202020204" pitchFamily="34" charset="0"/>
+              <a:buChar char="•"/>
+            </a:pPr>
+            <a:r>
+              <a:rPr lang="en-US" dirty="0" smtClean="0">
+                <a:solidFill>
+                  <a:srgbClr val="000000"/>
+                </a:solidFill>
+                <a:latin typeface="Agency FB"/>
+              </a:rPr>
+              <a:t>Twenty Yard Shuttle- higher times shows negative impacts on pick</a:t>
+            </a:r>
+          </a:p>
+          <a:p>
+            <a:pPr marL="285750" indent="-285750">
+              <a:lnSpc>
+                <a:spcPct val="100000"/>
+              </a:lnSpc>
+              <a:buFont typeface="Arial" panose="020B0604020202020204" pitchFamily="34" charset="0"/>
+              <a:buChar char="•"/>
+            </a:pPr>
+            <a:r>
+              <a:rPr lang="en-US" dirty="0" smtClean="0">
+                <a:solidFill>
+                  <a:srgbClr val="000000"/>
+                </a:solidFill>
+                <a:latin typeface="Agency FB"/>
+              </a:rPr>
+              <a:t>Vertical Jump- higher jump shows positive impacts on pick</a:t>
+            </a:r>
+          </a:p>
+          <a:p>
+            <a:pPr>
+              <a:lnSpc>
+                <a:spcPct val="100000"/>
+              </a:lnSpc>
+            </a:pPr>
+            <a:endParaRPr lang="en-US" sz="6220" dirty="0" smtClean="0">
+              <a:solidFill>
+                <a:srgbClr val="000000"/>
+              </a:solidFill>
+              <a:latin typeface="Agency FB"/>
+            </a:endParaRPr>
+          </a:p>
+          <a:p>
+            <a:pPr>
+              <a:lnSpc>
+                <a:spcPct val="100000"/>
+              </a:lnSpc>
+            </a:pPr>
+            <a:endParaRPr dirty="0"/>
+          </a:p>
+        </p:txBody>
+      </p:sp>
       <p:pic>
         <p:nvPicPr>
-          <p:cNvPr id="11" name="Picture 10"/>
+          <p:cNvPr id="73" name="Picture 72"/>
           <p:cNvPicPr>
             <a:picLocks noChangeAspect="1"/>
           </p:cNvPicPr>
@@ -3640,8 +3752,8 @@
         </p:blipFill>
         <p:spPr>
           <a:xfrm>
-            <a:off x="25083084" y="8739878"/>
-            <a:ext cx="5224864" cy="2932938"/>
+            <a:off x="24454434" y="5504298"/>
+            <a:ext cx="5224864" cy="2964542"/>
           </a:xfrm>
           <a:prstGeom prst="rect">
             <a:avLst/>
@@ -3650,7 +3762,7 @@
       </p:pic>
       <p:pic>
         <p:nvPicPr>
-          <p:cNvPr id="13" name="Picture 12"/>
+          <p:cNvPr id="74" name="Picture 73"/>
           <p:cNvPicPr>
             <a:picLocks noChangeAspect="1"/>
           </p:cNvPicPr>
@@ -3670,8 +3782,8 @@
         </p:blipFill>
         <p:spPr>
           <a:xfrm>
-            <a:off x="25083084" y="12709274"/>
-            <a:ext cx="5337859" cy="3035985"/>
+            <a:off x="24454434" y="9063728"/>
+            <a:ext cx="5224864" cy="2932938"/>
           </a:xfrm>
           <a:prstGeom prst="rect">
             <a:avLst/>
@@ -3680,7 +3792,7 @@
       </p:pic>
       <p:pic>
         <p:nvPicPr>
-          <p:cNvPr id="14" name="Picture 13"/>
+          <p:cNvPr id="75" name="Picture 74"/>
           <p:cNvPicPr>
             <a:picLocks noChangeAspect="1"/>
           </p:cNvPicPr>
@@ -3700,8 +3812,8 @@
         </p:blipFill>
         <p:spPr>
           <a:xfrm>
-            <a:off x="25033173" y="17204619"/>
-            <a:ext cx="5564460" cy="3243321"/>
+            <a:off x="24454434" y="13033124"/>
+            <a:ext cx="5337859" cy="3035985"/>
           </a:xfrm>
           <a:prstGeom prst="rect">
             <a:avLst/>
@@ -3710,7 +3822,7 @@
       </p:pic>
       <p:pic>
         <p:nvPicPr>
-          <p:cNvPr id="15" name="Picture 14"/>
+          <p:cNvPr id="76" name="Picture 75"/>
           <p:cNvPicPr>
             <a:picLocks noChangeAspect="1"/>
           </p:cNvPicPr>
@@ -3730,8 +3842,8 @@
         </p:blipFill>
         <p:spPr>
           <a:xfrm>
-            <a:off x="24894716" y="21013538"/>
-            <a:ext cx="5601600" cy="3129562"/>
+            <a:off x="24404523" y="17528469"/>
+            <a:ext cx="5564460" cy="3243321"/>
           </a:xfrm>
           <a:prstGeom prst="rect">
             <a:avLst/>
@@ -3740,7 +3852,7 @@
       </p:pic>
       <p:pic>
         <p:nvPicPr>
-          <p:cNvPr id="16" name="Picture 15"/>
+          <p:cNvPr id="77" name="Picture 76"/>
           <p:cNvPicPr>
             <a:picLocks noChangeAspect="1"/>
           </p:cNvPicPr>
@@ -3760,7 +3872,37 @@
         </p:blipFill>
         <p:spPr>
           <a:xfrm>
-            <a:off x="24910563" y="24954729"/>
+            <a:off x="24266066" y="21337388"/>
+            <a:ext cx="5601600" cy="3129562"/>
+          </a:xfrm>
+          <a:prstGeom prst="rect">
+            <a:avLst/>
+          </a:prstGeom>
+        </p:spPr>
+      </p:pic>
+      <p:pic>
+        <p:nvPicPr>
+          <p:cNvPr id="78" name="Picture 77"/>
+          <p:cNvPicPr>
+            <a:picLocks noChangeAspect="1"/>
+          </p:cNvPicPr>
+          <p:nvPr/>
+        </p:nvPicPr>
+        <p:blipFill>
+          <a:blip r:embed="rId18">
+            <a:extLst>
+              <a:ext uri="{28A0092B-C50C-407E-A947-70E740481C1C}">
+                <a14:useLocalDpi xmlns:a14="http://schemas.microsoft.com/office/drawing/2010/main" val="0"/>
+              </a:ext>
+            </a:extLst>
+          </a:blip>
+          <a:stretch>
+            <a:fillRect/>
+          </a:stretch>
+        </p:blipFill>
+        <p:spPr>
+          <a:xfrm>
+            <a:off x="24281913" y="25278579"/>
             <a:ext cx="5809680" cy="3400625"/>
           </a:xfrm>
           <a:prstGeom prst="rect">
@@ -3770,13 +3912,13 @@
       </p:pic>
       <p:sp>
         <p:nvSpPr>
-          <p:cNvPr id="58" name="CustomShape 2"/>
+          <p:cNvPr id="79" name="CustomShape 2"/>
           <p:cNvSpPr/>
           <p:nvPr/>
         </p:nvSpPr>
         <p:spPr>
           <a:xfrm>
-            <a:off x="24629196" y="2979764"/>
+            <a:off x="24000546" y="3303614"/>
             <a:ext cx="12270240" cy="1984680"/>
           </a:xfrm>
           <a:prstGeom prst="rect">
